--- a/diagram/architecture.pptx
+++ b/diagram/architecture.pptx
@@ -104,6 +104,11 @@
       </a:defRPr>
     </a:lvl9pPr>
   </p:defaultTextStyle>
+  <p:extLst>
+    <p:ext uri="{EFAFB233-063F-42B5-8137-9DF3F51BA10A}">
+      <p15:sldGuideLst xmlns:p15="http://schemas.microsoft.com/office/powerpoint/2012/main"/>
+    </p:ext>
+  </p:extLst>
 </p:presentation>
 </file>
 
@@ -238,7 +243,7 @@
           <a:p>
             <a:fld id="{3315C6C2-5E3C-0545-A590-A2FEC84CB2E4}" type="datetimeFigureOut">
               <a:rPr lang="en-KR" smtClean="0"/>
-              <a:t>2020/08/15</a:t>
+              <a:t>2020/08/22</a:t>
             </a:fld>
             <a:endParaRPr lang="en-KR"/>
           </a:p>
@@ -408,7 +413,7 @@
           <a:p>
             <a:fld id="{3315C6C2-5E3C-0545-A590-A2FEC84CB2E4}" type="datetimeFigureOut">
               <a:rPr lang="en-KR" smtClean="0"/>
-              <a:t>2020/08/15</a:t>
+              <a:t>2020/08/22</a:t>
             </a:fld>
             <a:endParaRPr lang="en-KR"/>
           </a:p>
@@ -588,7 +593,7 @@
           <a:p>
             <a:fld id="{3315C6C2-5E3C-0545-A590-A2FEC84CB2E4}" type="datetimeFigureOut">
               <a:rPr lang="en-KR" smtClean="0"/>
-              <a:t>2020/08/15</a:t>
+              <a:t>2020/08/22</a:t>
             </a:fld>
             <a:endParaRPr lang="en-KR"/>
           </a:p>
@@ -758,7 +763,7 @@
           <a:p>
             <a:fld id="{3315C6C2-5E3C-0545-A590-A2FEC84CB2E4}" type="datetimeFigureOut">
               <a:rPr lang="en-KR" smtClean="0"/>
-              <a:t>2020/08/15</a:t>
+              <a:t>2020/08/22</a:t>
             </a:fld>
             <a:endParaRPr lang="en-KR"/>
           </a:p>
@@ -1002,7 +1007,7 @@
           <a:p>
             <a:fld id="{3315C6C2-5E3C-0545-A590-A2FEC84CB2E4}" type="datetimeFigureOut">
               <a:rPr lang="en-KR" smtClean="0"/>
-              <a:t>2020/08/15</a:t>
+              <a:t>2020/08/22</a:t>
             </a:fld>
             <a:endParaRPr lang="en-KR"/>
           </a:p>
@@ -1234,7 +1239,7 @@
           <a:p>
             <a:fld id="{3315C6C2-5E3C-0545-A590-A2FEC84CB2E4}" type="datetimeFigureOut">
               <a:rPr lang="en-KR" smtClean="0"/>
-              <a:t>2020/08/15</a:t>
+              <a:t>2020/08/22</a:t>
             </a:fld>
             <a:endParaRPr lang="en-KR"/>
           </a:p>
@@ -1601,7 +1606,7 @@
           <a:p>
             <a:fld id="{3315C6C2-5E3C-0545-A590-A2FEC84CB2E4}" type="datetimeFigureOut">
               <a:rPr lang="en-KR" smtClean="0"/>
-              <a:t>2020/08/15</a:t>
+              <a:t>2020/08/22</a:t>
             </a:fld>
             <a:endParaRPr lang="en-KR"/>
           </a:p>
@@ -1719,7 +1724,7 @@
           <a:p>
             <a:fld id="{3315C6C2-5E3C-0545-A590-A2FEC84CB2E4}" type="datetimeFigureOut">
               <a:rPr lang="en-KR" smtClean="0"/>
-              <a:t>2020/08/15</a:t>
+              <a:t>2020/08/22</a:t>
             </a:fld>
             <a:endParaRPr lang="en-KR"/>
           </a:p>
@@ -1814,7 +1819,7 @@
           <a:p>
             <a:fld id="{3315C6C2-5E3C-0545-A590-A2FEC84CB2E4}" type="datetimeFigureOut">
               <a:rPr lang="en-KR" smtClean="0"/>
-              <a:t>2020/08/15</a:t>
+              <a:t>2020/08/22</a:t>
             </a:fld>
             <a:endParaRPr lang="en-KR"/>
           </a:p>
@@ -2091,7 +2096,7 @@
           <a:p>
             <a:fld id="{3315C6C2-5E3C-0545-A590-A2FEC84CB2E4}" type="datetimeFigureOut">
               <a:rPr lang="en-KR" smtClean="0"/>
-              <a:t>2020/08/15</a:t>
+              <a:t>2020/08/22</a:t>
             </a:fld>
             <a:endParaRPr lang="en-KR"/>
           </a:p>
@@ -2348,7 +2353,7 @@
           <a:p>
             <a:fld id="{3315C6C2-5E3C-0545-A590-A2FEC84CB2E4}" type="datetimeFigureOut">
               <a:rPr lang="en-KR" smtClean="0"/>
-              <a:t>2020/08/15</a:t>
+              <a:t>2020/08/22</a:t>
             </a:fld>
             <a:endParaRPr lang="en-KR"/>
           </a:p>
@@ -2561,7 +2566,7 @@
           <a:p>
             <a:fld id="{3315C6C2-5E3C-0545-A590-A2FEC84CB2E4}" type="datetimeFigureOut">
               <a:rPr lang="en-KR" smtClean="0"/>
-              <a:t>2020/08/15</a:t>
+              <a:t>2020/08/22</a:t>
             </a:fld>
             <a:endParaRPr lang="en-KR"/>
           </a:p>
@@ -3742,14 +3747,14 @@
           <p:cNvCxnSpPr>
             <a:cxnSpLocks/>
             <a:stCxn id="82" idx="3"/>
-            <a:endCxn id="67" idx="1"/>
+            <a:endCxn id="55" idx="1"/>
           </p:cNvCxnSpPr>
           <p:nvPr/>
         </p:nvCxnSpPr>
         <p:spPr>
           <a:xfrm>
             <a:off x="4432344" y="7477170"/>
-            <a:ext cx="3286624" cy="8118"/>
+            <a:ext cx="1297983" cy="5666"/>
           </a:xfrm>
           <a:prstGeom prst="straightConnector1">
             <a:avLst/>
@@ -4624,8 +4629,8 @@
         </p:nvSpPr>
         <p:spPr>
           <a:xfrm>
-            <a:off x="8260143" y="7394788"/>
-            <a:ext cx="1595309" cy="430887"/>
+            <a:off x="8235297" y="7094532"/>
+            <a:ext cx="1645002" cy="769441"/>
           </a:xfrm>
           <a:prstGeom prst="rect">
             <a:avLst/>
@@ -4667,11 +4672,56 @@
               </a:rPr>
               <a:t>데이터를 바탕으로 학습</a:t>
             </a:r>
+            <a:r>
+              <a:rPr lang="en-US" altLang="ko-KR" sz="1100" dirty="0">
+                <a:latin typeface="Nanum Gothic" panose="020D0604000000000000" pitchFamily="34" charset="-127"/>
+                <a:ea typeface="Nanum Gothic" panose="020D0604000000000000" pitchFamily="34" charset="-127"/>
+              </a:rPr>
+              <a:t>,</a:t>
+            </a:r>
+          </a:p>
+          <a:p>
+            <a:pPr algn="ctr"/>
+            <a:r>
+              <a:rPr lang="en-US" altLang="ko-KR" sz="1100" dirty="0" err="1">
+                <a:latin typeface="Nanum Gothic" panose="020D0604000000000000" pitchFamily="34" charset="-127"/>
+                <a:ea typeface="Nanum Gothic" panose="020D0604000000000000" pitchFamily="34" charset="-127"/>
+              </a:rPr>
+              <a:t>BatchInferenceJob</a:t>
+            </a:r>
+            <a:r>
+              <a:rPr lang="ko-KR" altLang="en-US" sz="1100" dirty="0" err="1">
+                <a:latin typeface="Nanum Gothic" panose="020D0604000000000000" pitchFamily="34" charset="-127"/>
+                <a:ea typeface="Nanum Gothic" panose="020D0604000000000000" pitchFamily="34" charset="-127"/>
+              </a:rPr>
+              <a:t>으로</a:t>
+            </a:r>
             <a:endParaRPr lang="en-US" altLang="ko-KR" sz="1100" dirty="0">
               <a:latin typeface="Nanum Gothic" panose="020D0604000000000000" pitchFamily="34" charset="-127"/>
               <a:ea typeface="Nanum Gothic" panose="020D0604000000000000" pitchFamily="34" charset="-127"/>
             </a:endParaRPr>
           </a:p>
+          <a:p>
+            <a:pPr algn="ctr"/>
+            <a:r>
+              <a:rPr lang="en-US" altLang="ko-KR" sz="1100" dirty="0">
+                <a:latin typeface="Nanum Gothic" panose="020D0604000000000000" pitchFamily="34" charset="-127"/>
+                <a:ea typeface="Nanum Gothic" panose="020D0604000000000000" pitchFamily="34" charset="-127"/>
+              </a:rPr>
+              <a:t>S3</a:t>
+            </a:r>
+            <a:r>
+              <a:rPr lang="ko-KR" altLang="en-US" sz="1100" dirty="0">
+                <a:latin typeface="Nanum Gothic" panose="020D0604000000000000" pitchFamily="34" charset="-127"/>
+                <a:ea typeface="Nanum Gothic" panose="020D0604000000000000" pitchFamily="34" charset="-127"/>
+              </a:rPr>
+              <a:t>에 추천 데이터 저장</a:t>
+            </a:r>
+            <a:endParaRPr lang="en-US" altLang="ko-KR" sz="1100" dirty="0">
+              <a:latin typeface="Nanum Gothic" panose="020D0604000000000000" pitchFamily="34" charset="-127"/>
+              <a:ea typeface="Nanum Gothic" panose="020D0604000000000000" pitchFamily="34" charset="-127"/>
+            </a:endParaRPr>
+          </a:p>
         </p:txBody>
       </p:sp>
       <p:sp>
@@ -4851,7 +4901,7 @@
         </p:nvSpPr>
         <p:spPr>
           <a:xfrm>
-            <a:off x="5257507" y="7602019"/>
+            <a:off x="4506877" y="7520131"/>
             <a:ext cx="1236236" cy="261610"/>
           </a:xfrm>
           <a:prstGeom prst="rect">
@@ -5589,6 +5639,171 @@
                 <a:ea typeface="Nanum Gothic" panose="020D0604000000000000" pitchFamily="34" charset="-127"/>
               </a:rPr>
               <a:t>발송</a:t>
+            </a:r>
+            <a:endParaRPr lang="en-KR" sz="1100" dirty="0">
+              <a:latin typeface="Nanum Gothic" panose="020D0604000000000000" pitchFamily="34" charset="-127"/>
+              <a:ea typeface="Nanum Gothic" panose="020D0604000000000000" pitchFamily="34" charset="-127"/>
+            </a:endParaRPr>
+          </a:p>
+        </p:txBody>
+      </p:sp>
+      <p:pic>
+        <p:nvPicPr>
+          <p:cNvPr id="55" name="Graphic 54">
+            <a:extLst>
+              <a:ext uri="{FF2B5EF4-FFF2-40B4-BE49-F238E27FC236}">
+                <a16:creationId xmlns:a16="http://schemas.microsoft.com/office/drawing/2014/main" id="{232F84D8-5168-DE4B-A7FC-7C87B100FFB5}"/>
+              </a:ext>
+            </a:extLst>
+          </p:cNvPr>
+          <p:cNvPicPr>
+            <a:picLocks noChangeAspect="1"/>
+          </p:cNvPicPr>
+          <p:nvPr/>
+        </p:nvPicPr>
+        <p:blipFill>
+          <a:blip r:embed="rId10">
+            <a:extLst>
+              <a:ext uri="{96DAC541-7B7A-43D3-8B79-37D633B846F1}">
+                <asvg:svgBlip xmlns:asvg="http://schemas.microsoft.com/office/drawing/2016/SVG/main" r:embed="rId11"/>
+              </a:ext>
+            </a:extLst>
+          </a:blip>
+          <a:stretch>
+            <a:fillRect/>
+          </a:stretch>
+        </p:blipFill>
+        <p:spPr>
+          <a:xfrm>
+            <a:off x="5730327" y="7247886"/>
+            <a:ext cx="469900" cy="469900"/>
+          </a:xfrm>
+          <a:prstGeom prst="rect">
+            <a:avLst/>
+          </a:prstGeom>
+        </p:spPr>
+      </p:pic>
+      <p:sp>
+        <p:nvSpPr>
+          <p:cNvPr id="56" name="TextBox 55">
+            <a:extLst>
+              <a:ext uri="{FF2B5EF4-FFF2-40B4-BE49-F238E27FC236}">
+                <a16:creationId xmlns:a16="http://schemas.microsoft.com/office/drawing/2014/main" id="{FB1D9A3A-01FC-6342-849A-6F09F4B51F27}"/>
+              </a:ext>
+            </a:extLst>
+          </p:cNvPr>
+          <p:cNvSpPr txBox="1"/>
+          <p:nvPr/>
+        </p:nvSpPr>
+        <p:spPr>
+          <a:xfrm>
+            <a:off x="4797855" y="7847879"/>
+            <a:ext cx="2301904" cy="523220"/>
+          </a:xfrm>
+          <a:prstGeom prst="rect">
+            <a:avLst/>
+          </a:prstGeom>
+          <a:noFill/>
+        </p:spPr>
+        <p:txBody>
+          <a:bodyPr wrap="square" rtlCol="0">
+            <a:spAutoFit/>
+          </a:bodyPr>
+          <a:lstStyle/>
+          <a:p>
+            <a:pPr algn="ctr"/>
+            <a:r>
+              <a:rPr lang="en-US" sz="1400" dirty="0">
+                <a:latin typeface="Nanum Gothic" panose="020D0604000000000000" pitchFamily="34" charset="-127"/>
+                <a:ea typeface="Nanum Gothic" panose="020D0604000000000000" pitchFamily="34" charset="-127"/>
+              </a:rPr>
+              <a:t>Amazon Simple Storage Service</a:t>
+            </a:r>
+          </a:p>
+        </p:txBody>
+      </p:sp>
+      <p:cxnSp>
+        <p:nvCxnSpPr>
+          <p:cNvPr id="57" name="Straight Arrow Connector 56">
+            <a:extLst>
+              <a:ext uri="{FF2B5EF4-FFF2-40B4-BE49-F238E27FC236}">
+                <a16:creationId xmlns:a16="http://schemas.microsoft.com/office/drawing/2014/main" id="{0023D4E3-DC11-1346-9B89-D6A3AF13FAFD}"/>
+              </a:ext>
+            </a:extLst>
+          </p:cNvPr>
+          <p:cNvCxnSpPr>
+            <a:cxnSpLocks/>
+            <a:stCxn id="55" idx="3"/>
+            <a:endCxn id="67" idx="1"/>
+          </p:cNvCxnSpPr>
+          <p:nvPr/>
+        </p:nvCxnSpPr>
+        <p:spPr>
+          <a:xfrm>
+            <a:off x="6200227" y="7482836"/>
+            <a:ext cx="1518741" cy="2452"/>
+          </a:xfrm>
+          <a:prstGeom prst="straightConnector1">
+            <a:avLst/>
+          </a:prstGeom>
+          <a:ln w="12700">
+            <a:solidFill>
+              <a:srgbClr val="545B64"/>
+            </a:solidFill>
+            <a:headEnd type="arrow" w="med" len="sm"/>
+            <a:tailEnd type="none" w="med" len="sm"/>
+          </a:ln>
+        </p:spPr>
+        <p:style>
+          <a:lnRef idx="1">
+            <a:schemeClr val="accent1"/>
+          </a:lnRef>
+          <a:fillRef idx="0">
+            <a:schemeClr val="accent1"/>
+          </a:fillRef>
+          <a:effectRef idx="0">
+            <a:schemeClr val="accent1"/>
+          </a:effectRef>
+          <a:fontRef idx="minor">
+            <a:schemeClr val="tx1"/>
+          </a:fontRef>
+        </p:style>
+      </p:cxnSp>
+      <p:sp>
+        <p:nvSpPr>
+          <p:cNvPr id="60" name="TextBox 59">
+            <a:extLst>
+              <a:ext uri="{FF2B5EF4-FFF2-40B4-BE49-F238E27FC236}">
+                <a16:creationId xmlns:a16="http://schemas.microsoft.com/office/drawing/2014/main" id="{C54C3810-14BB-4F49-9002-D6FD6023B6D1}"/>
+              </a:ext>
+            </a:extLst>
+          </p:cNvPr>
+          <p:cNvSpPr txBox="1"/>
+          <p:nvPr/>
+        </p:nvSpPr>
+        <p:spPr>
+          <a:xfrm>
+            <a:off x="6363879" y="7512018"/>
+            <a:ext cx="1236236" cy="261610"/>
+          </a:xfrm>
+          <a:prstGeom prst="rect">
+            <a:avLst/>
+          </a:prstGeom>
+          <a:noFill/>
+        </p:spPr>
+        <p:txBody>
+          <a:bodyPr wrap="none" rtlCol="0">
+            <a:spAutoFit/>
+          </a:bodyPr>
+          <a:lstStyle/>
+          <a:p>
+            <a:pPr algn="ctr"/>
+            <a:r>
+              <a:rPr lang="ko-KR" altLang="en-US" sz="1100" dirty="0">
+                <a:latin typeface="Nanum Gothic" panose="020D0604000000000000" pitchFamily="34" charset="-127"/>
+                <a:ea typeface="Nanum Gothic" panose="020D0604000000000000" pitchFamily="34" charset="-127"/>
+              </a:rPr>
+              <a:t>작품 추천 데이터</a:t>
             </a:r>
             <a:endParaRPr lang="en-KR" sz="1100" dirty="0">
               <a:latin typeface="Nanum Gothic" panose="020D0604000000000000" pitchFamily="34" charset="-127"/>

--- a/diagram/architecture.pptx
+++ b/diagram/architecture.pptx
@@ -6,6 +6,7 @@
   </p:sldMasterIdLst>
   <p:sldIdLst>
     <p:sldId id="257" r:id="rId2"/>
+    <p:sldId id="258" r:id="rId3"/>
   </p:sldIdLst>
   <p:sldSz cx="12599988" cy="8999538"/>
   <p:notesSz cx="6858000" cy="9144000"/>
@@ -112,6 +113,118 @@
 </p:presentation>
 </file>
 
+<file path=ppt/ink/ink1.xml><?xml version="1.0" encoding="utf-8"?>
+<inkml:ink xmlns:inkml="http://www.w3.org/2003/InkML">
+  <inkml:definitions>
+    <inkml:context xml:id="ctx0">
+      <inkml:inkSource xml:id="inkSrc0">
+        <inkml:traceFormat>
+          <inkml:channel name="X" type="integer" min="-2.14748E9" max="2.14748E9" units="cm"/>
+          <inkml:channel name="Y" type="integer" min="-2.14748E9" max="2.14748E9" units="cm"/>
+          <inkml:channel name="F" type="integer" max="32767" units="dev"/>
+        </inkml:traceFormat>
+        <inkml:channelProperties>
+          <inkml:channelProperty channel="X" name="resolution" value="1000" units="1/cm"/>
+          <inkml:channelProperty channel="Y" name="resolution" value="1000" units="1/cm"/>
+          <inkml:channelProperty channel="F" name="resolution" value="0" units="1/dev"/>
+        </inkml:channelProperties>
+      </inkml:inkSource>
+      <inkml:timestamp xml:id="ts0" timeString="2020-08-24T15:39:31.223"/>
+    </inkml:context>
+    <inkml:brush xml:id="br0">
+      <inkml:brushProperty name="width" value="0.05" units="cm"/>
+      <inkml:brushProperty name="height" value="0.05" units="cm"/>
+      <inkml:brushProperty name="color" value="#FFC114"/>
+    </inkml:brush>
+  </inkml:definitions>
+  <inkml:trace contextRef="#ctx0" brushRef="#br0">5330 8654 24575,'-13'0'0,"4"0"0,-24 0 0,1 0 0,-28 0 0,-3 0 0,-32 0 0,46 0 0,-2 0 0,-16 0 0,-3 0-279,1 0 1,-2 0 278,-6 0 0,1 0 0,18 0 0,-1 0 0,-39 0 0,2 0 0,3 0 0,17 0 0,-12 0 0,10 0 0,19 0 0,2 0 0,-42 0 0,-1 0 0,36 0 0,2 0 0,-13 0 0,0 0 0,10 0 0,3 0 0,6 0 0,-2 0 0,-24 0 0,2 0 0,-9-7 0,9 7 0,-2-1 0,31-2 0,2-1 0,-6 1 0,-1-1 0,2 0 0,0-1 0,0-2 0,0-2 0,5 0 0,-1 1 0,-24-1 0,-1 0 0,22 0 0,0 1 0,-22-1 0,2-1 0,-15-5 0,15 5 0,0 1 0,-12 0 0,19 1 0,-2 0 0,-29-2 0,48 3 0,-1-2 0,-4 1 0,0-1 0,-42-7 0,10 1 557,4 0-557,10 0 0,9-4 0,-7 3 0,24-2 0,-13 5 0,24-4 0,-7 4 0,8-3 0,7 1 0,1 3 0,7-6 0,-1 3 0,1-4 0,0-1 0,4 6 0,1-11 0,4 9 0,0-10 0,0 7 0,1 0 0,3-7 0,-3-1 0,8-15 0,-4 6 0,-1-13 0,4 5 0,-3-7 0,5 0 0,0-10 0,0 7 0,0-6 0,0-1 0,0-2 0,0 0 0,0-6 0,0 23 0,0-13 0,0 6 0,0 0 0,0-8 0,5 18 0,-4-7 0,15 7 0,-3-1 0,1-14 0,-4 19 0,-4-28 0,15 12 0,-10-8 0,21-7 0,-23 16 0,24-9 0,-22 2 0,18 12 0,-7-13 0,12 15 0,0 0 0,-1-5 0,-1 6 0,-5-6 0,7-2 0,-1-1 0,-6 3 0,7-2 0,-14 3 0,4-1 0,-4 1 0,13-3 0,-5 2 0,0-11 0,4 6 0,-5-36 0,6 39 0,-12-2 0,0-2 0,9-13 0,-12 12 0,-2-2 0,-3 12 0,-2-1 0,-3-10 0,1 0 0,5 10 0,2 1 0,-3-6 0,2 2 0,29-33 0,-27 34 0,0-1 0,27-35 0,-17-1 0,9 9 0,-16 26 0,15-15 0,-9 23 0,15-16 0,2 5 0,-13 14 0,19-27 0,-21 28 0,35-35 0,2 13 0,-23 20 0,2 3 0,34-10 0,-26 8 0,2 1 0,-6 13 0,-2 3 0,-4-4 0,2-1 0,20-9 0,-3 1 0,-2-9 0,1 11 0,2 0 0,7-13 0,-19 25 0,5 1 0,1-5 0,2-1-462,10-4 1,3 1 461,12-1 0,2-2-679,1-3 1,0 0 678,-24 15 0,1 0 0,-1-2 0,-3-3 0,-1-3 0,2 1 0,7 1 0,2 2 0,-4-2 0,14-16 0,0 2 0,-14 17 0,3 3 0,-4-1 0,7-13 0,-2 1-440,14 1 1,0 1 439,-10-2 0,-1-2 0,2-1 0,-3 3 0,-26 14 0,1-1 0,38-21 0,0 2 0,6 1 0,-7-1 0,1-4 0,-31 17 0,-4 0-45,-5 2 0,-1-1 45,8-5 0,1 0 0,-1 8 0,0 1 0,7-5 0,0-1 0,-2 1 0,0 0 0,-1 4 0,-1-1 0,-1-6 0,1-2 0,13 2 0,1 1 0,-10 0 0,2 0-47,21-2 0,3 1 47,-12 1 0,-1-1 0,13-2 0,0 0 0,-6 5 0,-2 0 0,-11-6 0,2 3 0,14 10 0,0 2 0,-13-10 0,0 1 0,9 9 0,1 1 427,-9-6 0,-2-1-427,-6 8 0,1 1 0,6-4 0,0 0 0,3-1 0,-2 0 0,-5 4 0,0 1 0,11-5 0,-3-1 0,19-13 457,-36 22 0,-1 1-457,28-14 49,-34 15 0,1 2-49,50 0 503,-49-3 1,-2 0-504,25 5 470,-13-11-470,-23 13 0,3 1 0,-19 6 0,5 0 0,-7 0 0,-5 0 0,11 0 0,-9 0 0,16 0 0,3 0 0,1 5 0,13 2 0,-6 5 0,18-5 0,-8 5 0,17-11 0,-16 10 0,15-3 0,-6-1 0,9 6 0,0-5 0,0 6 0,0 1 0,11 0 0,-9-1 0,9 1 0,-20 5 0,6 2 0,-15 4 0,6 1 0,-16-3 0,-3 0 0,-7-2 0,2 7 0,0 3 0,-10 4 0,8-5 0,-16 1 0,11 5 0,-6-2 0,2 15 0,-1-7 0,3 17 0,-1-6 0,11 26 0,-7-14 0,-1-11 0,0 0 0,4 15 0,-9-21 0,1-1 0,9 15 0,-4 9 0,12 0 0,-12 0 0,12 0 0,-12 0 0,12 0 0,-6 0 0,1 0 0,5 0 0,-12 0 0,14 10 0,-13-7 0,-12-29 0,0 1 0,17 28 0,-4 7 0,3-10 0,-7 0 0,1 0 0,-2-9 0,2 7 0,-8-8 0,-1 1 0,-12-2 0,-3-10 0,0-8 0,1-1 0,6-9 0,0 9 0,0 1 0,0 9 0,1-1 0,0 0 0,-1-8 0,1 7 0,-1-7 0,0 1 0,1 5 0,-2-13 0,1 5 0,-2-14 0,-4-6 0,3-3 0,-8-9 0,3 4 0,0-5 0,-3 1 0,2-1 0,1-4 0,0 3 0,4-2 0,1 3 0,10 6 0,5 9 0,13 9 0,10 8 0,2 1 0,18 12 0,-7-8 0,14 8 0,7 2 0,5-14 0,-14 4 0,17-14 0,-31 1 0,15-1 0,-12-4 0,-18-9 0,-1-6 0,-15-2 0,-1 1 0,-12-6 0,-1-1 0,-9-7 0,0-7 0,-4-4 0,-9-1 0,-1 1 0,-16 3 0,-2 1 0,-13 3 0,5 2 0,-6 5 0,9-5 0,10 0 0,-1-9 0,14 4 0,-8-3 0,4 4 0,-1-5 0,5-8 0,6-5 0,58 8 0,0 10 0,5 3 0,-4 5 0,2 2 0,18-2 0,0 2 0,-19 2 0,-2 2 0,-3 3 0,1 1 0,2-4 0,2 2 0,6 9 0,-5-1 0,7-6 0,23 10 0,-46-14 0,12 7 0,-7-4 0,4 6 0,-22-4 0,-8-9 0,-2 3 0,-3-4 0,4 4 0,7 7 0,1 1 0,7 4 0,-4 13 0,5-1 0,-1 25 0,5-13 0,-2 22 0,2-5 0,-10 6 0,7 17 0,-2-15 0,-8 18 0,7-11 0,-9 11 0,-4-29 0,2 2 0,-4 2 0,0-1 0,0-6 0,-1 2 0,2 19 0,-2 0 0,1 26 0,-6-40 0,2 3 0,0 20 0,1-2-207,-2-28 1,0 0 206,3 33 0,-1 0 0,-2-35 0,-2 2 0,5 38 0,-1 2 0,-5-34 0,-1 1 0,2 6 0,0 5 0,-1-3 0,0 14 0,-1-5 0,0-16 0,-1 3 0,0 5 0,0 6 0,-2-5 0,-2-3 0,1-1 0,4 18 0,-1 2 0,-7-10 0,-1-4 0,4-19 0,-1 2 0,-3 37 0,0 1 0,0-35 0,0-1 0,0 27 0,0-2 0,0 8 0,0 10 0,0-5 0,-6-28 0,-8 16 0,-7-28 0,-6 8 413,-6-7-413,-1-8 0,-6 1 0,-7-7 0,-3 1 0,-4-5 0,-32 9 0,6-13 0,28-15 0,-4 0 0,-4-4 0,-1-2 0,-2-1 0,-2-2-462,-17-2 1,-4-2 461,0 1 0,0-1 0,-7-3 0,-1-2 0,1 1 0,-1 0 0,1 0 0,0 0 0,-1 1 0,1-2-696,0-3 1,-1-1 695,27 1 0,-2 0 0,2-1 0,-28-4 0,-1-2 0,24 0 0,-2 0 0,1 0 0,3 3 0,2 1 0,-1-2 0,-5-1 0,-1-2 0,0 2 0,1 2 0,-1 1 0,1 0 0,-1-1 0,1 1 0,-1-1 0,1 1 0,-1-1 0,1 1 0,-1-1 0,1 0 0,-1 1 0,1 2 0,-1 2 0,1-1 0,-1 0 0,1 0 0,-1 2 0,1 1 0,-1 2 0,1-1 0,0 0 0,-1 1 0,0-2-615,-4-2 0,-2-1 0,0 0 615,0 3 0,-1 1 0,-1-1 0,-4-3 0,-1 0 0,0 1 0,0 2 0,0 2 0,1-1 0,4 0 0,1 0 0,1 0 0,6 0 0,1 0 0,-1 0 0,-9 0 0,-2 0 0,-1 0 0,-2 0 0,-2 0 0,-3 0-678,14 0 0,-3 1 0,-1-1 1,-1-1 677,-3-1 0,-1-1 0,0-1 0,3 1 0,-14 0 0,3-1 0,-2-2 0,15-2 0,-3-2 0,1 0 0,5-1-317,0 0 0,4-1 0,-3-1 317,7 1 0,-3 0 0,0-1 0,3 0 0,-11-3 0,3 1 0,0-1 0,-1 0 0,0 0 0,0 2 0,0 4 0,0 3 0,5-2 282,-8-9 1,3 2-283,-4 9 0,8 2 1494,-1-11-1494,-14-5 2932,8 18-2932,24-15 2221,-20 17-2221,45-4 609,-6 5-609,1 0 0,16 0 0,2 0 0,19 0 0</inkml:trace>
+</inkml:ink>
+</file>
+
+<file path=ppt/ink/ink2.xml><?xml version="1.0" encoding="utf-8"?>
+<inkml:ink xmlns:inkml="http://www.w3.org/2003/InkML">
+  <inkml:definitions>
+    <inkml:context xml:id="ctx0">
+      <inkml:inkSource xml:id="inkSrc0">
+        <inkml:traceFormat>
+          <inkml:channel name="X" type="integer" min="-2.14748E9" max="2.14748E9" units="cm"/>
+          <inkml:channel name="Y" type="integer" min="-2.14748E9" max="2.14748E9" units="cm"/>
+          <inkml:channel name="F" type="integer" max="32767" units="dev"/>
+        </inkml:traceFormat>
+        <inkml:channelProperties>
+          <inkml:channelProperty channel="X" name="resolution" value="1000" units="1/cm"/>
+          <inkml:channelProperty channel="Y" name="resolution" value="1000" units="1/cm"/>
+          <inkml:channelProperty channel="F" name="resolution" value="0" units="1/dev"/>
+        </inkml:channelProperties>
+      </inkml:inkSource>
+      <inkml:timestamp xml:id="ts0" timeString="2020-08-24T15:39:46.964"/>
+    </inkml:context>
+    <inkml:brush xml:id="br0">
+      <inkml:brushProperty name="width" value="0.05" units="cm"/>
+      <inkml:brushProperty name="height" value="0.05" units="cm"/>
+      <inkml:brushProperty name="color" value="#5B2D90"/>
+    </inkml:brush>
+  </inkml:definitions>
+  <inkml:trace contextRef="#ctx0" brushRef="#br0">3380 10233 24575,'-43'0'0,"4"0"0,-22 0 0,-10 0 0,-5 0 0,-20 0 0,42 0 0,0 0 0,-45-7 0,39-1 0,0-2 0,10-1 0,1-3 0,-5-5 0,0-2 0,5 2 0,2-3 0,-2-10 0,-2-2-231,-13-4 1,0-1 230,13 0 0,1-1 0,-20-7 0,-2-2-552,6-5 0,2-1 552,-6 5 0,0-2 0,20 5 0,0-3 0,1 2 0,-17-13 0,3-1 0,-1-10 0,3-2 0,11 10 0,0 1 0,-2 1 0,2 1-185,13 7 0,1 2 185,-7-1 0,1 1 0,13 0 0,2 2 0,-27-30 0,16-11 0,12 40 0,1 0 426,-10-23-426,5 16 0,3 1 1108,11-1-1108,-20-24 401,5-1-401,-2-2 0,17 31 0,0 0 0,-20-35 0,24 4 0,-16 35 0,2 2 0,18-12 0,-9 11 0,0 0 0,5-4 0,2-28 0,-3 16 0,-13-18 0,14 11 0,-8 0 0,7 9 0,-1-7 0,-2-3 0,1 7 0,-4-14 0,9 17 0,-4-9 0,-6 0 0,17-1 0,-10 11 0,13-19 0,-6 16 0,4-18 0,-4 11 0,6 0 0,0 0 0,0 9 0,-14-18 0,10 16 0,-10-18 0,14 11 0,0 9 0,0 2 0,0 10 0,0 0 0,0-10 0,0 8 0,0 0 0,0 3 0,0 7 0,0-1 0,0-5 0,0 13 0,0-13 0,0-4 0,0-1 0,0-6 0,0 8 0,0 15 0,0-3 0,0 5 0,0-8 0,0-9 0,0 9 0,0-7 0,0 7 0,0-18 0,0 8 0,0-17 0,0 16 0,0-6 0,0 8 0,0-8 0,0-3 0,0-9 0,0 0 0,0-1 0,0 1 0,0 0 0,0 0 0,0 0 0,0 0 0,0 0 0,0 17 0,0-13 0,0 22 0,0-7 0,0 4 0,0 5 0,0-7 0,0-10 0,0-1 0,0-11 0,0 1 0,0 0 0,0 0 0,0 0 0,0 0 0,0 0 0,0 9 0,0 2 0,0 10 0,0 7 0,0 9 0,0 9 0,0 7 0,0 5 0,0 0 0,0 1 0,0 4 0,0-9 0,0-3 0,0-6 0,0-15 0,0 6 0,0-5 0,0-1 0,0 6 0,0-13 0,0 13 0,0-5 0,0-1 0,0 6 0,0-5 0,0 7 0,0-8 0,0 6 0,0-5 0,0 18 0,0-1 0,17 1 0,-7-13 0,25-4 0,-20 5 0,8 0 0,-1 6 0,-8-6 0,24-11 0,-11 7 0,15-16 0,-15 16 0,2 1 0,-5 4 0,15 2 0,-6-5 0,10 4 0,-12-2 0,-7 12 0,19-15 0,-6 5 0,10-1 0,-3 2 0,-10 10 0,-7 1 0,13 9 0,-17-6 0,10 8 0,0-7 0,-3 7 0,5 4 0,-3 1 0,-5-1 0,24-7 0,-13 7 0,20-1 0,31 7 0,-26-11 0,-11 9 0,1 1 0,10-10 0,0 11 0,17 0 0,-30 0 0,2 0 0,-1 0 0,0 0 0,5 0 0,-1 0 0,38 0 0,-28 0 0,16 0 0,-19 0 0,21 0 0,2 0 0,1 6 0,-4 2 0,-19 0 0,7-2 0,-8-6 0,-7 0 0,13 7 0,-22 0 0,6 6 0,-2-1 0,-7 0 0,8-5 0,10-1 0,-30-2 0,33-3 0,-2 2 0,7-3 0,6 10 0,-40-7 0,5 12 0,-11-3 0,6 0 0,15 8 0,0-1 0,-5-8 0,36 15 0,7 3 0,3-6 0,-23-2 0,3 3-222,-4-1 0,-1-1 222,-9 0 0,1 0 0,16 6 0,1 1 0,-11-3 0,-1 1 0,12 6 0,0-1 0,-12-3 0,0-2 0,12 2 0,0-1 0,-12-2 0,0-1 0,12-5 0,0 0 0,-11 4 0,-2 3 0,9 1 0,0 1 0,-2-2 0,-1 3 0,5 7 0,-1 0 0,-2-8 0,0 0 0,5 7 0,0 2-441,-6-5 0,1 0 441,7 4 0,0 2 0,2 6 0,1-1 0,-3-4 0,0 0 0,3 3 0,-1 2 0,0-1 0,1 1 0,0 1 0,0 0 0,1-1 0,-2 1 0,-3 3 0,-1-1 0,1-8 0,-1-1 0,-7 4 0,0-1 0,7-3 0,1-1 0,-6 1 0,-4-1-85,-13-11 1,0-1 84,8 5 0,-2-1 0,20 8 0,-25-13 0,0 0 0,31 21 420,-2-1-420,-11-8 893,0 5-893,-9-14 182,-3 6-182,-6-1 0,18 5 0,-21-9 0,18 5 0,-16-7 0,32 13 0,-24-5 0,-3-6 0,2 2 0,12 8 0,-16-8 0,1-1 0,-8-9 0,-2-1 0,29 16 0,15 2 0,-15 0 0,9 8 0,-2-1 0,-11-8 0,0-2 0,-7 0 0,-3-6 0,-16 3 0,3-12 0,-13 1 0,13-1 0,-13 2 0,5 2 0,-7-1 0,7 0 0,-5 0 0,13 2 0,-13-2 0,5 1 0,-7-2 0,8 2 0,-5 6 0,5-4 0,-6 3 0,0 1 0,-2-6 0,2 5 0,-2-6 0,1 6 0,0-5 0,0 6 0,-7-9 0,4 1 0,-11-2 0,11 2 0,-11-3 0,4 2 0,-6-2 0,-4-5 0,3 4 0,-4-8 0,5 9 0,1-4 0,-1 4 0,-4 0 0,3 0 0,-3-4 0,0 4 0,3-9 0,-8 3 0,8 1 0,-9-5 0,5 4 0,-6-4 0,0-1 0,0 0 0,0 0 0,0 0 0,0 0 0,5 5 0,1 1 0,6 6 0,-1-1 0,1 6 0,0-4 0,1 5 0,-1 0 0,-4-5 0,3 4 0,-8-5 0,2-6 0,-4-1 0,-1-5 0,0 0 0,-3 0 0,-2 0 0,1 0 0,1 5 0,5 8 0,5 6 0,2 7 0,6 0 0,1 7 0,-7-5 0,6 5 0,-4 1 0,3-7 0,-2 15 0,-4-15 0,1 7 0,-4-9 0,3 1 0,-6-7 0,0-6 0,-5-3 0,-1-9 0,-4 5 0,0-6 0,0 0 0,0 0 0,0 0 0,0 11 0,0 4 0,0 18 0,0 12 0,0 9 0,0 21 0,0-8 0,-7 7 0,-1 1 0,-6-25 0,0 11 0,3-34 0,-1 0 0,3-14 0,-1-3 0,0 3 0,1-5 0,-7 15 0,6-16 0,-10 11 0,10-12 0,-9 11 0,2-3 0,-5 12 0,-6-5 0,6-3 0,-5 1 0,-10 10 0,12-7 0,-18 8 0,21-12 0,-4-4 0,5 4 0,-15 10 0,12-12 0,-12 12 0,10-15 0,5-2 0,-5-2 0,-4 18 0,-1-7 0,-1 10 0,4-10 0,3-7 0,8-2 0,-8 2 0,-7 15 0,0-4 0,-13 8 0,14-6 0,-12 6 0,1 0 0,-7 8 0,4-15 0,14 2 0,-2-12 0,16-2 0,-25 16 0,17-17 0,-21 25 0,18-22 0,0 4 0,9-7 0,-9 7 0,-11 12 0,7-7 0,-6 11 0,12-21 0,4 4 0,-21 12 0,11-6 0,-15 15 0,17-18 0,-7 8 0,16-16 0,-24 24 0,15-20 0,-17 20 0,11-14 0,-1 1 0,8-4 0,-48 26 0,39-24 0,-41 25 0,35-24 0,7-6 0,-28 25 0,9-14 0,-2 7 0,-4-2 0,18-15 0,-2 1 0,-4 2 0,-1 1 0,-8 6 0,11-6 0,1 0 0,-5 4 0,16-12 0,-5 2 0,13-7 0,-49 28 0,39-22 0,-34 22 0,40-23 0,4-1 0,-23 8 0,-6 4 0,-6 8 0,6-8 0,-5 0 0,11-4 0,3-2 0,-15 4 0,-17 12 0,-3 1 0,-5 1 0,27-12 0,-1 0 0,17-9 0,-1-2 0,-12 5 0,0-1 0,-28 16 0,20-14 0,0-2 0,-10 3 0,9-6 0,-2 0 0,16-6 0,0 1 0,-15 4 0,-1 1 0,15-2 0,0 0 0,-2-3 0,1-1 0,-36 16 0,33-16 0,1-1 0,-22 8 0,25-8 0,0 1 0,5-1 0,2 0 0,-39 14 0,-7-5 0,18 2 0,-18-10 0,18 4 0,-18 2 0,18-7 0,-18 7 0,18-2 0,-18-3 0,27 2 0,-25-5 0,35 4 0,-25-2 0,18 2 0,1-6 0,-8 2 0,16-2 0,-6 0 0,-1-6 0,7 5 0,-6-11 0,16 10 0,3-10 0,7 4 0,6-5 0,3 0 0,10 0 0,2 0 0,5 0 0,0 0 0,-12 0 0,4 0 0,-16 0 0,11 0 0,-11 5 0,16-4 0,-9 4 0,16-5 0,-4 0 0,4 0 0,-4 0 0,-8 0 0,-6 0 0,-15 0 0,-1 0 0,-8 0 0,-10 0 0,15 0 0,-5 0 0,17 0 0,12 0 0,-3 0 0,16 0 0,-4 0 0,8-4 0,-2 4 0,-2-4 0,-12 4 0,-7 0 0,-13-6 0,5 5 0,-23-11 0,4 10 0,0-9 0,4 9 0,18-8 0,5 9 0,2-4 0,12 1 0,1 3 0,8-6 0,-2 6 0,2-2 0,-14 3 0,3 0 0,-24-6 0,3 4 0,-7-3 0,-5-1 0,5 4 0,7-8 0,-3 9 0,19-3 0,0 4 0,8-4 0,5 3 0,3-6 0,2 3 0,-1-1 0,-1-7 0,-3 10 0,-2-16 0,2 16 0,-1-6 0,4 8 0,2 0 0</inkml:trace>
+</inkml:ink>
+</file>
+
+<file path=ppt/ink/ink3.xml><?xml version="1.0" encoding="utf-8"?>
+<inkml:ink xmlns:inkml="http://www.w3.org/2003/InkML">
+  <inkml:definitions>
+    <inkml:context xml:id="ctx0">
+      <inkml:inkSource xml:id="inkSrc0">
+        <inkml:traceFormat>
+          <inkml:channel name="X" type="integer" min="-2.14748E9" max="2.14748E9" units="cm"/>
+          <inkml:channel name="Y" type="integer" min="-2.14748E9" max="2.14748E9" units="cm"/>
+          <inkml:channel name="F" type="integer" max="32767" units="dev"/>
+        </inkml:traceFormat>
+        <inkml:channelProperties>
+          <inkml:channelProperty channel="X" name="resolution" value="1000" units="1/cm"/>
+          <inkml:channelProperty channel="Y" name="resolution" value="1000" units="1/cm"/>
+          <inkml:channelProperty channel="F" name="resolution" value="0" units="1/dev"/>
+        </inkml:channelProperties>
+      </inkml:inkSource>
+      <inkml:timestamp xml:id="ts0" timeString="2020-08-24T15:40:55.440"/>
+    </inkml:context>
+    <inkml:brush xml:id="br0">
+      <inkml:brushProperty name="width" value="0.05" units="cm"/>
+      <inkml:brushProperty name="height" value="0.05" units="cm"/>
+      <inkml:brushProperty name="color" value="#008C3A"/>
+    </inkml:brush>
+  </inkml:definitions>
+  <inkml:trace contextRef="#ctx0" brushRef="#br0">1773 12281 24575,'-34'0'0,"5"0"0,-30 0 0,4 0 0,-28 0 0,-14-15 0,42-1 0,-6-6 0,-14-14 0,-8-8 0,6 0 0,-4-6 0,1-1-325,12 10 0,-2 0 0,5 1 325,-2-5 0,9 2 0,-19-18-24,22 16 0,2-2 24,-6-17 0,-8 2 0,39 20 0,-20-9 0,15 5 973,-2-7-973,9 7 50,8 3-50,6 1 0,1 8 0,-1-7 0,5 12 0,2-11 0,-2-5 0,6 7 0,-6-21 0,7 16 0,0-8 0,0-21 0,0 7 0,0-28 0,-6 18 0,4 1 0,-4-6 0,6 31 0,0-29 0,0 40 0,0-13 0,0 0 0,0 5 0,0-14 0,0 16 0,13-14 0,13-20 0,-7 9 0,-6 18 0,-3-1 0,-10-13 0,27-21 0,3-4 0,-16-5 0,19 11 0,-3 3 0,-28 9-491,15-14 0,6-4 491,-7 29 0,0 1 0,9-32 0,3 2 0,-3 30 0,0 2 0,-8-3 0,3-6 0,7-4 0,6-5 0,-5 2 0,-7-7 0,-2 1 0,16-13 0,-2 7 0,-10-5 0,9 5 0,5-6 0,-6 19 0,2-1 0,-6 9 0,2-3 0,-4 7 0,-5 9 0,-3 6 0,15-24 0,-7 10 0,4-12 0,-1 7-302,-3 7 1,2 0 301,5-8 0,2-7 0,0 3-1240,1-18 0,5 0 1240,8 11 0,8-4 0,-5 1 0,-14 9 0,-3 1 0,3-1 0,11-4 0,4 0 0,-4-3 0,-3-12 0,-3-3 0,-3 10 0,0 11 0,0 1-22,-2-13 1,2-8-1,-2 11 22,-3 21 0,-1 6 0,-2-12 0,2-5 0,3 4 0,4-5 0,-1 4 0,4-6 0,0 2 0,3-7 0,0 1 0,-8 15 0,-3 5 0,10-22 0,-16 14 0,1 2 0,10-1 0,1 13 0,11-8 0,-5 5 0,-9 10 0,1 1 0,10-4 0,6-4 0,-12 6 0,-1-20 0,-1 29 0,3 0 0,17-34 261,-14 39 0,-1 2-261,5-21 2548,36 10-2548,-25-29 0,-22 28 0,1-1 0,6 3 0,-2 0 0,-11-9 0,0-1 0,11 6 0,1 0 0,-5-8 0,1 0 12,7 0 1,7 3-13,19-2 0,6 4 0,1 1 0,3 2-554,-17 12 0,2 0 1,-2-2 553,-10-1 0,-2-1 0,0 1 0,28-15 0,0 1 0,-3-2 0,1 0 0,-22 15 0,2 0 0,-1 1 0,22-13 0,2 0 0,-17 11 0,2-1 0,0 1 0,-3 0 0,-1 1 0,2 0 0,3 1 0,2 1 0,-1 0 0,-5 1 0,0-1 0,0 0 0,3-3 0,2-1 0,-2 2 0,-6 6 0,-1 2 0,0-1 0,3 0 0,0 0 0,-1 0 0,-2 2 0,-1 0 0,1 0 0,4 2 0,0 0 0,-2-1-379,17-9 1,-3 1 378,7 1 0,-1 4 0,-7 9 0,-6 2-80,17-17 80,-19 23 0,0 3 0,19-11 0,-16 6 0,4 3 0,-13 10 0,-2-3 0,6-14 0,1-4 206,7 10 1,-1 0-207,-10-10 0,0 0 0,10 6 0,1 2 0,0-4 0,0 0 0,2-3 0,2 2 208,13 2 1,1-1-209,-1-6 0,0-1 0,1 8 0,-1 2 0,-7 4 0,0-1 0,-20-1 0,1-1 0,-1 3 0,22 8 0,0 1 0,-21-10 0,1-3 0,0 3 0,27 9 0,-3 2 0,-13-9 0,0 1 0,11 8 0,0 2 0,-19-1 0,1 0 0,19 0 0,1 0 0,-6 0 0,0 0 0,8 0 0,-1 0 0,-14 0 0,0 0 0,11 0 0,0 0 0,-11 4 0,0 2 0,14-1 0,1 1 0,-14-1 0,-2 1 338,0 3 1,-5-1-339,-22-4 0,-1 1 43,9 6 1,-1 3-44,30 17 0,-40-12 0,1 2 0,5 4 0,-2 0 0,25 13 0,-13-13 0,3 2-50,-13-1 1,1 1 49,19 5 0,3 4 0,-9 5 0,0 3 0,11 1 0,-1 1 0,-15-4 0,-1 1 0,5 4 0,-2-1 0,-23-13 0,0 1 0,24 23 0,1 1 0,-21-21 0,0 0 0,18 16 0,-2-1 0,-20-20 0,-2 0 0,9 17 0,-1 2 0,-9-8 0,0 2 0,13 15 0,0 3 0,-5-3 0,-2-2 0,-5-4 0,1 1 0,7 17 0,0 1 0,-5-11 0,-1 1 0,4 10 0,-1 2 0,-2-3 0,-1-1 0,-2-3 0,-3 0 0,-9-11 0,-1 1 580,5 4 1,-3-2-581,4 28 0,-13-34 0,1 0 0,-1-6 0,-1 0 60,-2 0 1,0 0-61,14 37 0,-3-2 0,-12-11 664,14 22-664,-14-25 46,-4-18 0,0 1-46,2 13 0,2 28 0,-1-7 0,8 10 0,-5-1 0,-2-9 0,-2 7 0,-12-35 0,5 11 0,-7-17 0,0 2 0,0 16 0,0-8 0,0 1 0,0-22 0,0 6 0,0-6 0,0 32 0,0 2 0,0 8 0,0-21 0,0 8 0,0 3 0,-7 13 0,5-1 0,-12-2 0,6-11 0,-7 10 0,7-7 0,-6 7 0,6-10 0,-13 0 0,6-9 0,1 7 0,2-17 0,11 8 0,-16-10 0,8 0 0,-10 10 0,0-8 0,3 17 0,-2-16 0,-2 6 0,5 0 0,-4 3 0,5 0 0,0 7 0,0-8 0,0 1 0,1-2 0,0-10 0,6 0 0,1 0 0,6 0 0,0-7 0,0-3 0,0-7 0,0-7 0,0-6 0,0-8 0,0-5 0,0 0 0,0 0 0,0 5 0,0 16 0,0 0 0,0 20 0,0 4 0,0 1 0,0 6 0,0 1 0,0-16 0,0 14 0,0-16 0,0 8 0,0 1 0,-6 8 0,4-14 0,-10 12 0,5-22 0,0 22 0,2-20 0,5 13 0,-11-9 0,4-13 0,-17 19 0,12-19 0,-6 12 0,2-7 0,3 0 0,-7-7 0,8 5 0,-7-11 0,8 5 0,-2-12 0,4-1 0,-4-4 0,3-1 0,-14 7 0,8-5 0,-17 11 0,6-4 0,-15 7 0,-21 10 0,15-13 0,-31 15 0,41-18 0,-21 9 0,-29 2 0,25-7 0,12-9 0,-4-2 0,4-2 0,3-2 0,-24 7 0,8-5 0,0 0 0,-5 5 0,17-9 0,-1 0 0,-33 8 0,-10-11 0,11 5 0,-8-7 0,18 0 0,-8 0 0,11 0 0,0 0 0,9 0 0,-17 0 0,23 0 0,-23 0 0,17-7 0,-9 6 0,0-12 0,9 11 0,-7-10 0,16 10 0,-6-4 0,8 0 0,1-1 0,0-1 0,-1-3 0,1 4 0,0 0 0,-1-5 0,1 11 0,0-11 0,-1 11 0,1-11 0,8 11 0,1-5 0,8 6 0,0 0 0,1 0 0,-1 0 0,0 0 0,0 0 0,-7 0 0,-3 0 0,-7 0 0,-10 0 0,7 0 0,-15 0 0,15 0 0,-16 0 0,17 6 0,-17 2 0,7 5 0,-9-5 0,9 4 0,-7-4 0,7 6 0,0-1 0,-6-5 0,6 4 0,0-5 0,2 7 0,10-1 0,-10-6 0,8 4 0,-8-4 0,10 0 0,-1 5 0,1-5 0,7 5 0,-5-5 0,6 4 0,-9-4 0,9 5 0,-7 0 0,15 0 0,-15 0 0,7 1 0,-1-6 0,-5 4 0,13-5 0,-6 6 0,1 0 0,5 0 0,-6 0 0,9-1 0,-1 0 0,0 0 0,0 0 0,7 0 0,-5 0 0,11-1 0,-5 4 0,0-3 0,-1 9 0,-7-2 0,6 3 0,-4-4 0,-3 4 0,-1-3 0,-5 5 0,5 7 0,-6-4 0,4 3 0,-14 4 0,7-6 0,-9 6 0,11-9 0,-7 1 0,14-7 0,-5 5 0,13-11 0,-12 10 0,11-10 0,-6 9 0,-5-2 0,11 2 0,-13-2 0,15-4 0,-6 1 0,6-4 0,0 3 0,-6-4 0,12 4 0,-11-3 0,5 2 0,-1 1 0,-12-2 0,11 7 0,-20-6 0,5 9 0,-7-4 0,-10 8 0,8-1 0,-8 1 0,0 0 0,-1 1 0,-11 0 0,11 0 0,14-4 0,-2 1 0,-30 10 0,33-11 0,1 1 0,-35 4 0,31-9 0,1 1 0,-23 9 0,16-9 0,-4 1 0,1-1 0,1 0 0,6 0 0,-2 1 0,-19 2 0,-2 0-304,13-2 1,-1-2 303,-5-1 0,-3-1 0,-5 1 0,-2 1 0,-5 4 0,-2 0-642,0-2 0,-2-1 642,-6 4 0,-1 0 0,1-4 0,0 0 0,-1 5 0,1-2 0,7-7 0,0 0 0,-6 8 0,1-2 0,10-11 0,5-2-125,14 3 0,1 0 125,-10 1 0,0-1 0,1-3 0,1 0 0,-4 4 0,-2-1 0,-11-2 0,4-2 0,-9 6 0,12-5 0,-2 0 0,30-2 0,0 0 0,-32 1 0,-2 1 0,23-1 0,1 0 0,-8 0 0,2 0 0,14-1 0,2 0 0,-9 1 0,1-1 0,-38 8 280,47-4 0,1 0-280,-49 5 1305,15 5-1305,11-7 276,9-2-276,11 0 0,10-1 0,8-1 0,7 0 0,1-1 0,7 0 0,-7 0 0,5 0 0,-5 0 0,0 5 0,-1 2 0,-7 5 0,7-1 0,-13 3 0,10-3 0,-11 3 0,7-2 0,0 1 0,0-1 0,7-1 0,-5-4 0,11-3 0,-5 1 0,7-5 0,-1 9 0,1-9 0,0 8 0,-1-3 0,5 5 0,-5 5 0,9-4 0,-10 11 0,6-11 0,-2 5 0,-1-7 0,8-5 0,-4 4 0,6-8 0,-1 3 0,0 0 0,1-4 0,-1 4 0,1-5 0,-1-3 0,1 2 0,0-6 0,3 2 0,2-3 0</inkml:trace>
+</inkml:ink>
+</file>
+
+<file path=ppt/ink/ink4.xml><?xml version="1.0" encoding="utf-8"?>
+<inkml:ink xmlns:inkml="http://www.w3.org/2003/InkML">
+  <inkml:definitions>
+    <inkml:context xml:id="ctx0">
+      <inkml:inkSource xml:id="inkSrc0">
+        <inkml:traceFormat>
+          <inkml:channel name="X" type="integer" min="-2.14748E9" max="2.14748E9" units="cm"/>
+          <inkml:channel name="Y" type="integer" min="-2.14748E9" max="2.14748E9" units="cm"/>
+          <inkml:channel name="F" type="integer" max="32767" units="dev"/>
+        </inkml:traceFormat>
+        <inkml:channelProperties>
+          <inkml:channelProperty channel="X" name="resolution" value="1000" units="1/cm"/>
+          <inkml:channelProperty channel="Y" name="resolution" value="1000" units="1/cm"/>
+          <inkml:channelProperty channel="F" name="resolution" value="0" units="1/dev"/>
+        </inkml:channelProperties>
+      </inkml:inkSource>
+      <inkml:timestamp xml:id="ts0" timeString="2020-08-24T15:41:29.180"/>
+    </inkml:context>
+    <inkml:brush xml:id="br0">
+      <inkml:brushProperty name="width" value="0.05" units="cm"/>
+      <inkml:brushProperty name="height" value="0.05" units="cm"/>
+      <inkml:brushProperty name="color" value="#33CCFF"/>
+    </inkml:brush>
+  </inkml:definitions>
+  <inkml:trace contextRef="#ctx0" brushRef="#br0">4952 1 24575,'33'0'0,"24"0"0,19 0 0,-23 0 0,2 0 0,0 7 0,1 2 0,12 0 0,1 3-458,0 5 1,1 3 457,7 3 0,0 1 0,1 0 0,-3 1 0,-21-6 0,0-1 48,11 4 0,-2-1-48,28 12 0,-36-13 0,1 2 0,-1 3 0,-2 0 0,-5-4 0,0-1 0,0 4 0,0-2 0,37 11 0,-2 10 686,-11-12-686,-10 2 133,-1-6-133,-7 7 0,-10-13 0,-6-1 0,-12-6 0,-12-8 0,-1 7 0,-8-5 0,2 0 0,-3 0 0,4 0 0,1 5 0,4-3 0,-2 8 0,3-3 0,0 4 0,-8 1 0,7-1 0,-8-5 0,4 4 0,-4-8 0,2 3 0,-2-5 0,-1 0 0,0 5 0,-4 8 0,4-6 0,1 10 0,4-11 0,-4 0 0,3 4 0,-6-8 0,2 8 0,-1-9 0,-2 9 0,3-4 0,0 6 0,-3-6 0,3-1 0,-4 7 0,0 10 0,5 5 0,2 15 0,5-7 0,2 17 0,-1-6 0,-5 6 0,4 1 0,-5-8 0,7 17 0,-7-7 0,6 9 0,-6-9 0,8 6 0,-8-6 0,5 0 0,-11-3 0,11 1 0,-10 1 0,4 10 0,-6 11 0,0-8 0,0 7 0,0 1 0,0-8 0,0 7 0,0-10 0,0 0 0,0-9 0,0-10 0,0-12 0,0-7 0,0-7 0,0 5 0,0-11 0,0 5 0,-4-7 0,-2 7 0,-5 1 0,0 7 0,-1 7 0,0-5 0,0 13 0,0-6 0,-1 1 0,0 14 0,1-12 0,-3 24 0,2-17 0,-2 28 0,1-16 0,-2 28 0,1-8 0,0 1 0,-1 7 0,1-18 0,7 7 0,1-10 0,1-9 0,5 7 0,-10-17 0,9 8 0,-10-1 0,10 3 0,-11 19 0,5-7 0,-1 8 0,-5-1 0,5 4 0,1-1 0,-6-3 0,12-10 0,-10-9 0,11-2 0,-5-18 0,0 6 0,5-5 0,-5 7 0,0 0 0,5-7 0,-11 5 0,11-6 0,-10 9 0,9 8 0,-9-6 0,9 6 0,-9-9 0,3 10 0,1-8 0,0 0 0,1-4 0,-1-5 0,0 7 0,-4-8 0,10-1 0,-10-1 0,5-5 0,-1 5 0,-3-7 0,3 0 0,1 7 0,-4-5 0,3 13 0,-4-13 0,4 13 0,-4-6 0,4 9 0,-6-1 0,1-8 0,-1 7 0,1-7 0,-1 8 0,0-7 0,1 5 0,0-6 0,-1 9 0,-6-1 0,-2 9 0,-4-14 0,-2 13 0,3-16 0,0 0 0,-2 7 0,3-15 0,-10 17 0,8-15 0,-13 9 0,4-1 0,-5-4 0,-2 5 0,-6-5 0,7-2 0,-16 4 0,7-2 0,-9 2 0,-16 2 0,-5-6 0,2-9 0,-14 0 0,15-7 0,-9 2 0,2-3 0,11-8 0,0 0 0,-23-6 0,7 6 0,34-13 0,0 0 0,0 2 0,0 1 0,-1-4 0,-1 0 0,-6 0 0,1 0 0,-1 0 0,0 0 0,-5 0 0,-2 0-295,-1 0 0,0 0 295,-6 0 0,-1 0 0,-2 1 0,4-2 0,21-4 0,0-2-10,-11-1 0,2-2 10,-28-14 0,15 6 0,0 0 0,-22 0 0,33 2 0,-1-2 0,6 4 0,3 0 0,5-2 0,-2-1 0,-21-5 0,2-1 0,-16-10 0,23 3 0,1-1 0,-7-2 0,-6-3 0,0-2 0,8-2 0,-8 3 0,-1-1 0,4-9 0,6 9 0,2 3 0,12 3 0,4 4 0,-3-1 0,8 2 0,-1-2 0,-6-2 0,-2-2 0,1 1 0,0-1 0,3-1 0,2 2 0,-17-6 0,-4-8 589,-1-4-589,30 15 21,-22-9-21,14 5 0,3 6 0,-9-10 0,22 12 0,-20-9 0,21 9 0,-15-9 0,21 10 0,-7 5 0,15 0 0,-4 8 0,1-15 0,10 16 0,-8 0 0,13 8 0,-13-7 0,8 3 0,-6-19 0,-1 18 0,2-11 0,1 9 0,-12-13 0,8 0 0,-10-8 0,5-6 0,2 13 0,-8-13 0,12 14 0,-11-8 0,3-8 0,-1-1 0,-6-9 0,-1 0 0,2-30 0,9 30 0,-4-28 0,5 36 0,-2 2 0,-2-1 0,-8-18 0,8-3 0,0-2 0,-6-14 0,18 25 0,0 3 0,-9-5 0,2-18 0,14 27 0,1-2 0,-2 0 0,0-3 0,-2-26 0,2 1 0,3 27 0,1 3 0,-2-5 0,1-1 0,-2-37 0,7 8 0,0 32 0,0-2 0,0-7 0,0-1 0,0 0 0,0 0 0,0-5 0,0-1 0,0 0 0,0 2 0,0 10 0,0-1 0,4-14 0,1-3-276,0 4 0,1 0 276,-2-1 0,3 0 0,9-11 0,2 1 0,-8 18 0,2 2 0,18-13 0,4 0 0,-10 5 0,2 0 0,17-10 0,0 1 0,-21 7 0,1 3 0,19 10 0,-1 2 0,-20-9 0,1 2 0,26 8 0,1 2 0,-30 1 0,1-2 0,34-12 0,3 0 0,-27 10 0,0 1 0,15-3 0,5-1 0,3-8 0,-2 3 0,-16 22 0,0 2 0,13-9 0,1 1 0,-11 6 0,1 1 0,9 2 0,0 0-57,-9-1 0,1 0 57,10 1 0,0 1 0,-11 1 0,-2 2 0,3 2 0,1 2 0,4 0 0,-1 0 0,19-21 0,-20 25 0,-1-1 549,17-27-549,5 5 117,-17 9-117,15-6 0,-14 14 0,13-1 0,-4-6 0,4 24 0,15-16 0,-24 21 0,15-10 0,-30 6 0,7 4 0,-3 5 0,-7-3 0,0 8 0,7-9 0,2 10 0,9-10 0,-9 4 0,-1-10 0,19 2 0,-3 4 0,24-3 0,-10 0 0,11 4 0,-9-16 0,0 18 0,-14-18 0,11 17 0,-29-7 0,26 10 0,-31 0 0,6-5 0,-8 10 0,-3-9 0,-4 9 0,-6-4 0,2 5 0,-14 0 0,14 0 0,-13 0 0,9 0 0,-7 0 0,1 0 0,12 0 0,-11 0 0,16-5 0,-15 3 0,16-13 0,-4 8 0,5-10 0,9 5 0,-13-3 0,11 7 0,-19-4 0,11 0 0,-11 1 0,4-4 0,-5 10 0,-5-8 0,-2 11 0,0-7 0,-7 5 0,11-5 0,-11 3 0,7-6 0,-8 7 0,7-4 0,-7 1 0,9 3 0,-6-3 0,0-1 0,6-1 0,-8-4 0,18 4 0,-6-5 0,10 3 0,-8 1 0,-2 7 0,-8-5 0,3 7 0,-4-6 0,-1 8 0,0 0 0,0 0 0,0-4 0,6 3 0,0-2 0,5-2 0,-5 1 0,4-2 0,-8 3 0,3-6 0,-4 7 0,-1-7 0,1 9 0,4 0 0,-4 0 0,0 0 0,-5 0 0</inkml:trace>
+</inkml:ink>
+</file>
+
 <file path=ppt/slideLayouts/slideLayout1.xml><?xml version="1.0" encoding="utf-8"?>
 <p:sldLayout xmlns:a="http://schemas.openxmlformats.org/drawingml/2006/main" xmlns:r="http://schemas.openxmlformats.org/officeDocument/2006/relationships" xmlns:p="http://schemas.openxmlformats.org/presentationml/2006/main" type="title" preserve="1">
   <p:cSld name="Title Slide">
@@ -243,7 +356,7 @@
           <a:p>
             <a:fld id="{3315C6C2-5E3C-0545-A590-A2FEC84CB2E4}" type="datetimeFigureOut">
               <a:rPr lang="en-KR" smtClean="0"/>
-              <a:t>2020/08/22</a:t>
+              <a:t>2020/08/25</a:t>
             </a:fld>
             <a:endParaRPr lang="en-KR"/>
           </a:p>
@@ -413,7 +526,7 @@
           <a:p>
             <a:fld id="{3315C6C2-5E3C-0545-A590-A2FEC84CB2E4}" type="datetimeFigureOut">
               <a:rPr lang="en-KR" smtClean="0"/>
-              <a:t>2020/08/22</a:t>
+              <a:t>2020/08/25</a:t>
             </a:fld>
             <a:endParaRPr lang="en-KR"/>
           </a:p>
@@ -593,7 +706,7 @@
           <a:p>
             <a:fld id="{3315C6C2-5E3C-0545-A590-A2FEC84CB2E4}" type="datetimeFigureOut">
               <a:rPr lang="en-KR" smtClean="0"/>
-              <a:t>2020/08/22</a:t>
+              <a:t>2020/08/25</a:t>
             </a:fld>
             <a:endParaRPr lang="en-KR"/>
           </a:p>
@@ -763,7 +876,7 @@
           <a:p>
             <a:fld id="{3315C6C2-5E3C-0545-A590-A2FEC84CB2E4}" type="datetimeFigureOut">
               <a:rPr lang="en-KR" smtClean="0"/>
-              <a:t>2020/08/22</a:t>
+              <a:t>2020/08/25</a:t>
             </a:fld>
             <a:endParaRPr lang="en-KR"/>
           </a:p>
@@ -1007,7 +1120,7 @@
           <a:p>
             <a:fld id="{3315C6C2-5E3C-0545-A590-A2FEC84CB2E4}" type="datetimeFigureOut">
               <a:rPr lang="en-KR" smtClean="0"/>
-              <a:t>2020/08/22</a:t>
+              <a:t>2020/08/25</a:t>
             </a:fld>
             <a:endParaRPr lang="en-KR"/>
           </a:p>
@@ -1239,7 +1352,7 @@
           <a:p>
             <a:fld id="{3315C6C2-5E3C-0545-A590-A2FEC84CB2E4}" type="datetimeFigureOut">
               <a:rPr lang="en-KR" smtClean="0"/>
-              <a:t>2020/08/22</a:t>
+              <a:t>2020/08/25</a:t>
             </a:fld>
             <a:endParaRPr lang="en-KR"/>
           </a:p>
@@ -1606,7 +1719,7 @@
           <a:p>
             <a:fld id="{3315C6C2-5E3C-0545-A590-A2FEC84CB2E4}" type="datetimeFigureOut">
               <a:rPr lang="en-KR" smtClean="0"/>
-              <a:t>2020/08/22</a:t>
+              <a:t>2020/08/25</a:t>
             </a:fld>
             <a:endParaRPr lang="en-KR"/>
           </a:p>
@@ -1724,7 +1837,7 @@
           <a:p>
             <a:fld id="{3315C6C2-5E3C-0545-A590-A2FEC84CB2E4}" type="datetimeFigureOut">
               <a:rPr lang="en-KR" smtClean="0"/>
-              <a:t>2020/08/22</a:t>
+              <a:t>2020/08/25</a:t>
             </a:fld>
             <a:endParaRPr lang="en-KR"/>
           </a:p>
@@ -1819,7 +1932,7 @@
           <a:p>
             <a:fld id="{3315C6C2-5E3C-0545-A590-A2FEC84CB2E4}" type="datetimeFigureOut">
               <a:rPr lang="en-KR" smtClean="0"/>
-              <a:t>2020/08/22</a:t>
+              <a:t>2020/08/25</a:t>
             </a:fld>
             <a:endParaRPr lang="en-KR"/>
           </a:p>
@@ -2096,7 +2209,7 @@
           <a:p>
             <a:fld id="{3315C6C2-5E3C-0545-A590-A2FEC84CB2E4}" type="datetimeFigureOut">
               <a:rPr lang="en-KR" smtClean="0"/>
-              <a:t>2020/08/22</a:t>
+              <a:t>2020/08/25</a:t>
             </a:fld>
             <a:endParaRPr lang="en-KR"/>
           </a:p>
@@ -2353,7 +2466,7 @@
           <a:p>
             <a:fld id="{3315C6C2-5E3C-0545-A590-A2FEC84CB2E4}" type="datetimeFigureOut">
               <a:rPr lang="en-KR" smtClean="0"/>
-              <a:t>2020/08/22</a:t>
+              <a:t>2020/08/25</a:t>
             </a:fld>
             <a:endParaRPr lang="en-KR"/>
           </a:p>
@@ -2566,7 +2679,7 @@
           <a:p>
             <a:fld id="{3315C6C2-5E3C-0545-A590-A2FEC84CB2E4}" type="datetimeFigureOut">
               <a:rPr lang="en-KR" smtClean="0"/>
-              <a:t>2020/08/22</a:t>
+              <a:t>2020/08/25</a:t>
             </a:fld>
             <a:endParaRPr lang="en-KR"/>
           </a:p>
@@ -3022,7 +3135,7 @@
         <p:spPr>
           <a:xfrm>
             <a:off x="3587217" y="3662719"/>
-            <a:ext cx="1072750" cy="523220"/>
+            <a:ext cx="1072750" cy="230832"/>
           </a:xfrm>
           <a:prstGeom prst="rect">
             <a:avLst/>
@@ -3037,12 +3150,12 @@
           <a:p>
             <a:pPr algn="ctr"/>
             <a:r>
-              <a:rPr lang="en-US" sz="1400" dirty="0">
+              <a:rPr lang="en-US" sz="900" dirty="0">
                 <a:solidFill>
                   <a:srgbClr val="232F3E"/>
                 </a:solidFill>
-                <a:latin typeface="Nanum Gothic" panose="020D0604000000000000" pitchFamily="34" charset="-127"/>
-                <a:ea typeface="Nanum Gothic" panose="020D0604000000000000" pitchFamily="34" charset="-127"/>
+                <a:latin typeface="NanumGothic" panose="020D0604000000000000" pitchFamily="34" charset="-127"/>
+                <a:ea typeface="NanumGothic" panose="020D0604000000000000" pitchFamily="34" charset="-127"/>
               </a:rPr>
               <a:t>Log database</a:t>
             </a:r>
@@ -3100,7 +3213,7 @@
         <p:spPr>
           <a:xfrm>
             <a:off x="408298" y="3706214"/>
-            <a:ext cx="1072750" cy="307777"/>
+            <a:ext cx="1072750" cy="230832"/>
           </a:xfrm>
           <a:prstGeom prst="rect">
             <a:avLst/>
@@ -3115,12 +3228,12 @@
           <a:p>
             <a:pPr algn="ctr"/>
             <a:r>
-              <a:rPr lang="en-US" sz="1400" dirty="0">
+              <a:rPr lang="en-US" sz="900" dirty="0">
                 <a:solidFill>
                   <a:srgbClr val="232F3E"/>
                 </a:solidFill>
-                <a:latin typeface="Nanum Gothic" panose="020D0604000000000000" pitchFamily="34" charset="-127"/>
-                <a:ea typeface="Nanum Gothic" panose="020D0604000000000000" pitchFamily="34" charset="-127"/>
+                <a:latin typeface="NanumGothic" panose="020D0604000000000000" pitchFamily="34" charset="-127"/>
+                <a:ea typeface="NanumGothic" panose="020D0604000000000000" pitchFamily="34" charset="-127"/>
               </a:rPr>
               <a:t>Users</a:t>
             </a:r>
@@ -3188,8 +3301,8 @@
         </p:nvSpPr>
         <p:spPr>
           <a:xfrm>
-            <a:off x="7482185" y="3694766"/>
-            <a:ext cx="969968" cy="523220"/>
+            <a:off x="7482185" y="3673500"/>
+            <a:ext cx="969968" cy="230832"/>
           </a:xfrm>
           <a:prstGeom prst="rect">
             <a:avLst/>
@@ -3204,9 +3317,9 @@
           <a:p>
             <a:pPr algn="ctr"/>
             <a:r>
-              <a:rPr lang="en-US" sz="1400" dirty="0">
-                <a:latin typeface="Nanum Gothic" panose="020D0604000000000000" pitchFamily="34" charset="-127"/>
-                <a:ea typeface="Nanum Gothic" panose="020D0604000000000000" pitchFamily="34" charset="-127"/>
+              <a:rPr lang="en-US" sz="900" dirty="0">
+                <a:latin typeface="NanumGothic" panose="020D0604000000000000" pitchFamily="34" charset="-127"/>
+                <a:ea typeface="NanumGothic" panose="020D0604000000000000" pitchFamily="34" charset="-127"/>
               </a:rPr>
               <a:t>AWS Lambda</a:t>
             </a:r>
@@ -3263,8 +3376,8 @@
         </p:nvSpPr>
         <p:spPr>
           <a:xfrm>
-            <a:off x="3803291" y="5646435"/>
-            <a:ext cx="2301904" cy="307777"/>
+            <a:off x="3782025" y="5646435"/>
+            <a:ext cx="2301904" cy="230832"/>
           </a:xfrm>
           <a:prstGeom prst="rect">
             <a:avLst/>
@@ -3279,9 +3392,9 @@
           <a:p>
             <a:pPr algn="ctr"/>
             <a:r>
-              <a:rPr lang="en-US" sz="1400" dirty="0">
-                <a:latin typeface="Nanum Gothic" panose="020D0604000000000000" pitchFamily="34" charset="-127"/>
-                <a:ea typeface="Nanum Gothic" panose="020D0604000000000000" pitchFamily="34" charset="-127"/>
+              <a:rPr lang="en-US" sz="900" dirty="0">
+                <a:latin typeface="NanumGothic" panose="020D0604000000000000" pitchFamily="34" charset="-127"/>
+                <a:ea typeface="NanumGothic" panose="020D0604000000000000" pitchFamily="34" charset="-127"/>
               </a:rPr>
               <a:t>Amazon CloudWatch</a:t>
             </a:r>
@@ -3335,13 +3448,14 @@
           </p:cNvPr>
           <p:cNvCxnSpPr>
             <a:cxnSpLocks/>
+            <a:stCxn id="51" idx="1"/>
           </p:cNvCxnSpPr>
           <p:nvPr/>
         </p:nvCxnSpPr>
         <p:spPr>
           <a:xfrm flipH="1">
-            <a:off x="5139532" y="3811241"/>
-            <a:ext cx="2486573" cy="1329022"/>
+            <a:off x="5139533" y="3788916"/>
+            <a:ext cx="2342652" cy="1351347"/>
           </a:xfrm>
           <a:prstGeom prst="straightConnector1">
             <a:avLst/>
@@ -3466,8 +3580,8 @@
         </p:nvSpPr>
         <p:spPr>
           <a:xfrm>
-            <a:off x="6802966" y="5838367"/>
-            <a:ext cx="2301904" cy="523220"/>
+            <a:off x="6802966" y="5753303"/>
+            <a:ext cx="2301904" cy="230832"/>
           </a:xfrm>
           <a:prstGeom prst="rect">
             <a:avLst/>
@@ -3482,9 +3596,9 @@
           <a:p>
             <a:pPr algn="ctr"/>
             <a:r>
-              <a:rPr lang="en-US" sz="1400" dirty="0">
-                <a:latin typeface="Nanum Gothic" panose="020D0604000000000000" pitchFamily="34" charset="-127"/>
-                <a:ea typeface="Nanum Gothic" panose="020D0604000000000000" pitchFamily="34" charset="-127"/>
+              <a:rPr lang="en-US" sz="900" dirty="0">
+                <a:latin typeface="NanumGothic" panose="020D0604000000000000" pitchFamily="34" charset="-127"/>
+                <a:ea typeface="NanumGothic" panose="020D0604000000000000" pitchFamily="34" charset="-127"/>
               </a:rPr>
               <a:t>Amazon Simple Storage Service</a:t>
             </a:r>
@@ -3506,7 +3620,7 @@
         <p:spPr>
           <a:xfrm>
             <a:off x="6802966" y="7860519"/>
-            <a:ext cx="2301904" cy="307777"/>
+            <a:ext cx="2301904" cy="230832"/>
           </a:xfrm>
           <a:prstGeom prst="rect">
             <a:avLst/>
@@ -3521,9 +3635,9 @@
           <a:p>
             <a:pPr algn="ctr"/>
             <a:r>
-              <a:rPr lang="en-US" sz="1400" dirty="0">
-                <a:latin typeface="Nanum Gothic" panose="020D0604000000000000" pitchFamily="34" charset="-127"/>
-                <a:ea typeface="Nanum Gothic" panose="020D0604000000000000" pitchFamily="34" charset="-127"/>
+              <a:rPr lang="en-US" sz="900" dirty="0">
+                <a:latin typeface="NanumGothic" panose="020D0604000000000000" pitchFamily="34" charset="-127"/>
+                <a:ea typeface="NanumGothic" panose="020D0604000000000000" pitchFamily="34" charset="-127"/>
               </a:rPr>
               <a:t>Amazon Personalize</a:t>
             </a:r>
@@ -3584,8 +3698,8 @@
         </p:nvCxnSpPr>
         <p:spPr>
           <a:xfrm flipV="1">
-            <a:off x="7953918" y="6361589"/>
-            <a:ext cx="0" cy="888751"/>
+            <a:off x="7953918" y="5984135"/>
+            <a:ext cx="0" cy="1266203"/>
           </a:xfrm>
           <a:prstGeom prst="straightConnector1">
             <a:avLst/>
@@ -3631,8 +3745,8 @@
         </p:nvCxnSpPr>
         <p:spPr>
           <a:xfrm flipH="1" flipV="1">
-            <a:off x="7967171" y="4217986"/>
-            <a:ext cx="3219" cy="1006740"/>
+            <a:off x="7967169" y="3904332"/>
+            <a:ext cx="3219" cy="1320394"/>
           </a:xfrm>
           <a:prstGeom prst="straightConnector1">
             <a:avLst/>
@@ -3674,8 +3788,8 @@
         </p:nvSpPr>
         <p:spPr>
           <a:xfrm>
-            <a:off x="3712410" y="7802743"/>
-            <a:ext cx="969968" cy="523220"/>
+            <a:off x="3276475" y="7802743"/>
+            <a:ext cx="969968" cy="230832"/>
           </a:xfrm>
           <a:prstGeom prst="rect">
             <a:avLst/>
@@ -3690,9 +3804,9 @@
           <a:p>
             <a:pPr algn="ctr"/>
             <a:r>
-              <a:rPr lang="en-US" sz="1400" dirty="0">
-                <a:latin typeface="Nanum Gothic" panose="020D0604000000000000" pitchFamily="34" charset="-127"/>
-                <a:ea typeface="Nanum Gothic" panose="020D0604000000000000" pitchFamily="34" charset="-127"/>
+              <a:rPr lang="en-US" sz="900" dirty="0">
+                <a:latin typeface="NanumGothic" panose="020D0604000000000000" pitchFamily="34" charset="-127"/>
+                <a:ea typeface="NanumGothic" panose="020D0604000000000000" pitchFamily="34" charset="-127"/>
               </a:rPr>
               <a:t>AWS Lambda</a:t>
             </a:r>
@@ -3727,7 +3841,7 @@
         </p:blipFill>
         <p:spPr>
           <a:xfrm>
-            <a:off x="3962444" y="7242220"/>
+            <a:off x="3526509" y="7242220"/>
             <a:ext cx="469900" cy="469900"/>
           </a:xfrm>
           <a:prstGeom prst="rect">
@@ -3753,8 +3867,8 @@
         </p:nvCxnSpPr>
         <p:spPr>
           <a:xfrm>
-            <a:off x="4432344" y="7477170"/>
-            <a:ext cx="1297983" cy="5666"/>
+            <a:off x="3996409" y="7477170"/>
+            <a:ext cx="1733918" cy="5666"/>
           </a:xfrm>
           <a:prstGeom prst="straightConnector1">
             <a:avLst/>
@@ -3797,7 +3911,7 @@
         <p:spPr>
           <a:xfrm>
             <a:off x="-177332" y="7774169"/>
-            <a:ext cx="2301904" cy="307777"/>
+            <a:ext cx="2301904" cy="230832"/>
           </a:xfrm>
           <a:prstGeom prst="rect">
             <a:avLst/>
@@ -3812,9 +3926,9 @@
           <a:p>
             <a:pPr algn="ctr"/>
             <a:r>
-              <a:rPr lang="en-US" sz="1400" dirty="0">
-                <a:latin typeface="Nanum Gothic" panose="020D0604000000000000" pitchFamily="34" charset="-127"/>
-                <a:ea typeface="Nanum Gothic" panose="020D0604000000000000" pitchFamily="34" charset="-127"/>
+              <a:rPr lang="en-US" sz="900" dirty="0">
+                <a:latin typeface="NanumGothic" panose="020D0604000000000000" pitchFamily="34" charset="-127"/>
+                <a:ea typeface="NanumGothic" panose="020D0604000000000000" pitchFamily="34" charset="-127"/>
               </a:rPr>
               <a:t>Amazon DynamoDB</a:t>
             </a:r>
@@ -3876,7 +3990,7 @@
         <p:spPr>
           <a:xfrm flipV="1">
             <a:off x="1208570" y="7477170"/>
-            <a:ext cx="2753874" cy="8118"/>
+            <a:ext cx="2317939" cy="8118"/>
           </a:xfrm>
           <a:prstGeom prst="straightConnector1">
             <a:avLst/>
@@ -3919,7 +4033,7 @@
         <p:spPr>
           <a:xfrm>
             <a:off x="-173486" y="5695539"/>
-            <a:ext cx="2301904" cy="307777"/>
+            <a:ext cx="2301904" cy="230832"/>
           </a:xfrm>
           <a:prstGeom prst="rect">
             <a:avLst/>
@@ -3934,9 +4048,9 @@
           <a:p>
             <a:pPr algn="ctr"/>
             <a:r>
-              <a:rPr lang="en-US" sz="1400" dirty="0">
-                <a:latin typeface="Nanum Gothic" panose="020D0604000000000000" pitchFamily="34" charset="-127"/>
-                <a:ea typeface="Nanum Gothic" panose="020D0604000000000000" pitchFamily="34" charset="-127"/>
+              <a:rPr lang="en-US" sz="900" dirty="0">
+                <a:latin typeface="NanumGothic" panose="020D0604000000000000" pitchFamily="34" charset="-127"/>
+                <a:ea typeface="NanumGothic" panose="020D0604000000000000" pitchFamily="34" charset="-127"/>
               </a:rPr>
               <a:t>Amazon API Gateway</a:t>
             </a:r>
@@ -4042,8 +4156,8 @@
         </p:nvCxnSpPr>
         <p:spPr>
           <a:xfrm flipH="1">
-            <a:off x="973620" y="6003314"/>
-            <a:ext cx="3846" cy="1247024"/>
+            <a:off x="973620" y="5926371"/>
+            <a:ext cx="3846" cy="1323967"/>
           </a:xfrm>
           <a:prstGeom prst="straightConnector1">
             <a:avLst/>
@@ -4147,14 +4261,14 @@
             <a:pPr algn="ctr"/>
             <a:r>
               <a:rPr lang="en-US" dirty="0">
-                <a:latin typeface="Nanum Gothic" panose="020D0604000000000000" pitchFamily="34" charset="-127"/>
-                <a:ea typeface="Nanum Gothic" panose="020D0604000000000000" pitchFamily="34" charset="-127"/>
+                <a:latin typeface="NanumGothic" panose="020D0604000000000000" pitchFamily="34" charset="-127"/>
+                <a:ea typeface="NanumGothic" panose="020D0604000000000000" pitchFamily="34" charset="-127"/>
               </a:rPr>
               <a:t>Flow of data</a:t>
             </a:r>
             <a:endParaRPr lang="en-KR" dirty="0">
-              <a:latin typeface="Nanum Gothic" panose="020D0604000000000000" pitchFamily="34" charset="-127"/>
-              <a:ea typeface="Nanum Gothic" panose="020D0604000000000000" pitchFamily="34" charset="-127"/>
+              <a:latin typeface="NanumGothic" panose="020D0604000000000000" pitchFamily="34" charset="-127"/>
+              <a:ea typeface="NanumGothic" panose="020D0604000000000000" pitchFamily="34" charset="-127"/>
             </a:endParaRPr>
           </a:p>
         </p:txBody>
@@ -4190,14 +4304,14 @@
             <a:pPr algn="ctr"/>
             <a:r>
               <a:rPr lang="ko-KR" altLang="en-US" sz="1100" dirty="0">
-                <a:latin typeface="Nanum Gothic" panose="020D0604000000000000" pitchFamily="34" charset="-127"/>
-                <a:ea typeface="Nanum Gothic" panose="020D0604000000000000" pitchFamily="34" charset="-127"/>
+                <a:latin typeface="NanumGothic" panose="020D0604000000000000" pitchFamily="34" charset="-127"/>
+                <a:ea typeface="NanumGothic" panose="020D0604000000000000" pitchFamily="34" charset="-127"/>
               </a:rPr>
               <a:t>작품 조회 로그</a:t>
             </a:r>
             <a:endParaRPr lang="en-KR" sz="1100" dirty="0">
-              <a:latin typeface="Nanum Gothic" panose="020D0604000000000000" pitchFamily="34" charset="-127"/>
-              <a:ea typeface="Nanum Gothic" panose="020D0604000000000000" pitchFamily="34" charset="-127"/>
+              <a:latin typeface="NanumGothic" panose="020D0604000000000000" pitchFamily="34" charset="-127"/>
+              <a:ea typeface="NanumGothic" panose="020D0604000000000000" pitchFamily="34" charset="-127"/>
             </a:endParaRPr>
           </a:p>
         </p:txBody>
@@ -4233,64 +4347,64 @@
             <a:pPr algn="ctr"/>
             <a:r>
               <a:rPr lang="ko-KR" altLang="en-US" sz="1100" dirty="0">
-                <a:latin typeface="Nanum Gothic" panose="020D0604000000000000" pitchFamily="34" charset="-127"/>
-                <a:ea typeface="Nanum Gothic" panose="020D0604000000000000" pitchFamily="34" charset="-127"/>
+                <a:latin typeface="NanumGothic" panose="020D0604000000000000" pitchFamily="34" charset="-127"/>
+                <a:ea typeface="NanumGothic" panose="020D0604000000000000" pitchFamily="34" charset="-127"/>
               </a:rPr>
               <a:t>주기적으로</a:t>
             </a:r>
             <a:endParaRPr lang="en-US" altLang="ko-KR" sz="1100" dirty="0">
-              <a:latin typeface="Nanum Gothic" panose="020D0604000000000000" pitchFamily="34" charset="-127"/>
-              <a:ea typeface="Nanum Gothic" panose="020D0604000000000000" pitchFamily="34" charset="-127"/>
+              <a:latin typeface="NanumGothic" panose="020D0604000000000000" pitchFamily="34" charset="-127"/>
+              <a:ea typeface="NanumGothic" panose="020D0604000000000000" pitchFamily="34" charset="-127"/>
             </a:endParaRPr>
           </a:p>
           <a:p>
             <a:pPr algn="ctr"/>
             <a:r>
               <a:rPr lang="en-US" altLang="ko-KR" sz="1100" dirty="0">
-                <a:latin typeface="Nanum Gothic" panose="020D0604000000000000" pitchFamily="34" charset="-127"/>
-                <a:ea typeface="Nanum Gothic" panose="020D0604000000000000" pitchFamily="34" charset="-127"/>
+                <a:latin typeface="NanumGothic" panose="020D0604000000000000" pitchFamily="34" charset="-127"/>
+                <a:ea typeface="NanumGothic" panose="020D0604000000000000" pitchFamily="34" charset="-127"/>
               </a:rPr>
               <a:t>(</a:t>
             </a:r>
             <a:r>
               <a:rPr lang="ko-KR" altLang="en-US" sz="1100" dirty="0">
-                <a:latin typeface="Nanum Gothic" panose="020D0604000000000000" pitchFamily="34" charset="-127"/>
-                <a:ea typeface="Nanum Gothic" panose="020D0604000000000000" pitchFamily="34" charset="-127"/>
+                <a:latin typeface="NanumGothic" panose="020D0604000000000000" pitchFamily="34" charset="-127"/>
+                <a:ea typeface="NanumGothic" panose="020D0604000000000000" pitchFamily="34" charset="-127"/>
               </a:rPr>
               <a:t>하루</a:t>
             </a:r>
             <a:r>
               <a:rPr lang="en-US" altLang="ko-KR" sz="1100" dirty="0">
-                <a:latin typeface="Nanum Gothic" panose="020D0604000000000000" pitchFamily="34" charset="-127"/>
-                <a:ea typeface="Nanum Gothic" panose="020D0604000000000000" pitchFamily="34" charset="-127"/>
+                <a:latin typeface="NanumGothic" panose="020D0604000000000000" pitchFamily="34" charset="-127"/>
+                <a:ea typeface="NanumGothic" panose="020D0604000000000000" pitchFamily="34" charset="-127"/>
               </a:rPr>
               <a:t>? 1</a:t>
             </a:r>
             <a:r>
               <a:rPr lang="ko-KR" altLang="en-US" sz="1100" dirty="0">
-                <a:latin typeface="Nanum Gothic" panose="020D0604000000000000" pitchFamily="34" charset="-127"/>
-                <a:ea typeface="Nanum Gothic" panose="020D0604000000000000" pitchFamily="34" charset="-127"/>
+                <a:latin typeface="NanumGothic" panose="020D0604000000000000" pitchFamily="34" charset="-127"/>
+                <a:ea typeface="NanumGothic" panose="020D0604000000000000" pitchFamily="34" charset="-127"/>
               </a:rPr>
               <a:t>주</a:t>
             </a:r>
             <a:r>
               <a:rPr lang="en-US" altLang="ko-KR" sz="1100" dirty="0">
-                <a:latin typeface="Nanum Gothic" panose="020D0604000000000000" pitchFamily="34" charset="-127"/>
-                <a:ea typeface="Nanum Gothic" panose="020D0604000000000000" pitchFamily="34" charset="-127"/>
+                <a:latin typeface="NanumGothic" panose="020D0604000000000000" pitchFamily="34" charset="-127"/>
+                <a:ea typeface="NanumGothic" panose="020D0604000000000000" pitchFamily="34" charset="-127"/>
               </a:rPr>
               <a:t>? </a:t>
             </a:r>
             <a:r>
               <a:rPr lang="ko-KR" altLang="en-US" sz="1100" dirty="0">
-                <a:latin typeface="Nanum Gothic" panose="020D0604000000000000" pitchFamily="34" charset="-127"/>
-                <a:ea typeface="Nanum Gothic" panose="020D0604000000000000" pitchFamily="34" charset="-127"/>
+                <a:latin typeface="NanumGothic" panose="020D0604000000000000" pitchFamily="34" charset="-127"/>
+                <a:ea typeface="NanumGothic" panose="020D0604000000000000" pitchFamily="34" charset="-127"/>
               </a:rPr>
               <a:t>한달</a:t>
             </a:r>
             <a:r>
               <a:rPr lang="en-US" altLang="ko-KR" sz="1100" dirty="0">
-                <a:latin typeface="Nanum Gothic" panose="020D0604000000000000" pitchFamily="34" charset="-127"/>
-                <a:ea typeface="Nanum Gothic" panose="020D0604000000000000" pitchFamily="34" charset="-127"/>
+                <a:latin typeface="NanumGothic" panose="020D0604000000000000" pitchFamily="34" charset="-127"/>
+                <a:ea typeface="NanumGothic" panose="020D0604000000000000" pitchFamily="34" charset="-127"/>
               </a:rPr>
               <a:t>?)</a:t>
             </a:r>
@@ -4299,21 +4413,21 @@
             <a:pPr algn="ctr"/>
             <a:r>
               <a:rPr lang="en-US" altLang="ko-KR" sz="1100" dirty="0">
-                <a:latin typeface="Nanum Gothic" panose="020D0604000000000000" pitchFamily="34" charset="-127"/>
-                <a:ea typeface="Nanum Gothic" panose="020D0604000000000000" pitchFamily="34" charset="-127"/>
+                <a:latin typeface="NanumGothic" panose="020D0604000000000000" pitchFamily="34" charset="-127"/>
+                <a:ea typeface="NanumGothic" panose="020D0604000000000000" pitchFamily="34" charset="-127"/>
               </a:rPr>
               <a:t>Lambda</a:t>
             </a:r>
             <a:r>
               <a:rPr lang="ko-KR" altLang="en-US" sz="1100" dirty="0">
-                <a:latin typeface="Nanum Gothic" panose="020D0604000000000000" pitchFamily="34" charset="-127"/>
-                <a:ea typeface="Nanum Gothic" panose="020D0604000000000000" pitchFamily="34" charset="-127"/>
+                <a:latin typeface="NanumGothic" panose="020D0604000000000000" pitchFamily="34" charset="-127"/>
+                <a:ea typeface="NanumGothic" panose="020D0604000000000000" pitchFamily="34" charset="-127"/>
               </a:rPr>
               <a:t> 실행</a:t>
             </a:r>
             <a:endParaRPr lang="en-US" altLang="ko-KR" sz="1100" dirty="0">
-              <a:latin typeface="Nanum Gothic" panose="020D0604000000000000" pitchFamily="34" charset="-127"/>
-              <a:ea typeface="Nanum Gothic" panose="020D0604000000000000" pitchFamily="34" charset="-127"/>
+              <a:latin typeface="NanumGothic" panose="020D0604000000000000" pitchFamily="34" charset="-127"/>
+              <a:ea typeface="NanumGothic" panose="020D0604000000000000" pitchFamily="34" charset="-127"/>
             </a:endParaRPr>
           </a:p>
         </p:txBody>
@@ -4349,14 +4463,14 @@
             <a:pPr algn="ctr"/>
             <a:r>
               <a:rPr lang="ko-KR" altLang="en-US" sz="1100" dirty="0">
-                <a:latin typeface="Nanum Gothic" panose="020D0604000000000000" pitchFamily="34" charset="-127"/>
-                <a:ea typeface="Nanum Gothic" panose="020D0604000000000000" pitchFamily="34" charset="-127"/>
+                <a:latin typeface="NanumGothic" panose="020D0604000000000000" pitchFamily="34" charset="-127"/>
+                <a:ea typeface="NanumGothic" panose="020D0604000000000000" pitchFamily="34" charset="-127"/>
               </a:rPr>
               <a:t>작품 조회 로그</a:t>
             </a:r>
             <a:endParaRPr lang="en-KR" sz="1100" dirty="0">
-              <a:latin typeface="Nanum Gothic" panose="020D0604000000000000" pitchFamily="34" charset="-127"/>
-              <a:ea typeface="Nanum Gothic" panose="020D0604000000000000" pitchFamily="34" charset="-127"/>
+              <a:latin typeface="NanumGothic" panose="020D0604000000000000" pitchFamily="34" charset="-127"/>
+              <a:ea typeface="NanumGothic" panose="020D0604000000000000" pitchFamily="34" charset="-127"/>
             </a:endParaRPr>
           </a:p>
         </p:txBody>
@@ -4392,175 +4506,175 @@
             <a:pPr algn="ctr"/>
             <a:r>
               <a:rPr lang="en-US" sz="1100" dirty="0" err="1">
-                <a:latin typeface="Nanum Gothic" panose="020D0604000000000000" pitchFamily="34" charset="-127"/>
-                <a:ea typeface="Nanum Gothic" panose="020D0604000000000000" pitchFamily="34" charset="-127"/>
+                <a:latin typeface="NanumGothic" panose="020D0604000000000000" pitchFamily="34" charset="-127"/>
+                <a:ea typeface="NanumGothic" panose="020D0604000000000000" pitchFamily="34" charset="-127"/>
               </a:rPr>
               <a:t>주어진</a:t>
             </a:r>
             <a:r>
               <a:rPr lang="en-US" sz="1100" dirty="0">
-                <a:latin typeface="Nanum Gothic" panose="020D0604000000000000" pitchFamily="34" charset="-127"/>
-                <a:ea typeface="Nanum Gothic" panose="020D0604000000000000" pitchFamily="34" charset="-127"/>
+                <a:latin typeface="NanumGothic" panose="020D0604000000000000" pitchFamily="34" charset="-127"/>
+                <a:ea typeface="NanumGothic" panose="020D0604000000000000" pitchFamily="34" charset="-127"/>
               </a:rPr>
               <a:t> </a:t>
             </a:r>
             <a:r>
               <a:rPr lang="en-US" sz="1100" dirty="0" err="1">
-                <a:latin typeface="Nanum Gothic" panose="020D0604000000000000" pitchFamily="34" charset="-127"/>
-                <a:ea typeface="Nanum Gothic" panose="020D0604000000000000" pitchFamily="34" charset="-127"/>
+                <a:latin typeface="NanumGothic" panose="020D0604000000000000" pitchFamily="34" charset="-127"/>
+                <a:ea typeface="NanumGothic" panose="020D0604000000000000" pitchFamily="34" charset="-127"/>
               </a:rPr>
               <a:t>날짜</a:t>
             </a:r>
             <a:r>
               <a:rPr lang="en-US" sz="1100" dirty="0">
-                <a:latin typeface="Nanum Gothic" panose="020D0604000000000000" pitchFamily="34" charset="-127"/>
-                <a:ea typeface="Nanum Gothic" panose="020D0604000000000000" pitchFamily="34" charset="-127"/>
+                <a:latin typeface="NanumGothic" panose="020D0604000000000000" pitchFamily="34" charset="-127"/>
+                <a:ea typeface="NanumGothic" panose="020D0604000000000000" pitchFamily="34" charset="-127"/>
               </a:rPr>
               <a:t> </a:t>
             </a:r>
             <a:r>
               <a:rPr lang="en-US" sz="1100" dirty="0" err="1">
-                <a:latin typeface="Nanum Gothic" panose="020D0604000000000000" pitchFamily="34" charset="-127"/>
-                <a:ea typeface="Nanum Gothic" panose="020D0604000000000000" pitchFamily="34" charset="-127"/>
+                <a:latin typeface="NanumGothic" panose="020D0604000000000000" pitchFamily="34" charset="-127"/>
+                <a:ea typeface="NanumGothic" panose="020D0604000000000000" pitchFamily="34" charset="-127"/>
               </a:rPr>
               <a:t>범위</a:t>
             </a:r>
             <a:r>
               <a:rPr lang="en-US" sz="1100" dirty="0">
-                <a:latin typeface="Nanum Gothic" panose="020D0604000000000000" pitchFamily="34" charset="-127"/>
-                <a:ea typeface="Nanum Gothic" panose="020D0604000000000000" pitchFamily="34" charset="-127"/>
+                <a:latin typeface="NanumGothic" panose="020D0604000000000000" pitchFamily="34" charset="-127"/>
+                <a:ea typeface="NanumGothic" panose="020D0604000000000000" pitchFamily="34" charset="-127"/>
               </a:rPr>
               <a:t> </a:t>
             </a:r>
             <a:r>
               <a:rPr lang="en-US" sz="1100" dirty="0" err="1">
-                <a:latin typeface="Nanum Gothic" panose="020D0604000000000000" pitchFamily="34" charset="-127"/>
-                <a:ea typeface="Nanum Gothic" panose="020D0604000000000000" pitchFamily="34" charset="-127"/>
+                <a:latin typeface="NanumGothic" panose="020D0604000000000000" pitchFamily="34" charset="-127"/>
+                <a:ea typeface="NanumGothic" panose="020D0604000000000000" pitchFamily="34" charset="-127"/>
               </a:rPr>
               <a:t>해당하는</a:t>
             </a:r>
             <a:endParaRPr lang="en-US" sz="1100" dirty="0">
-              <a:latin typeface="Nanum Gothic" panose="020D0604000000000000" pitchFamily="34" charset="-127"/>
-              <a:ea typeface="Nanum Gothic" panose="020D0604000000000000" pitchFamily="34" charset="-127"/>
+              <a:latin typeface="NanumGothic" panose="020D0604000000000000" pitchFamily="34" charset="-127"/>
+              <a:ea typeface="NanumGothic" panose="020D0604000000000000" pitchFamily="34" charset="-127"/>
             </a:endParaRPr>
           </a:p>
           <a:p>
             <a:pPr algn="ctr"/>
             <a:r>
               <a:rPr lang="en-US" sz="1100" dirty="0" err="1">
-                <a:latin typeface="Nanum Gothic" panose="020D0604000000000000" pitchFamily="34" charset="-127"/>
-                <a:ea typeface="Nanum Gothic" panose="020D0604000000000000" pitchFamily="34" charset="-127"/>
+                <a:latin typeface="NanumGothic" panose="020D0604000000000000" pitchFamily="34" charset="-127"/>
+                <a:ea typeface="NanumGothic" panose="020D0604000000000000" pitchFamily="34" charset="-127"/>
               </a:rPr>
               <a:t>로그를</a:t>
             </a:r>
             <a:r>
               <a:rPr lang="en-US" sz="1100" dirty="0">
-                <a:latin typeface="Nanum Gothic" panose="020D0604000000000000" pitchFamily="34" charset="-127"/>
-                <a:ea typeface="Nanum Gothic" panose="020D0604000000000000" pitchFamily="34" charset="-127"/>
+                <a:latin typeface="NanumGothic" panose="020D0604000000000000" pitchFamily="34" charset="-127"/>
+                <a:ea typeface="NanumGothic" panose="020D0604000000000000" pitchFamily="34" charset="-127"/>
               </a:rPr>
               <a:t> Log </a:t>
             </a:r>
             <a:r>
               <a:rPr lang="en-US" sz="1100" dirty="0" err="1">
-                <a:latin typeface="Nanum Gothic" panose="020D0604000000000000" pitchFamily="34" charset="-127"/>
-                <a:ea typeface="Nanum Gothic" panose="020D0604000000000000" pitchFamily="34" charset="-127"/>
+                <a:latin typeface="NanumGothic" panose="020D0604000000000000" pitchFamily="34" charset="-127"/>
+                <a:ea typeface="NanumGothic" panose="020D0604000000000000" pitchFamily="34" charset="-127"/>
               </a:rPr>
               <a:t>databas에서</a:t>
             </a:r>
             <a:r>
               <a:rPr lang="en-US" sz="1100" dirty="0">
-                <a:latin typeface="Nanum Gothic" panose="020D0604000000000000" pitchFamily="34" charset="-127"/>
-                <a:ea typeface="Nanum Gothic" panose="020D0604000000000000" pitchFamily="34" charset="-127"/>
+                <a:latin typeface="NanumGothic" panose="020D0604000000000000" pitchFamily="34" charset="-127"/>
+                <a:ea typeface="NanumGothic" panose="020D0604000000000000" pitchFamily="34" charset="-127"/>
               </a:rPr>
               <a:t> </a:t>
             </a:r>
             <a:r>
               <a:rPr lang="en-US" sz="1100" dirty="0" err="1">
-                <a:latin typeface="Nanum Gothic" panose="020D0604000000000000" pitchFamily="34" charset="-127"/>
-                <a:ea typeface="Nanum Gothic" panose="020D0604000000000000" pitchFamily="34" charset="-127"/>
+                <a:latin typeface="NanumGothic" panose="020D0604000000000000" pitchFamily="34" charset="-127"/>
+                <a:ea typeface="NanumGothic" panose="020D0604000000000000" pitchFamily="34" charset="-127"/>
               </a:rPr>
               <a:t>읽어와</a:t>
             </a:r>
             <a:endParaRPr lang="en-US" sz="1100" dirty="0">
-              <a:latin typeface="Nanum Gothic" panose="020D0604000000000000" pitchFamily="34" charset="-127"/>
-              <a:ea typeface="Nanum Gothic" panose="020D0604000000000000" pitchFamily="34" charset="-127"/>
+              <a:latin typeface="NanumGothic" panose="020D0604000000000000" pitchFamily="34" charset="-127"/>
+              <a:ea typeface="NanumGothic" panose="020D0604000000000000" pitchFamily="34" charset="-127"/>
             </a:endParaRPr>
           </a:p>
           <a:p>
             <a:pPr algn="ctr"/>
             <a:r>
               <a:rPr lang="en-US" sz="1100" dirty="0">
-                <a:latin typeface="Nanum Gothic" panose="020D0604000000000000" pitchFamily="34" charset="-127"/>
-                <a:ea typeface="Nanum Gothic" panose="020D0604000000000000" pitchFamily="34" charset="-127"/>
+                <a:latin typeface="NanumGothic" panose="020D0604000000000000" pitchFamily="34" charset="-127"/>
+                <a:ea typeface="NanumGothic" panose="020D0604000000000000" pitchFamily="34" charset="-127"/>
               </a:rPr>
               <a:t>Amazon Personalize</a:t>
             </a:r>
             <a:r>
               <a:rPr lang="ko-KR" altLang="en-US" sz="1100" dirty="0">
-                <a:latin typeface="Nanum Gothic" panose="020D0604000000000000" pitchFamily="34" charset="-127"/>
-                <a:ea typeface="Nanum Gothic" panose="020D0604000000000000" pitchFamily="34" charset="-127"/>
+                <a:latin typeface="NanumGothic" panose="020D0604000000000000" pitchFamily="34" charset="-127"/>
+                <a:ea typeface="NanumGothic" panose="020D0604000000000000" pitchFamily="34" charset="-127"/>
               </a:rPr>
               <a:t>에 맞는</a:t>
             </a:r>
             <a:r>
               <a:rPr lang="en-US" altLang="ko-KR" sz="1100" dirty="0">
-                <a:latin typeface="Nanum Gothic" panose="020D0604000000000000" pitchFamily="34" charset="-127"/>
-                <a:ea typeface="Nanum Gothic" panose="020D0604000000000000" pitchFamily="34" charset="-127"/>
+                <a:latin typeface="NanumGothic" panose="020D0604000000000000" pitchFamily="34" charset="-127"/>
+                <a:ea typeface="NanumGothic" panose="020D0604000000000000" pitchFamily="34" charset="-127"/>
               </a:rPr>
               <a:t> </a:t>
             </a:r>
             <a:r>
               <a:rPr lang="ko-KR" altLang="en-US" sz="1100" dirty="0">
-                <a:latin typeface="Nanum Gothic" panose="020D0604000000000000" pitchFamily="34" charset="-127"/>
-                <a:ea typeface="Nanum Gothic" panose="020D0604000000000000" pitchFamily="34" charset="-127"/>
+                <a:latin typeface="NanumGothic" panose="020D0604000000000000" pitchFamily="34" charset="-127"/>
+                <a:ea typeface="NanumGothic" panose="020D0604000000000000" pitchFamily="34" charset="-127"/>
               </a:rPr>
               <a:t>포맷으로</a:t>
             </a:r>
             <a:endParaRPr lang="en-US" altLang="ko-KR" sz="1100" dirty="0">
-              <a:latin typeface="Nanum Gothic" panose="020D0604000000000000" pitchFamily="34" charset="-127"/>
-              <a:ea typeface="Nanum Gothic" panose="020D0604000000000000" pitchFamily="34" charset="-127"/>
+              <a:latin typeface="NanumGothic" panose="020D0604000000000000" pitchFamily="34" charset="-127"/>
+              <a:ea typeface="NanumGothic" panose="020D0604000000000000" pitchFamily="34" charset="-127"/>
             </a:endParaRPr>
           </a:p>
           <a:p>
             <a:pPr algn="ctr"/>
             <a:r>
               <a:rPr lang="ko-KR" altLang="en-US" sz="1100" dirty="0" err="1">
-                <a:latin typeface="Nanum Gothic" panose="020D0604000000000000" pitchFamily="34" charset="-127"/>
-                <a:ea typeface="Nanum Gothic" panose="020D0604000000000000" pitchFamily="34" charset="-127"/>
+                <a:latin typeface="NanumGothic" panose="020D0604000000000000" pitchFamily="34" charset="-127"/>
+                <a:ea typeface="NanumGothic" panose="020D0604000000000000" pitchFamily="34" charset="-127"/>
               </a:rPr>
               <a:t>전처리한</a:t>
             </a:r>
             <a:r>
               <a:rPr lang="ko-KR" altLang="en-US" sz="1100" dirty="0">
-                <a:latin typeface="Nanum Gothic" panose="020D0604000000000000" pitchFamily="34" charset="-127"/>
-                <a:ea typeface="Nanum Gothic" panose="020D0604000000000000" pitchFamily="34" charset="-127"/>
+                <a:latin typeface="NanumGothic" panose="020D0604000000000000" pitchFamily="34" charset="-127"/>
+                <a:ea typeface="NanumGothic" panose="020D0604000000000000" pitchFamily="34" charset="-127"/>
               </a:rPr>
               <a:t> 후</a:t>
             </a:r>
             <a:r>
               <a:rPr lang="en-US" altLang="ko-KR" sz="1100" dirty="0">
-                <a:latin typeface="Nanum Gothic" panose="020D0604000000000000" pitchFamily="34" charset="-127"/>
-                <a:ea typeface="Nanum Gothic" panose="020D0604000000000000" pitchFamily="34" charset="-127"/>
+                <a:latin typeface="NanumGothic" panose="020D0604000000000000" pitchFamily="34" charset="-127"/>
+                <a:ea typeface="NanumGothic" panose="020D0604000000000000" pitchFamily="34" charset="-127"/>
               </a:rPr>
               <a:t> S3</a:t>
             </a:r>
             <a:r>
               <a:rPr lang="ko-KR" altLang="en-US" sz="1100" dirty="0">
-                <a:latin typeface="Nanum Gothic" panose="020D0604000000000000" pitchFamily="34" charset="-127"/>
-                <a:ea typeface="Nanum Gothic" panose="020D0604000000000000" pitchFamily="34" charset="-127"/>
+                <a:latin typeface="NanumGothic" panose="020D0604000000000000" pitchFamily="34" charset="-127"/>
+                <a:ea typeface="NanumGothic" panose="020D0604000000000000" pitchFamily="34" charset="-127"/>
               </a:rPr>
               <a:t>에 저장</a:t>
             </a:r>
             <a:endParaRPr lang="en-US" altLang="ko-KR" sz="1100" dirty="0">
-              <a:latin typeface="Nanum Gothic" panose="020D0604000000000000" pitchFamily="34" charset="-127"/>
-              <a:ea typeface="Nanum Gothic" panose="020D0604000000000000" pitchFamily="34" charset="-127"/>
+              <a:latin typeface="NanumGothic" panose="020D0604000000000000" pitchFamily="34" charset="-127"/>
+              <a:ea typeface="NanumGothic" panose="020D0604000000000000" pitchFamily="34" charset="-127"/>
             </a:endParaRPr>
           </a:p>
           <a:p>
             <a:pPr algn="ctr"/>
             <a:endParaRPr lang="en-KR" sz="1100" dirty="0">
-              <a:latin typeface="Nanum Gothic" panose="020D0604000000000000" pitchFamily="34" charset="-127"/>
-              <a:ea typeface="Nanum Gothic" panose="020D0604000000000000" pitchFamily="34" charset="-127"/>
+              <a:latin typeface="NanumGothic" panose="020D0604000000000000" pitchFamily="34" charset="-127"/>
+              <a:ea typeface="NanumGothic" panose="020D0604000000000000" pitchFamily="34" charset="-127"/>
             </a:endParaRPr>
           </a:p>
         </p:txBody>
@@ -4596,21 +4710,21 @@
             <a:pPr algn="ctr"/>
             <a:r>
               <a:rPr lang="ko-KR" altLang="en-US" sz="1100" dirty="0" err="1">
-                <a:latin typeface="Nanum Gothic" panose="020D0604000000000000" pitchFamily="34" charset="-127"/>
-                <a:ea typeface="Nanum Gothic" panose="020D0604000000000000" pitchFamily="34" charset="-127"/>
+                <a:latin typeface="NanumGothic" panose="020D0604000000000000" pitchFamily="34" charset="-127"/>
+                <a:ea typeface="NanumGothic" panose="020D0604000000000000" pitchFamily="34" charset="-127"/>
               </a:rPr>
               <a:t>전처리한</a:t>
             </a:r>
             <a:r>
               <a:rPr lang="ko-KR" altLang="en-US" sz="1100" dirty="0">
-                <a:latin typeface="Nanum Gothic" panose="020D0604000000000000" pitchFamily="34" charset="-127"/>
-                <a:ea typeface="Nanum Gothic" panose="020D0604000000000000" pitchFamily="34" charset="-127"/>
+                <a:latin typeface="NanumGothic" panose="020D0604000000000000" pitchFamily="34" charset="-127"/>
+                <a:ea typeface="NanumGothic" panose="020D0604000000000000" pitchFamily="34" charset="-127"/>
               </a:rPr>
               <a:t> 작품 조회 로그</a:t>
             </a:r>
             <a:endParaRPr lang="en-KR" sz="1100" dirty="0">
-              <a:latin typeface="Nanum Gothic" panose="020D0604000000000000" pitchFamily="34" charset="-127"/>
-              <a:ea typeface="Nanum Gothic" panose="020D0604000000000000" pitchFamily="34" charset="-127"/>
+              <a:latin typeface="NanumGothic" panose="020D0604000000000000" pitchFamily="34" charset="-127"/>
+              <a:ea typeface="NanumGothic" panose="020D0604000000000000" pitchFamily="34" charset="-127"/>
             </a:endParaRPr>
           </a:p>
         </p:txBody>
@@ -4646,36 +4760,36 @@
             <a:pPr algn="ctr"/>
             <a:r>
               <a:rPr lang="en-US" sz="1100" dirty="0">
-                <a:latin typeface="Nanum Gothic" panose="020D0604000000000000" pitchFamily="34" charset="-127"/>
-                <a:ea typeface="Nanum Gothic" panose="020D0604000000000000" pitchFamily="34" charset="-127"/>
+                <a:latin typeface="NanumGothic" panose="020D0604000000000000" pitchFamily="34" charset="-127"/>
+                <a:ea typeface="NanumGothic" panose="020D0604000000000000" pitchFamily="34" charset="-127"/>
               </a:rPr>
               <a:t>S3</a:t>
             </a:r>
             <a:r>
               <a:rPr lang="ko-KR" altLang="en-US" sz="1100" dirty="0">
-                <a:latin typeface="Nanum Gothic" panose="020D0604000000000000" pitchFamily="34" charset="-127"/>
-                <a:ea typeface="Nanum Gothic" panose="020D0604000000000000" pitchFamily="34" charset="-127"/>
+                <a:latin typeface="NanumGothic" panose="020D0604000000000000" pitchFamily="34" charset="-127"/>
+                <a:ea typeface="NanumGothic" panose="020D0604000000000000" pitchFamily="34" charset="-127"/>
               </a:rPr>
               <a:t>에 저장된 새로운</a:t>
             </a:r>
             <a:endParaRPr lang="en-US" altLang="ko-KR" sz="1100" dirty="0">
-              <a:latin typeface="Nanum Gothic" panose="020D0604000000000000" pitchFamily="34" charset="-127"/>
-              <a:ea typeface="Nanum Gothic" panose="020D0604000000000000" pitchFamily="34" charset="-127"/>
+              <a:latin typeface="NanumGothic" panose="020D0604000000000000" pitchFamily="34" charset="-127"/>
+              <a:ea typeface="NanumGothic" panose="020D0604000000000000" pitchFamily="34" charset="-127"/>
             </a:endParaRPr>
           </a:p>
           <a:p>
             <a:pPr algn="ctr"/>
             <a:r>
               <a:rPr lang="ko-KR" altLang="en-US" sz="1100" dirty="0">
-                <a:latin typeface="Nanum Gothic" panose="020D0604000000000000" pitchFamily="34" charset="-127"/>
-                <a:ea typeface="Nanum Gothic" panose="020D0604000000000000" pitchFamily="34" charset="-127"/>
+                <a:latin typeface="NanumGothic" panose="020D0604000000000000" pitchFamily="34" charset="-127"/>
+                <a:ea typeface="NanumGothic" panose="020D0604000000000000" pitchFamily="34" charset="-127"/>
               </a:rPr>
               <a:t>데이터를 바탕으로 학습</a:t>
             </a:r>
             <a:r>
               <a:rPr lang="en-US" altLang="ko-KR" sz="1100" dirty="0">
-                <a:latin typeface="Nanum Gothic" panose="020D0604000000000000" pitchFamily="34" charset="-127"/>
-                <a:ea typeface="Nanum Gothic" panose="020D0604000000000000" pitchFamily="34" charset="-127"/>
+                <a:latin typeface="NanumGothic" panose="020D0604000000000000" pitchFamily="34" charset="-127"/>
+                <a:ea typeface="NanumGothic" panose="020D0604000000000000" pitchFamily="34" charset="-127"/>
               </a:rPr>
               <a:t>,</a:t>
             </a:r>
@@ -4684,42 +4798,42 @@
             <a:pPr algn="ctr"/>
             <a:r>
               <a:rPr lang="en-US" altLang="ko-KR" sz="1100" dirty="0" err="1">
-                <a:latin typeface="Nanum Gothic" panose="020D0604000000000000" pitchFamily="34" charset="-127"/>
-                <a:ea typeface="Nanum Gothic" panose="020D0604000000000000" pitchFamily="34" charset="-127"/>
+                <a:latin typeface="NanumGothic" panose="020D0604000000000000" pitchFamily="34" charset="-127"/>
+                <a:ea typeface="NanumGothic" panose="020D0604000000000000" pitchFamily="34" charset="-127"/>
               </a:rPr>
               <a:t>BatchInferenceJob</a:t>
             </a:r>
             <a:r>
               <a:rPr lang="ko-KR" altLang="en-US" sz="1100" dirty="0" err="1">
-                <a:latin typeface="Nanum Gothic" panose="020D0604000000000000" pitchFamily="34" charset="-127"/>
-                <a:ea typeface="Nanum Gothic" panose="020D0604000000000000" pitchFamily="34" charset="-127"/>
+                <a:latin typeface="NanumGothic" panose="020D0604000000000000" pitchFamily="34" charset="-127"/>
+                <a:ea typeface="NanumGothic" panose="020D0604000000000000" pitchFamily="34" charset="-127"/>
               </a:rPr>
               <a:t>으로</a:t>
             </a:r>
             <a:endParaRPr lang="en-US" altLang="ko-KR" sz="1100" dirty="0">
-              <a:latin typeface="Nanum Gothic" panose="020D0604000000000000" pitchFamily="34" charset="-127"/>
-              <a:ea typeface="Nanum Gothic" panose="020D0604000000000000" pitchFamily="34" charset="-127"/>
+              <a:latin typeface="NanumGothic" panose="020D0604000000000000" pitchFamily="34" charset="-127"/>
+              <a:ea typeface="NanumGothic" panose="020D0604000000000000" pitchFamily="34" charset="-127"/>
             </a:endParaRPr>
           </a:p>
           <a:p>
             <a:pPr algn="ctr"/>
             <a:r>
               <a:rPr lang="en-US" altLang="ko-KR" sz="1100" dirty="0">
-                <a:latin typeface="Nanum Gothic" panose="020D0604000000000000" pitchFamily="34" charset="-127"/>
-                <a:ea typeface="Nanum Gothic" panose="020D0604000000000000" pitchFamily="34" charset="-127"/>
+                <a:latin typeface="NanumGothic" panose="020D0604000000000000" pitchFamily="34" charset="-127"/>
+                <a:ea typeface="NanumGothic" panose="020D0604000000000000" pitchFamily="34" charset="-127"/>
               </a:rPr>
               <a:t>S3</a:t>
             </a:r>
             <a:r>
               <a:rPr lang="ko-KR" altLang="en-US" sz="1100" dirty="0">
-                <a:latin typeface="Nanum Gothic" panose="020D0604000000000000" pitchFamily="34" charset="-127"/>
-                <a:ea typeface="Nanum Gothic" panose="020D0604000000000000" pitchFamily="34" charset="-127"/>
+                <a:latin typeface="NanumGothic" panose="020D0604000000000000" pitchFamily="34" charset="-127"/>
+                <a:ea typeface="NanumGothic" panose="020D0604000000000000" pitchFamily="34" charset="-127"/>
               </a:rPr>
               <a:t>에 추천 데이터 저장</a:t>
             </a:r>
             <a:endParaRPr lang="en-US" altLang="ko-KR" sz="1100" dirty="0">
-              <a:latin typeface="Nanum Gothic" panose="020D0604000000000000" pitchFamily="34" charset="-127"/>
-              <a:ea typeface="Nanum Gothic" panose="020D0604000000000000" pitchFamily="34" charset="-127"/>
+              <a:latin typeface="NanumGothic" panose="020D0604000000000000" pitchFamily="34" charset="-127"/>
+              <a:ea typeface="NanumGothic" panose="020D0604000000000000" pitchFamily="34" charset="-127"/>
             </a:endParaRPr>
           </a:p>
         </p:txBody>
@@ -4755,21 +4869,21 @@
             <a:pPr algn="ctr"/>
             <a:r>
               <a:rPr lang="ko-KR" altLang="en-US" sz="1100" dirty="0" err="1">
-                <a:latin typeface="Nanum Gothic" panose="020D0604000000000000" pitchFamily="34" charset="-127"/>
-                <a:ea typeface="Nanum Gothic" panose="020D0604000000000000" pitchFamily="34" charset="-127"/>
+                <a:latin typeface="NanumGothic" panose="020D0604000000000000" pitchFamily="34" charset="-127"/>
+                <a:ea typeface="NanumGothic" panose="020D0604000000000000" pitchFamily="34" charset="-127"/>
               </a:rPr>
               <a:t>전처리한</a:t>
             </a:r>
             <a:r>
               <a:rPr lang="ko-KR" altLang="en-US" sz="1100" dirty="0">
-                <a:latin typeface="Nanum Gothic" panose="020D0604000000000000" pitchFamily="34" charset="-127"/>
-                <a:ea typeface="Nanum Gothic" panose="020D0604000000000000" pitchFamily="34" charset="-127"/>
+                <a:latin typeface="NanumGothic" panose="020D0604000000000000" pitchFamily="34" charset="-127"/>
+                <a:ea typeface="NanumGothic" panose="020D0604000000000000" pitchFamily="34" charset="-127"/>
               </a:rPr>
               <a:t> 작품 조회 로그</a:t>
             </a:r>
             <a:endParaRPr lang="en-KR" sz="1100" dirty="0">
-              <a:latin typeface="Nanum Gothic" panose="020D0604000000000000" pitchFamily="34" charset="-127"/>
-              <a:ea typeface="Nanum Gothic" panose="020D0604000000000000" pitchFamily="34" charset="-127"/>
+              <a:latin typeface="NanumGothic" panose="020D0604000000000000" pitchFamily="34" charset="-127"/>
+              <a:ea typeface="NanumGothic" panose="020D0604000000000000" pitchFamily="34" charset="-127"/>
             </a:endParaRPr>
           </a:p>
         </p:txBody>
@@ -4788,8 +4902,8 @@
         </p:nvSpPr>
         <p:spPr>
           <a:xfrm>
-            <a:off x="2652848" y="6547735"/>
-            <a:ext cx="3456395" cy="600164"/>
+            <a:off x="2834883" y="6781656"/>
+            <a:ext cx="1901482" cy="600164"/>
           </a:xfrm>
           <a:prstGeom prst="rect">
             <a:avLst/>
@@ -4804,85 +4918,43 @@
           <a:p>
             <a:pPr algn="ctr"/>
             <a:r>
-              <a:rPr lang="en-US" sz="1100" dirty="0">
-                <a:latin typeface="Nanum Gothic" panose="020D0604000000000000" pitchFamily="34" charset="-127"/>
-                <a:ea typeface="Nanum Gothic" panose="020D0604000000000000" pitchFamily="34" charset="-127"/>
-              </a:rPr>
-              <a:t>Amazon Personalize</a:t>
-            </a:r>
-            <a:r>
               <a:rPr lang="ko-KR" altLang="en-US" sz="1100" dirty="0">
-                <a:latin typeface="Nanum Gothic" panose="020D0604000000000000" pitchFamily="34" charset="-127"/>
-                <a:ea typeface="Nanum Gothic" panose="020D0604000000000000" pitchFamily="34" charset="-127"/>
-              </a:rPr>
-              <a:t>에서 학습이 끝나면</a:t>
+                <a:latin typeface="NanumGothic" panose="020D0604000000000000" pitchFamily="34" charset="-127"/>
+                <a:ea typeface="NanumGothic" panose="020D0604000000000000" pitchFamily="34" charset="-127"/>
+              </a:rPr>
+              <a:t>작품 추천 데이터가 생성되면</a:t>
             </a:r>
             <a:endParaRPr lang="en-US" altLang="ko-KR" sz="1100" dirty="0">
-              <a:latin typeface="Nanum Gothic" panose="020D0604000000000000" pitchFamily="34" charset="-127"/>
-              <a:ea typeface="Nanum Gothic" panose="020D0604000000000000" pitchFamily="34" charset="-127"/>
+              <a:latin typeface="NanumGothic" panose="020D0604000000000000" pitchFamily="34" charset="-127"/>
+              <a:ea typeface="NanumGothic" panose="020D0604000000000000" pitchFamily="34" charset="-127"/>
             </a:endParaRPr>
           </a:p>
           <a:p>
             <a:pPr algn="ctr"/>
             <a:r>
+              <a:rPr lang="en-US" altLang="ko-KR" sz="1100" dirty="0">
+                <a:latin typeface="NanumGothic" panose="020D0604000000000000" pitchFamily="34" charset="-127"/>
+                <a:ea typeface="NanumGothic" panose="020D0604000000000000" pitchFamily="34" charset="-127"/>
+              </a:rPr>
+              <a:t>DynamoDB</a:t>
+            </a:r>
+            <a:r>
               <a:rPr lang="ko-KR" altLang="en-US" sz="1100" dirty="0">
-                <a:latin typeface="Nanum Gothic" panose="020D0604000000000000" pitchFamily="34" charset="-127"/>
-                <a:ea typeface="Nanum Gothic" panose="020D0604000000000000" pitchFamily="34" charset="-127"/>
-              </a:rPr>
-              <a:t>모든 작품</a:t>
-            </a:r>
-            <a:r>
-              <a:rPr lang="en-US" altLang="ko-KR" sz="1100" dirty="0">
-                <a:latin typeface="Nanum Gothic" panose="020D0604000000000000" pitchFamily="34" charset="-127"/>
-                <a:ea typeface="Nanum Gothic" panose="020D0604000000000000" pitchFamily="34" charset="-127"/>
-              </a:rPr>
-              <a:t> id</a:t>
-            </a:r>
-            <a:r>
-              <a:rPr lang="ko-KR" altLang="en-US" sz="1100" dirty="0">
-                <a:latin typeface="Nanum Gothic" panose="020D0604000000000000" pitchFamily="34" charset="-127"/>
-                <a:ea typeface="Nanum Gothic" panose="020D0604000000000000" pitchFamily="34" charset="-127"/>
-              </a:rPr>
-              <a:t>에 대해서 추천하는 작품 데이터를</a:t>
+                <a:latin typeface="NanumGothic" panose="020D0604000000000000" pitchFamily="34" charset="-127"/>
+                <a:ea typeface="NanumGothic" panose="020D0604000000000000" pitchFamily="34" charset="-127"/>
+              </a:rPr>
+              <a:t>에 저장</a:t>
             </a:r>
             <a:endParaRPr lang="en-US" altLang="ko-KR" sz="1100" dirty="0">
-              <a:latin typeface="Nanum Gothic" panose="020D0604000000000000" pitchFamily="34" charset="-127"/>
-              <a:ea typeface="Nanum Gothic" panose="020D0604000000000000" pitchFamily="34" charset="-127"/>
+              <a:latin typeface="NanumGothic" panose="020D0604000000000000" pitchFamily="34" charset="-127"/>
+              <a:ea typeface="NanumGothic" panose="020D0604000000000000" pitchFamily="34" charset="-127"/>
             </a:endParaRPr>
           </a:p>
           <a:p>
             <a:pPr algn="ctr"/>
-            <a:r>
-              <a:rPr lang="en-US" sz="1100" dirty="0">
-                <a:latin typeface="Nanum Gothic" panose="020D0604000000000000" pitchFamily="34" charset="-127"/>
-                <a:ea typeface="Nanum Gothic" panose="020D0604000000000000" pitchFamily="34" charset="-127"/>
-              </a:rPr>
-              <a:t>Amazon Personalize</a:t>
-            </a:r>
-            <a:r>
-              <a:rPr lang="ko-KR" altLang="en-US" sz="1100" dirty="0">
-                <a:latin typeface="Nanum Gothic" panose="020D0604000000000000" pitchFamily="34" charset="-127"/>
-                <a:ea typeface="Nanum Gothic" panose="020D0604000000000000" pitchFamily="34" charset="-127"/>
-              </a:rPr>
-              <a:t>에서 읽어와  </a:t>
-            </a:r>
-            <a:r>
-              <a:rPr lang="en-US" altLang="ko-KR" sz="1100" dirty="0">
-                <a:latin typeface="Nanum Gothic" panose="020D0604000000000000" pitchFamily="34" charset="-127"/>
-                <a:ea typeface="Nanum Gothic" panose="020D0604000000000000" pitchFamily="34" charset="-127"/>
-              </a:rPr>
-              <a:t>DynamoDB</a:t>
-            </a:r>
-            <a:r>
-              <a:rPr lang="ko-KR" altLang="en-US" sz="1100" dirty="0">
-                <a:latin typeface="Nanum Gothic" panose="020D0604000000000000" pitchFamily="34" charset="-127"/>
-                <a:ea typeface="Nanum Gothic" panose="020D0604000000000000" pitchFamily="34" charset="-127"/>
-              </a:rPr>
-              <a:t>에 저장</a:t>
-            </a:r>
             <a:endParaRPr lang="en-KR" sz="1100" dirty="0">
-              <a:latin typeface="Nanum Gothic" panose="020D0604000000000000" pitchFamily="34" charset="-127"/>
-              <a:ea typeface="Nanum Gothic" panose="020D0604000000000000" pitchFamily="34" charset="-127"/>
+              <a:latin typeface="NanumGothic" panose="020D0604000000000000" pitchFamily="34" charset="-127"/>
+              <a:ea typeface="NanumGothic" panose="020D0604000000000000" pitchFamily="34" charset="-127"/>
             </a:endParaRPr>
           </a:p>
         </p:txBody>
@@ -4901,7 +4973,7 @@
         </p:nvSpPr>
         <p:spPr>
           <a:xfrm>
-            <a:off x="4506877" y="7520131"/>
+            <a:off x="4315487" y="7520131"/>
             <a:ext cx="1236236" cy="261610"/>
           </a:xfrm>
           <a:prstGeom prst="rect">
@@ -4918,14 +4990,14 @@
             <a:pPr algn="ctr"/>
             <a:r>
               <a:rPr lang="ko-KR" altLang="en-US" sz="1100" dirty="0">
-                <a:latin typeface="Nanum Gothic" panose="020D0604000000000000" pitchFamily="34" charset="-127"/>
-                <a:ea typeface="Nanum Gothic" panose="020D0604000000000000" pitchFamily="34" charset="-127"/>
+                <a:latin typeface="NanumGothic" panose="020D0604000000000000" pitchFamily="34" charset="-127"/>
+                <a:ea typeface="NanumGothic" panose="020D0604000000000000" pitchFamily="34" charset="-127"/>
               </a:rPr>
               <a:t>작품 추천 데이터</a:t>
             </a:r>
             <a:endParaRPr lang="en-KR" sz="1100" dirty="0">
-              <a:latin typeface="Nanum Gothic" panose="020D0604000000000000" pitchFamily="34" charset="-127"/>
-              <a:ea typeface="Nanum Gothic" panose="020D0604000000000000" pitchFamily="34" charset="-127"/>
+              <a:latin typeface="NanumGothic" panose="020D0604000000000000" pitchFamily="34" charset="-127"/>
+              <a:ea typeface="NanumGothic" panose="020D0604000000000000" pitchFamily="34" charset="-127"/>
             </a:endParaRPr>
           </a:p>
         </p:txBody>
@@ -4961,14 +5033,14 @@
             <a:pPr algn="ctr"/>
             <a:r>
               <a:rPr lang="ko-KR" altLang="en-US" sz="1100" dirty="0">
-                <a:latin typeface="Nanum Gothic" panose="020D0604000000000000" pitchFamily="34" charset="-127"/>
-                <a:ea typeface="Nanum Gothic" panose="020D0604000000000000" pitchFamily="34" charset="-127"/>
+                <a:latin typeface="NanumGothic" panose="020D0604000000000000" pitchFamily="34" charset="-127"/>
+                <a:ea typeface="NanumGothic" panose="020D0604000000000000" pitchFamily="34" charset="-127"/>
               </a:rPr>
               <a:t>작품 추천 데이터</a:t>
             </a:r>
             <a:endParaRPr lang="en-KR" sz="1100" dirty="0">
-              <a:latin typeface="Nanum Gothic" panose="020D0604000000000000" pitchFamily="34" charset="-127"/>
-              <a:ea typeface="Nanum Gothic" panose="020D0604000000000000" pitchFamily="34" charset="-127"/>
+              <a:latin typeface="NanumGothic" panose="020D0604000000000000" pitchFamily="34" charset="-127"/>
+              <a:ea typeface="NanumGothic" panose="020D0604000000000000" pitchFamily="34" charset="-127"/>
             </a:endParaRPr>
           </a:p>
         </p:txBody>
@@ -5004,14 +5076,14 @@
             <a:pPr algn="ctr"/>
             <a:r>
               <a:rPr lang="ko-KR" altLang="en-US" sz="1100" dirty="0">
-                <a:latin typeface="Nanum Gothic" panose="020D0604000000000000" pitchFamily="34" charset="-127"/>
-                <a:ea typeface="Nanum Gothic" panose="020D0604000000000000" pitchFamily="34" charset="-127"/>
+                <a:latin typeface="NanumGothic" panose="020D0604000000000000" pitchFamily="34" charset="-127"/>
+                <a:ea typeface="NanumGothic" panose="020D0604000000000000" pitchFamily="34" charset="-127"/>
               </a:rPr>
               <a:t>작품 추천 데이터</a:t>
             </a:r>
             <a:endParaRPr lang="en-KR" sz="1100" dirty="0">
-              <a:latin typeface="Nanum Gothic" panose="020D0604000000000000" pitchFamily="34" charset="-127"/>
-              <a:ea typeface="Nanum Gothic" panose="020D0604000000000000" pitchFamily="34" charset="-127"/>
+              <a:latin typeface="NanumGothic" panose="020D0604000000000000" pitchFamily="34" charset="-127"/>
+              <a:ea typeface="NanumGothic" panose="020D0604000000000000" pitchFamily="34" charset="-127"/>
             </a:endParaRPr>
           </a:p>
         </p:txBody>
@@ -5047,8 +5119,8 @@
             <a:pPr algn="ctr"/>
             <a:r>
               <a:rPr lang="en-KR" sz="1100" dirty="0">
-                <a:latin typeface="Nanum Gothic" panose="020D0604000000000000" pitchFamily="34" charset="-127"/>
-                <a:ea typeface="Nanum Gothic" panose="020D0604000000000000" pitchFamily="34" charset="-127"/>
+                <a:latin typeface="NanumGothic" panose="020D0604000000000000" pitchFamily="34" charset="-127"/>
+                <a:ea typeface="NanumGothic" panose="020D0604000000000000" pitchFamily="34" charset="-127"/>
               </a:rPr>
               <a:t>사용자가 조회한 작품에 따라</a:t>
             </a:r>
@@ -5057,8 +5129,8 @@
             <a:pPr algn="ctr"/>
             <a:r>
               <a:rPr lang="en-KR" sz="1100" dirty="0">
-                <a:latin typeface="Nanum Gothic" panose="020D0604000000000000" pitchFamily="34" charset="-127"/>
-                <a:ea typeface="Nanum Gothic" panose="020D0604000000000000" pitchFamily="34" charset="-127"/>
+                <a:latin typeface="NanumGothic" panose="020D0604000000000000" pitchFamily="34" charset="-127"/>
+                <a:ea typeface="NanumGothic" panose="020D0604000000000000" pitchFamily="34" charset="-127"/>
               </a:rPr>
               <a:t>추천 데이터 제공</a:t>
             </a:r>
@@ -5096,28 +5168,28 @@
             <a:pPr algn="ctr"/>
             <a:r>
               <a:rPr lang="en-US" sz="1000" dirty="0" err="1">
-                <a:latin typeface="Nanum Gothic" panose="020D0604000000000000" pitchFamily="34" charset="-127"/>
-                <a:ea typeface="Nanum Gothic" panose="020D0604000000000000" pitchFamily="34" charset="-127"/>
+                <a:latin typeface="NanumGothic" panose="020D0604000000000000" pitchFamily="34" charset="-127"/>
+                <a:ea typeface="NanumGothic" panose="020D0604000000000000" pitchFamily="34" charset="-127"/>
               </a:rPr>
               <a:t>데이터</a:t>
             </a:r>
             <a:r>
               <a:rPr lang="en-US" sz="1000" dirty="0">
-                <a:latin typeface="Nanum Gothic" panose="020D0604000000000000" pitchFamily="34" charset="-127"/>
-                <a:ea typeface="Nanum Gothic" panose="020D0604000000000000" pitchFamily="34" charset="-127"/>
+                <a:latin typeface="NanumGothic" panose="020D0604000000000000" pitchFamily="34" charset="-127"/>
+                <a:ea typeface="NanumGothic" panose="020D0604000000000000" pitchFamily="34" charset="-127"/>
               </a:rPr>
               <a:t> </a:t>
             </a:r>
             <a:r>
               <a:rPr lang="en-US" sz="1000" dirty="0" err="1">
-                <a:latin typeface="Nanum Gothic" panose="020D0604000000000000" pitchFamily="34" charset="-127"/>
-                <a:ea typeface="Nanum Gothic" panose="020D0604000000000000" pitchFamily="34" charset="-127"/>
+                <a:latin typeface="NanumGothic" panose="020D0604000000000000" pitchFamily="34" charset="-127"/>
+                <a:ea typeface="NanumGothic" panose="020D0604000000000000" pitchFamily="34" charset="-127"/>
               </a:rPr>
               <a:t>종류</a:t>
             </a:r>
             <a:endParaRPr lang="en-KR" sz="1000" dirty="0">
-              <a:latin typeface="Nanum Gothic" panose="020D0604000000000000" pitchFamily="34" charset="-127"/>
-              <a:ea typeface="Nanum Gothic" panose="020D0604000000000000" pitchFamily="34" charset="-127"/>
+              <a:latin typeface="NanumGothic" panose="020D0604000000000000" pitchFamily="34" charset="-127"/>
+              <a:ea typeface="NanumGothic" panose="020D0604000000000000" pitchFamily="34" charset="-127"/>
             </a:endParaRPr>
           </a:p>
         </p:txBody>
@@ -5136,8 +5208,8 @@
         </p:nvSpPr>
         <p:spPr>
           <a:xfrm>
-            <a:off x="10103407" y="5770226"/>
-            <a:ext cx="1481474" cy="523220"/>
+            <a:off x="10103407" y="5759593"/>
+            <a:ext cx="1481474" cy="230832"/>
           </a:xfrm>
           <a:prstGeom prst="rect">
             <a:avLst/>
@@ -5152,9 +5224,9 @@
           <a:p>
             <a:pPr algn="ctr"/>
             <a:r>
-              <a:rPr lang="en-US" sz="1400" dirty="0">
-                <a:latin typeface="Nanum Gothic" panose="020D0604000000000000" pitchFamily="34" charset="-127"/>
-                <a:ea typeface="Nanum Gothic" panose="020D0604000000000000" pitchFamily="34" charset="-127"/>
+              <a:rPr lang="en-US" sz="900" dirty="0">
+                <a:latin typeface="NanumGothic" panose="020D0604000000000000" pitchFamily="34" charset="-127"/>
+                <a:ea typeface="NanumGothic" panose="020D0604000000000000" pitchFamily="34" charset="-127"/>
               </a:rPr>
               <a:t>Amazon Pinpoint</a:t>
             </a:r>
@@ -5275,21 +5347,21 @@
             <a:pPr algn="ctr"/>
             <a:r>
               <a:rPr lang="ko-KR" altLang="en-US" sz="1100" dirty="0" err="1">
-                <a:latin typeface="Nanum Gothic" panose="020D0604000000000000" pitchFamily="34" charset="-127"/>
-                <a:ea typeface="Nanum Gothic" panose="020D0604000000000000" pitchFamily="34" charset="-127"/>
+                <a:latin typeface="NanumGothic" panose="020D0604000000000000" pitchFamily="34" charset="-127"/>
+                <a:ea typeface="NanumGothic" panose="020D0604000000000000" pitchFamily="34" charset="-127"/>
               </a:rPr>
               <a:t>전처리한</a:t>
             </a:r>
             <a:r>
               <a:rPr lang="ko-KR" altLang="en-US" sz="1100" dirty="0">
-                <a:latin typeface="Nanum Gothic" panose="020D0604000000000000" pitchFamily="34" charset="-127"/>
-                <a:ea typeface="Nanum Gothic" panose="020D0604000000000000" pitchFamily="34" charset="-127"/>
+                <a:latin typeface="NanumGothic" panose="020D0604000000000000" pitchFamily="34" charset="-127"/>
+                <a:ea typeface="NanumGothic" panose="020D0604000000000000" pitchFamily="34" charset="-127"/>
               </a:rPr>
               <a:t> 작품 조회 로그</a:t>
             </a:r>
             <a:endParaRPr lang="en-KR" sz="1100" dirty="0">
-              <a:latin typeface="Nanum Gothic" panose="020D0604000000000000" pitchFamily="34" charset="-127"/>
-              <a:ea typeface="Nanum Gothic" panose="020D0604000000000000" pitchFamily="34" charset="-127"/>
+              <a:latin typeface="NanumGothic" panose="020D0604000000000000" pitchFamily="34" charset="-127"/>
+              <a:ea typeface="NanumGothic" panose="020D0604000000000000" pitchFamily="34" charset="-127"/>
             </a:endParaRPr>
           </a:p>
         </p:txBody>
@@ -5312,12 +5384,12 @@
         </p:nvCxnSpPr>
         <p:spPr>
           <a:xfrm rot="5400000">
-            <a:off x="6504511" y="3986329"/>
-            <a:ext cx="2032517" cy="6646750"/>
+            <a:off x="6281227" y="3470658"/>
+            <a:ext cx="2043150" cy="7082685"/>
           </a:xfrm>
           <a:prstGeom prst="bentConnector3">
             <a:avLst>
-              <a:gd name="adj1" fmla="val 111247"/>
+              <a:gd name="adj1" fmla="val 111189"/>
             </a:avLst>
           </a:prstGeom>
           <a:ln w="12700">
@@ -5374,14 +5446,14 @@
             <a:pPr algn="ctr"/>
             <a:r>
               <a:rPr lang="ko-KR" altLang="en-US" sz="1100" dirty="0">
-                <a:latin typeface="Nanum Gothic" panose="020D0604000000000000" pitchFamily="34" charset="-127"/>
-                <a:ea typeface="Nanum Gothic" panose="020D0604000000000000" pitchFamily="34" charset="-127"/>
+                <a:latin typeface="NanumGothic" panose="020D0604000000000000" pitchFamily="34" charset="-127"/>
+                <a:ea typeface="NanumGothic" panose="020D0604000000000000" pitchFamily="34" charset="-127"/>
               </a:rPr>
               <a:t>작품 추천 데이터</a:t>
             </a:r>
             <a:endParaRPr lang="en-KR" sz="1100" dirty="0">
-              <a:latin typeface="Nanum Gothic" panose="020D0604000000000000" pitchFamily="34" charset="-127"/>
-              <a:ea typeface="Nanum Gothic" panose="020D0604000000000000" pitchFamily="34" charset="-127"/>
+              <a:latin typeface="NanumGothic" panose="020D0604000000000000" pitchFamily="34" charset="-127"/>
+              <a:ea typeface="NanumGothic" panose="020D0604000000000000" pitchFamily="34" charset="-127"/>
             </a:endParaRPr>
           </a:p>
         </p:txBody>
@@ -5466,42 +5538,42 @@
             <a:pPr algn="ctr"/>
             <a:r>
               <a:rPr lang="en-US" sz="1100" dirty="0" err="1">
-                <a:latin typeface="Nanum Gothic" panose="020D0604000000000000" pitchFamily="34" charset="-127"/>
-                <a:ea typeface="Nanum Gothic" panose="020D0604000000000000" pitchFamily="34" charset="-127"/>
+                <a:latin typeface="NanumGothic" panose="020D0604000000000000" pitchFamily="34" charset="-127"/>
+                <a:ea typeface="NanumGothic" panose="020D0604000000000000" pitchFamily="34" charset="-127"/>
               </a:rPr>
               <a:t>작품</a:t>
             </a:r>
             <a:r>
               <a:rPr lang="en-US" sz="1100" dirty="0">
-                <a:latin typeface="Nanum Gothic" panose="020D0604000000000000" pitchFamily="34" charset="-127"/>
-                <a:ea typeface="Nanum Gothic" panose="020D0604000000000000" pitchFamily="34" charset="-127"/>
+                <a:latin typeface="NanumGothic" panose="020D0604000000000000" pitchFamily="34" charset="-127"/>
+                <a:ea typeface="NanumGothic" panose="020D0604000000000000" pitchFamily="34" charset="-127"/>
               </a:rPr>
               <a:t> </a:t>
             </a:r>
             <a:r>
               <a:rPr lang="en-US" sz="1100" dirty="0" err="1">
-                <a:latin typeface="Nanum Gothic" panose="020D0604000000000000" pitchFamily="34" charset="-127"/>
-                <a:ea typeface="Nanum Gothic" panose="020D0604000000000000" pitchFamily="34" charset="-127"/>
+                <a:latin typeface="NanumGothic" panose="020D0604000000000000" pitchFamily="34" charset="-127"/>
+                <a:ea typeface="NanumGothic" panose="020D0604000000000000" pitchFamily="34" charset="-127"/>
               </a:rPr>
               <a:t>추천</a:t>
             </a:r>
             <a:r>
               <a:rPr lang="en-US" sz="1100" dirty="0">
-                <a:latin typeface="Nanum Gothic" panose="020D0604000000000000" pitchFamily="34" charset="-127"/>
-                <a:ea typeface="Nanum Gothic" panose="020D0604000000000000" pitchFamily="34" charset="-127"/>
+                <a:latin typeface="NanumGothic" panose="020D0604000000000000" pitchFamily="34" charset="-127"/>
+                <a:ea typeface="NanumGothic" panose="020D0604000000000000" pitchFamily="34" charset="-127"/>
               </a:rPr>
               <a:t> </a:t>
             </a:r>
             <a:r>
               <a:rPr lang="en-US" sz="1100" dirty="0" err="1">
-                <a:latin typeface="Nanum Gothic" panose="020D0604000000000000" pitchFamily="34" charset="-127"/>
-                <a:ea typeface="Nanum Gothic" panose="020D0604000000000000" pitchFamily="34" charset="-127"/>
+                <a:latin typeface="NanumGothic" panose="020D0604000000000000" pitchFamily="34" charset="-127"/>
+                <a:ea typeface="NanumGothic" panose="020D0604000000000000" pitchFamily="34" charset="-127"/>
               </a:rPr>
               <a:t>이메일</a:t>
             </a:r>
             <a:endParaRPr lang="en-KR" sz="1100" dirty="0">
-              <a:latin typeface="Nanum Gothic" panose="020D0604000000000000" pitchFamily="34" charset="-127"/>
-              <a:ea typeface="Nanum Gothic" panose="020D0604000000000000" pitchFamily="34" charset="-127"/>
+              <a:latin typeface="NanumGothic" panose="020D0604000000000000" pitchFamily="34" charset="-127"/>
+              <a:ea typeface="NanumGothic" panose="020D0604000000000000" pitchFamily="34" charset="-127"/>
             </a:endParaRPr>
           </a:p>
         </p:txBody>
@@ -5537,112 +5609,112 @@
             <a:pPr algn="ctr"/>
             <a:r>
               <a:rPr lang="en-US" sz="1100" dirty="0" err="1">
-                <a:latin typeface="Nanum Gothic" panose="020D0604000000000000" pitchFamily="34" charset="-127"/>
-                <a:ea typeface="Nanum Gothic" panose="020D0604000000000000" pitchFamily="34" charset="-127"/>
+                <a:latin typeface="NanumGothic" panose="020D0604000000000000" pitchFamily="34" charset="-127"/>
+                <a:ea typeface="NanumGothic" panose="020D0604000000000000" pitchFamily="34" charset="-127"/>
               </a:rPr>
               <a:t>작품</a:t>
             </a:r>
             <a:r>
               <a:rPr lang="en-US" sz="1100" dirty="0">
-                <a:latin typeface="Nanum Gothic" panose="020D0604000000000000" pitchFamily="34" charset="-127"/>
-                <a:ea typeface="Nanum Gothic" panose="020D0604000000000000" pitchFamily="34" charset="-127"/>
+                <a:latin typeface="NanumGothic" panose="020D0604000000000000" pitchFamily="34" charset="-127"/>
+                <a:ea typeface="NanumGothic" panose="020D0604000000000000" pitchFamily="34" charset="-127"/>
               </a:rPr>
               <a:t> </a:t>
             </a:r>
             <a:r>
               <a:rPr lang="en-US" sz="1100" dirty="0" err="1">
-                <a:latin typeface="Nanum Gothic" panose="020D0604000000000000" pitchFamily="34" charset="-127"/>
-                <a:ea typeface="Nanum Gothic" panose="020D0604000000000000" pitchFamily="34" charset="-127"/>
+                <a:latin typeface="NanumGothic" panose="020D0604000000000000" pitchFamily="34" charset="-127"/>
+                <a:ea typeface="NanumGothic" panose="020D0604000000000000" pitchFamily="34" charset="-127"/>
               </a:rPr>
               <a:t>조회</a:t>
             </a:r>
             <a:r>
               <a:rPr lang="en-US" sz="1100" dirty="0">
-                <a:latin typeface="Nanum Gothic" panose="020D0604000000000000" pitchFamily="34" charset="-127"/>
-                <a:ea typeface="Nanum Gothic" panose="020D0604000000000000" pitchFamily="34" charset="-127"/>
+                <a:latin typeface="NanumGothic" panose="020D0604000000000000" pitchFamily="34" charset="-127"/>
+                <a:ea typeface="NanumGothic" panose="020D0604000000000000" pitchFamily="34" charset="-127"/>
               </a:rPr>
               <a:t> </a:t>
             </a:r>
             <a:r>
               <a:rPr lang="en-US" sz="1100" dirty="0" err="1">
-                <a:latin typeface="Nanum Gothic" panose="020D0604000000000000" pitchFamily="34" charset="-127"/>
-                <a:ea typeface="Nanum Gothic" panose="020D0604000000000000" pitchFamily="34" charset="-127"/>
+                <a:latin typeface="NanumGothic" panose="020D0604000000000000" pitchFamily="34" charset="-127"/>
+                <a:ea typeface="NanumGothic" panose="020D0604000000000000" pitchFamily="34" charset="-127"/>
               </a:rPr>
               <a:t>로그에</a:t>
             </a:r>
             <a:r>
               <a:rPr lang="en-US" sz="1100" dirty="0">
-                <a:latin typeface="Nanum Gothic" panose="020D0604000000000000" pitchFamily="34" charset="-127"/>
-                <a:ea typeface="Nanum Gothic" panose="020D0604000000000000" pitchFamily="34" charset="-127"/>
+                <a:latin typeface="NanumGothic" panose="020D0604000000000000" pitchFamily="34" charset="-127"/>
+                <a:ea typeface="NanumGothic" panose="020D0604000000000000" pitchFamily="34" charset="-127"/>
               </a:rPr>
               <a:t> </a:t>
             </a:r>
             <a:r>
               <a:rPr lang="en-US" sz="1100" dirty="0" err="1">
-                <a:latin typeface="Nanum Gothic" panose="020D0604000000000000" pitchFamily="34" charset="-127"/>
-                <a:ea typeface="Nanum Gothic" panose="020D0604000000000000" pitchFamily="34" charset="-127"/>
+                <a:latin typeface="NanumGothic" panose="020D0604000000000000" pitchFamily="34" charset="-127"/>
+                <a:ea typeface="NanumGothic" panose="020D0604000000000000" pitchFamily="34" charset="-127"/>
               </a:rPr>
               <a:t>따라</a:t>
             </a:r>
             <a:endParaRPr lang="en-US" sz="1100" dirty="0">
-              <a:latin typeface="Nanum Gothic" panose="020D0604000000000000" pitchFamily="34" charset="-127"/>
-              <a:ea typeface="Nanum Gothic" panose="020D0604000000000000" pitchFamily="34" charset="-127"/>
+              <a:latin typeface="NanumGothic" panose="020D0604000000000000" pitchFamily="34" charset="-127"/>
+              <a:ea typeface="NanumGothic" panose="020D0604000000000000" pitchFamily="34" charset="-127"/>
             </a:endParaRPr>
           </a:p>
           <a:p>
             <a:pPr algn="ctr"/>
             <a:r>
               <a:rPr lang="en-US" sz="1100" dirty="0" err="1">
-                <a:latin typeface="Nanum Gothic" panose="020D0604000000000000" pitchFamily="34" charset="-127"/>
-                <a:ea typeface="Nanum Gothic" panose="020D0604000000000000" pitchFamily="34" charset="-127"/>
+                <a:latin typeface="NanumGothic" panose="020D0604000000000000" pitchFamily="34" charset="-127"/>
+                <a:ea typeface="NanumGothic" panose="020D0604000000000000" pitchFamily="34" charset="-127"/>
               </a:rPr>
               <a:t>작품</a:t>
             </a:r>
             <a:r>
               <a:rPr lang="en-US" sz="1100" dirty="0">
-                <a:latin typeface="Nanum Gothic" panose="020D0604000000000000" pitchFamily="34" charset="-127"/>
-                <a:ea typeface="Nanum Gothic" panose="020D0604000000000000" pitchFamily="34" charset="-127"/>
+                <a:latin typeface="NanumGothic" panose="020D0604000000000000" pitchFamily="34" charset="-127"/>
+                <a:ea typeface="NanumGothic" panose="020D0604000000000000" pitchFamily="34" charset="-127"/>
               </a:rPr>
               <a:t> </a:t>
             </a:r>
             <a:r>
               <a:rPr lang="en-US" sz="1100" dirty="0" err="1">
-                <a:latin typeface="Nanum Gothic" panose="020D0604000000000000" pitchFamily="34" charset="-127"/>
-                <a:ea typeface="Nanum Gothic" panose="020D0604000000000000" pitchFamily="34" charset="-127"/>
+                <a:latin typeface="NanumGothic" panose="020D0604000000000000" pitchFamily="34" charset="-127"/>
+                <a:ea typeface="NanumGothic" panose="020D0604000000000000" pitchFamily="34" charset="-127"/>
               </a:rPr>
               <a:t>추천</a:t>
             </a:r>
             <a:r>
               <a:rPr lang="en-US" sz="1100" dirty="0">
-                <a:latin typeface="Nanum Gothic" panose="020D0604000000000000" pitchFamily="34" charset="-127"/>
-                <a:ea typeface="Nanum Gothic" panose="020D0604000000000000" pitchFamily="34" charset="-127"/>
+                <a:latin typeface="NanumGothic" panose="020D0604000000000000" pitchFamily="34" charset="-127"/>
+                <a:ea typeface="NanumGothic" panose="020D0604000000000000" pitchFamily="34" charset="-127"/>
               </a:rPr>
               <a:t> </a:t>
             </a:r>
             <a:r>
               <a:rPr lang="en-US" sz="1100" dirty="0" err="1">
-                <a:latin typeface="Nanum Gothic" panose="020D0604000000000000" pitchFamily="34" charset="-127"/>
-                <a:ea typeface="Nanum Gothic" panose="020D0604000000000000" pitchFamily="34" charset="-127"/>
+                <a:latin typeface="NanumGothic" panose="020D0604000000000000" pitchFamily="34" charset="-127"/>
+                <a:ea typeface="NanumGothic" panose="020D0604000000000000" pitchFamily="34" charset="-127"/>
               </a:rPr>
               <a:t>이메일</a:t>
             </a:r>
             <a:r>
               <a:rPr lang="en-US" sz="1100" dirty="0">
-                <a:latin typeface="Nanum Gothic" panose="020D0604000000000000" pitchFamily="34" charset="-127"/>
-                <a:ea typeface="Nanum Gothic" panose="020D0604000000000000" pitchFamily="34" charset="-127"/>
+                <a:latin typeface="NanumGothic" panose="020D0604000000000000" pitchFamily="34" charset="-127"/>
+                <a:ea typeface="NanumGothic" panose="020D0604000000000000" pitchFamily="34" charset="-127"/>
               </a:rPr>
               <a:t> </a:t>
             </a:r>
             <a:r>
               <a:rPr lang="en-US" sz="1100" dirty="0" err="1">
-                <a:latin typeface="Nanum Gothic" panose="020D0604000000000000" pitchFamily="34" charset="-127"/>
-                <a:ea typeface="Nanum Gothic" panose="020D0604000000000000" pitchFamily="34" charset="-127"/>
+                <a:latin typeface="NanumGothic" panose="020D0604000000000000" pitchFamily="34" charset="-127"/>
+                <a:ea typeface="NanumGothic" panose="020D0604000000000000" pitchFamily="34" charset="-127"/>
               </a:rPr>
               <a:t>발송</a:t>
             </a:r>
             <a:endParaRPr lang="en-KR" sz="1100" dirty="0">
-              <a:latin typeface="Nanum Gothic" panose="020D0604000000000000" pitchFamily="34" charset="-127"/>
-              <a:ea typeface="Nanum Gothic" panose="020D0604000000000000" pitchFamily="34" charset="-127"/>
+              <a:latin typeface="NanumGothic" panose="020D0604000000000000" pitchFamily="34" charset="-127"/>
+              <a:ea typeface="NanumGothic" panose="020D0604000000000000" pitchFamily="34" charset="-127"/>
             </a:endParaRPr>
           </a:p>
         </p:txBody>
@@ -5698,7 +5770,7 @@
         <p:spPr>
           <a:xfrm>
             <a:off x="4797855" y="7847879"/>
-            <a:ext cx="2301904" cy="523220"/>
+            <a:ext cx="2301904" cy="230832"/>
           </a:xfrm>
           <a:prstGeom prst="rect">
             <a:avLst/>
@@ -5713,9 +5785,9 @@
           <a:p>
             <a:pPr algn="ctr"/>
             <a:r>
-              <a:rPr lang="en-US" sz="1400" dirty="0">
-                <a:latin typeface="Nanum Gothic" panose="020D0604000000000000" pitchFamily="34" charset="-127"/>
-                <a:ea typeface="Nanum Gothic" panose="020D0604000000000000" pitchFamily="34" charset="-127"/>
+              <a:rPr lang="en-US" sz="900" dirty="0">
+                <a:latin typeface="NanumGothic" panose="020D0604000000000000" pitchFamily="34" charset="-127"/>
+                <a:ea typeface="NanumGothic" panose="020D0604000000000000" pitchFamily="34" charset="-127"/>
               </a:rPr>
               <a:t>Amazon Simple Storage Service</a:t>
             </a:r>
@@ -5800,14 +5872,14 @@
             <a:pPr algn="ctr"/>
             <a:r>
               <a:rPr lang="ko-KR" altLang="en-US" sz="1100" dirty="0">
-                <a:latin typeface="Nanum Gothic" panose="020D0604000000000000" pitchFamily="34" charset="-127"/>
-                <a:ea typeface="Nanum Gothic" panose="020D0604000000000000" pitchFamily="34" charset="-127"/>
+                <a:latin typeface="NanumGothic" panose="020D0604000000000000" pitchFamily="34" charset="-127"/>
+                <a:ea typeface="NanumGothic" panose="020D0604000000000000" pitchFamily="34" charset="-127"/>
               </a:rPr>
               <a:t>작품 추천 데이터</a:t>
             </a:r>
             <a:endParaRPr lang="en-KR" sz="1100" dirty="0">
-              <a:latin typeface="Nanum Gothic" panose="020D0604000000000000" pitchFamily="34" charset="-127"/>
-              <a:ea typeface="Nanum Gothic" panose="020D0604000000000000" pitchFamily="34" charset="-127"/>
+              <a:latin typeface="NanumGothic" panose="020D0604000000000000" pitchFamily="34" charset="-127"/>
+              <a:ea typeface="NanumGothic" panose="020D0604000000000000" pitchFamily="34" charset="-127"/>
             </a:endParaRPr>
           </a:p>
         </p:txBody>
@@ -5816,6 +5888,3345 @@
     <p:extLst>
       <p:ext uri="{BB962C8B-B14F-4D97-AF65-F5344CB8AC3E}">
         <p14:creationId xmlns:p14="http://schemas.microsoft.com/office/powerpoint/2010/main" val="1694702913"/>
+      </p:ext>
+    </p:extLst>
+  </p:cSld>
+  <p:clrMapOvr>
+    <a:masterClrMapping/>
+  </p:clrMapOvr>
+</p:sld>
+</file>
+
+<file path=ppt/slides/slide2.xml><?xml version="1.0" encoding="utf-8"?>
+<p:sld xmlns:a="http://schemas.openxmlformats.org/drawingml/2006/main" xmlns:r="http://schemas.openxmlformats.org/officeDocument/2006/relationships" xmlns:p="http://schemas.openxmlformats.org/presentationml/2006/main">
+  <p:cSld>
+    <p:spTree>
+      <p:nvGrpSpPr>
+        <p:cNvPr id="1" name=""/>
+        <p:cNvGrpSpPr/>
+        <p:nvPr/>
+      </p:nvGrpSpPr>
+      <p:grpSpPr>
+        <a:xfrm>
+          <a:off x="0" y="0"/>
+          <a:ext cx="0" cy="0"/>
+          <a:chOff x="0" y="0"/>
+          <a:chExt cx="0" cy="0"/>
+        </a:xfrm>
+      </p:grpSpPr>
+      <p:pic>
+        <p:nvPicPr>
+          <p:cNvPr id="36" name="Graphic 35">
+            <a:extLst>
+              <a:ext uri="{FF2B5EF4-FFF2-40B4-BE49-F238E27FC236}">
+                <a16:creationId xmlns:a16="http://schemas.microsoft.com/office/drawing/2014/main" id="{FFDEFB94-3896-B44B-BD43-4C6A43610965}"/>
+              </a:ext>
+            </a:extLst>
+          </p:cNvPr>
+          <p:cNvPicPr>
+            <a:picLocks noChangeAspect="1"/>
+          </p:cNvPicPr>
+          <p:nvPr/>
+        </p:nvPicPr>
+        <p:blipFill>
+          <a:blip r:embed="rId2">
+            <a:extLst>
+              <a:ext uri="{96DAC541-7B7A-43D3-8B79-37D633B846F1}">
+                <asvg:svgBlip xmlns:asvg="http://schemas.microsoft.com/office/drawing/2016/SVG/main" r:embed="rId3"/>
+              </a:ext>
+            </a:extLst>
+          </a:blip>
+          <a:stretch>
+            <a:fillRect/>
+          </a:stretch>
+        </p:blipFill>
+        <p:spPr>
+          <a:xfrm>
+            <a:off x="3888642" y="3134243"/>
+            <a:ext cx="469900" cy="469900"/>
+          </a:xfrm>
+          <a:prstGeom prst="rect">
+            <a:avLst/>
+          </a:prstGeom>
+        </p:spPr>
+      </p:pic>
+      <p:sp>
+        <p:nvSpPr>
+          <p:cNvPr id="37" name="TextBox 36">
+            <a:extLst>
+              <a:ext uri="{FF2B5EF4-FFF2-40B4-BE49-F238E27FC236}">
+                <a16:creationId xmlns:a16="http://schemas.microsoft.com/office/drawing/2014/main" id="{C8005B28-52EC-5544-B786-23E4B804344F}"/>
+              </a:ext>
+            </a:extLst>
+          </p:cNvPr>
+          <p:cNvSpPr txBox="1"/>
+          <p:nvPr/>
+        </p:nvSpPr>
+        <p:spPr>
+          <a:xfrm>
+            <a:off x="3587217" y="3662719"/>
+            <a:ext cx="1072750" cy="230832"/>
+          </a:xfrm>
+          <a:prstGeom prst="rect">
+            <a:avLst/>
+          </a:prstGeom>
+          <a:noFill/>
+        </p:spPr>
+        <p:txBody>
+          <a:bodyPr wrap="square" rtlCol="0">
+            <a:spAutoFit/>
+          </a:bodyPr>
+          <a:lstStyle/>
+          <a:p>
+            <a:pPr algn="ctr"/>
+            <a:r>
+              <a:rPr lang="en-US" sz="900" dirty="0">
+                <a:solidFill>
+                  <a:srgbClr val="232F3E"/>
+                </a:solidFill>
+                <a:latin typeface="NanumGothic" panose="020D0604000000000000" pitchFamily="34" charset="-127"/>
+                <a:ea typeface="NanumGothic" panose="020D0604000000000000" pitchFamily="34" charset="-127"/>
+              </a:rPr>
+              <a:t>Log database</a:t>
+            </a:r>
+          </a:p>
+        </p:txBody>
+      </p:sp>
+      <p:pic>
+        <p:nvPicPr>
+          <p:cNvPr id="41" name="Graphic 40">
+            <a:extLst>
+              <a:ext uri="{FF2B5EF4-FFF2-40B4-BE49-F238E27FC236}">
+                <a16:creationId xmlns:a16="http://schemas.microsoft.com/office/drawing/2014/main" id="{6CE03F7F-6D3C-D341-A939-FF30A7D20856}"/>
+              </a:ext>
+            </a:extLst>
+          </p:cNvPr>
+          <p:cNvPicPr>
+            <a:picLocks noChangeAspect="1"/>
+          </p:cNvPicPr>
+          <p:nvPr/>
+        </p:nvPicPr>
+        <p:blipFill>
+          <a:blip r:embed="rId4">
+            <a:extLst>
+              <a:ext uri="{96DAC541-7B7A-43D3-8B79-37D633B846F1}">
+                <asvg:svgBlip xmlns:asvg="http://schemas.microsoft.com/office/drawing/2016/SVG/main" r:embed="rId5"/>
+              </a:ext>
+            </a:extLst>
+          </a:blip>
+          <a:stretch>
+            <a:fillRect/>
+          </a:stretch>
+        </p:blipFill>
+        <p:spPr>
+          <a:xfrm flipH="1">
+            <a:off x="702880" y="3134243"/>
+            <a:ext cx="483586" cy="469900"/>
+          </a:xfrm>
+          <a:prstGeom prst="rect">
+            <a:avLst/>
+          </a:prstGeom>
+        </p:spPr>
+      </p:pic>
+      <p:sp>
+        <p:nvSpPr>
+          <p:cNvPr id="42" name="TextBox 41">
+            <a:extLst>
+              <a:ext uri="{FF2B5EF4-FFF2-40B4-BE49-F238E27FC236}">
+                <a16:creationId xmlns:a16="http://schemas.microsoft.com/office/drawing/2014/main" id="{765265C4-061D-FB4C-8AF0-29DFC5C676FF}"/>
+              </a:ext>
+            </a:extLst>
+          </p:cNvPr>
+          <p:cNvSpPr txBox="1"/>
+          <p:nvPr/>
+        </p:nvSpPr>
+        <p:spPr>
+          <a:xfrm>
+            <a:off x="408298" y="3706214"/>
+            <a:ext cx="1072750" cy="230832"/>
+          </a:xfrm>
+          <a:prstGeom prst="rect">
+            <a:avLst/>
+          </a:prstGeom>
+          <a:noFill/>
+        </p:spPr>
+        <p:txBody>
+          <a:bodyPr wrap="square" rtlCol="0">
+            <a:spAutoFit/>
+          </a:bodyPr>
+          <a:lstStyle/>
+          <a:p>
+            <a:pPr algn="ctr"/>
+            <a:r>
+              <a:rPr lang="en-US" sz="900" dirty="0">
+                <a:solidFill>
+                  <a:srgbClr val="232F3E"/>
+                </a:solidFill>
+                <a:latin typeface="NanumGothic" panose="020D0604000000000000" pitchFamily="34" charset="-127"/>
+                <a:ea typeface="NanumGothic" panose="020D0604000000000000" pitchFamily="34" charset="-127"/>
+              </a:rPr>
+              <a:t>Users</a:t>
+            </a:r>
+          </a:p>
+        </p:txBody>
+      </p:sp>
+      <p:cxnSp>
+        <p:nvCxnSpPr>
+          <p:cNvPr id="46" name="Straight Arrow Connector 45">
+            <a:extLst>
+              <a:ext uri="{FF2B5EF4-FFF2-40B4-BE49-F238E27FC236}">
+                <a16:creationId xmlns:a16="http://schemas.microsoft.com/office/drawing/2014/main" id="{ED32FAF2-4A5E-3D40-8712-46EABE9A0DC3}"/>
+              </a:ext>
+            </a:extLst>
+          </p:cNvPr>
+          <p:cNvCxnSpPr>
+            <a:cxnSpLocks/>
+            <a:stCxn id="36" idx="1"/>
+            <a:endCxn id="41" idx="1"/>
+          </p:cNvCxnSpPr>
+          <p:nvPr/>
+        </p:nvCxnSpPr>
+        <p:spPr>
+          <a:xfrm flipH="1">
+            <a:off x="1186466" y="3369193"/>
+            <a:ext cx="2702176" cy="0"/>
+          </a:xfrm>
+          <a:prstGeom prst="straightConnector1">
+            <a:avLst/>
+          </a:prstGeom>
+          <a:ln w="12700">
+            <a:solidFill>
+              <a:srgbClr val="545B64"/>
+            </a:solidFill>
+            <a:headEnd type="arrow" w="med" len="sm"/>
+            <a:tailEnd type="none" w="med" len="sm"/>
+          </a:ln>
+        </p:spPr>
+        <p:style>
+          <a:lnRef idx="1">
+            <a:schemeClr val="accent1"/>
+          </a:lnRef>
+          <a:fillRef idx="0">
+            <a:schemeClr val="accent1"/>
+          </a:fillRef>
+          <a:effectRef idx="0">
+            <a:schemeClr val="accent1"/>
+          </a:effectRef>
+          <a:fontRef idx="minor">
+            <a:schemeClr val="tx1"/>
+          </a:fontRef>
+        </p:style>
+      </p:cxnSp>
+      <p:sp>
+        <p:nvSpPr>
+          <p:cNvPr id="51" name="TextBox 50">
+            <a:extLst>
+              <a:ext uri="{FF2B5EF4-FFF2-40B4-BE49-F238E27FC236}">
+                <a16:creationId xmlns:a16="http://schemas.microsoft.com/office/drawing/2014/main" id="{D0DB95BB-EB4D-054F-A936-8F7D15F6FF8B}"/>
+              </a:ext>
+            </a:extLst>
+          </p:cNvPr>
+          <p:cNvSpPr txBox="1"/>
+          <p:nvPr/>
+        </p:nvSpPr>
+        <p:spPr>
+          <a:xfrm>
+            <a:off x="7482185" y="3673500"/>
+            <a:ext cx="969968" cy="230832"/>
+          </a:xfrm>
+          <a:prstGeom prst="rect">
+            <a:avLst/>
+          </a:prstGeom>
+          <a:noFill/>
+        </p:spPr>
+        <p:txBody>
+          <a:bodyPr wrap="square" rtlCol="0">
+            <a:spAutoFit/>
+          </a:bodyPr>
+          <a:lstStyle/>
+          <a:p>
+            <a:pPr algn="ctr"/>
+            <a:r>
+              <a:rPr lang="en-US" sz="900" dirty="0">
+                <a:latin typeface="NanumGothic" panose="020D0604000000000000" pitchFamily="34" charset="-127"/>
+                <a:ea typeface="NanumGothic" panose="020D0604000000000000" pitchFamily="34" charset="-127"/>
+              </a:rPr>
+              <a:t>AWS Lambda</a:t>
+            </a:r>
+          </a:p>
+        </p:txBody>
+      </p:sp>
+      <p:pic>
+        <p:nvPicPr>
+          <p:cNvPr id="52" name="Graphic 51">
+            <a:extLst>
+              <a:ext uri="{FF2B5EF4-FFF2-40B4-BE49-F238E27FC236}">
+                <a16:creationId xmlns:a16="http://schemas.microsoft.com/office/drawing/2014/main" id="{C68A7AE5-4FE9-0041-83E6-4084BBDE8155}"/>
+              </a:ext>
+            </a:extLst>
+          </p:cNvPr>
+          <p:cNvPicPr>
+            <a:picLocks noChangeAspect="1"/>
+          </p:cNvPicPr>
+          <p:nvPr/>
+        </p:nvPicPr>
+        <p:blipFill>
+          <a:blip r:embed="rId6">
+            <a:extLst>
+              <a:ext uri="{96DAC541-7B7A-43D3-8B79-37D633B846F1}">
+                <asvg:svgBlip xmlns:asvg="http://schemas.microsoft.com/office/drawing/2016/SVG/main" r:embed="rId7"/>
+              </a:ext>
+            </a:extLst>
+          </a:blip>
+          <a:stretch>
+            <a:fillRect/>
+          </a:stretch>
+        </p:blipFill>
+        <p:spPr>
+          <a:xfrm>
+            <a:off x="7732219" y="3134243"/>
+            <a:ext cx="469900" cy="469900"/>
+          </a:xfrm>
+          <a:prstGeom prst="rect">
+            <a:avLst/>
+          </a:prstGeom>
+        </p:spPr>
+      </p:pic>
+      <p:sp>
+        <p:nvSpPr>
+          <p:cNvPr id="53" name="TextBox 52">
+            <a:extLst>
+              <a:ext uri="{FF2B5EF4-FFF2-40B4-BE49-F238E27FC236}">
+                <a16:creationId xmlns:a16="http://schemas.microsoft.com/office/drawing/2014/main" id="{7EE116E4-B918-C64E-9F08-76926F0E93BD}"/>
+              </a:ext>
+            </a:extLst>
+          </p:cNvPr>
+          <p:cNvSpPr txBox="1"/>
+          <p:nvPr/>
+        </p:nvSpPr>
+        <p:spPr>
+          <a:xfrm>
+            <a:off x="3782025" y="5646435"/>
+            <a:ext cx="2301904" cy="230832"/>
+          </a:xfrm>
+          <a:prstGeom prst="rect">
+            <a:avLst/>
+          </a:prstGeom>
+          <a:noFill/>
+        </p:spPr>
+        <p:txBody>
+          <a:bodyPr wrap="square" rtlCol="0">
+            <a:spAutoFit/>
+          </a:bodyPr>
+          <a:lstStyle/>
+          <a:p>
+            <a:pPr algn="ctr"/>
+            <a:r>
+              <a:rPr lang="en-US" sz="900" dirty="0">
+                <a:latin typeface="NanumGothic" panose="020D0604000000000000" pitchFamily="34" charset="-127"/>
+                <a:ea typeface="NanumGothic" panose="020D0604000000000000" pitchFamily="34" charset="-127"/>
+              </a:rPr>
+              <a:t>Amazon CloudWatch</a:t>
+            </a:r>
+          </a:p>
+        </p:txBody>
+      </p:sp>
+      <p:pic>
+        <p:nvPicPr>
+          <p:cNvPr id="54" name="Graphic 53">
+            <a:extLst>
+              <a:ext uri="{FF2B5EF4-FFF2-40B4-BE49-F238E27FC236}">
+                <a16:creationId xmlns:a16="http://schemas.microsoft.com/office/drawing/2014/main" id="{0346519E-F23D-814D-97D7-FF2944F38DA6}"/>
+              </a:ext>
+            </a:extLst>
+          </p:cNvPr>
+          <p:cNvPicPr>
+            <a:picLocks noChangeAspect="1"/>
+          </p:cNvPicPr>
+          <p:nvPr/>
+        </p:nvPicPr>
+        <p:blipFill>
+          <a:blip r:embed="rId8">
+            <a:extLst>
+              <a:ext uri="{96DAC541-7B7A-43D3-8B79-37D633B846F1}">
+                <asvg:svgBlip xmlns:asvg="http://schemas.microsoft.com/office/drawing/2016/SVG/main" r:embed="rId9"/>
+              </a:ext>
+            </a:extLst>
+          </a:blip>
+          <a:stretch>
+            <a:fillRect/>
+          </a:stretch>
+        </p:blipFill>
+        <p:spPr>
+          <a:xfrm>
+            <a:off x="4690717" y="5114486"/>
+            <a:ext cx="469900" cy="469900"/>
+          </a:xfrm>
+          <a:prstGeom prst="rect">
+            <a:avLst/>
+          </a:prstGeom>
+        </p:spPr>
+      </p:pic>
+      <p:cxnSp>
+        <p:nvCxnSpPr>
+          <p:cNvPr id="58" name="Straight Arrow Connector 57">
+            <a:extLst>
+              <a:ext uri="{FF2B5EF4-FFF2-40B4-BE49-F238E27FC236}">
+                <a16:creationId xmlns:a16="http://schemas.microsoft.com/office/drawing/2014/main" id="{63FD8130-FF11-8142-9696-64DCF3CB05F4}"/>
+              </a:ext>
+            </a:extLst>
+          </p:cNvPr>
+          <p:cNvCxnSpPr>
+            <a:cxnSpLocks/>
+            <a:stCxn id="51" idx="1"/>
+          </p:cNvCxnSpPr>
+          <p:nvPr/>
+        </p:nvCxnSpPr>
+        <p:spPr>
+          <a:xfrm flipH="1">
+            <a:off x="5139533" y="3788916"/>
+            <a:ext cx="2342652" cy="1351347"/>
+          </a:xfrm>
+          <a:prstGeom prst="straightConnector1">
+            <a:avLst/>
+          </a:prstGeom>
+          <a:ln w="12700">
+            <a:solidFill>
+              <a:srgbClr val="545B64"/>
+            </a:solidFill>
+            <a:headEnd type="arrow" w="med" len="sm"/>
+            <a:tailEnd type="none" w="med" len="sm"/>
+          </a:ln>
+        </p:spPr>
+        <p:style>
+          <a:lnRef idx="1">
+            <a:schemeClr val="accent1"/>
+          </a:lnRef>
+          <a:fillRef idx="0">
+            <a:schemeClr val="accent1"/>
+          </a:fillRef>
+          <a:effectRef idx="0">
+            <a:schemeClr val="accent1"/>
+          </a:effectRef>
+          <a:fontRef idx="minor">
+            <a:schemeClr val="tx1"/>
+          </a:fontRef>
+        </p:style>
+      </p:cxnSp>
+      <p:cxnSp>
+        <p:nvCxnSpPr>
+          <p:cNvPr id="59" name="Straight Arrow Connector 58">
+            <a:extLst>
+              <a:ext uri="{FF2B5EF4-FFF2-40B4-BE49-F238E27FC236}">
+                <a16:creationId xmlns:a16="http://schemas.microsoft.com/office/drawing/2014/main" id="{E75385D1-15DA-EE4A-920A-5CB0AB3B3A44}"/>
+              </a:ext>
+            </a:extLst>
+          </p:cNvPr>
+          <p:cNvCxnSpPr>
+            <a:cxnSpLocks/>
+            <a:stCxn id="52" idx="1"/>
+            <a:endCxn id="36" idx="3"/>
+          </p:cNvCxnSpPr>
+          <p:nvPr/>
+        </p:nvCxnSpPr>
+        <p:spPr>
+          <a:xfrm flipH="1">
+            <a:off x="4358544" y="3369193"/>
+            <a:ext cx="3373677" cy="0"/>
+          </a:xfrm>
+          <a:prstGeom prst="straightConnector1">
+            <a:avLst/>
+          </a:prstGeom>
+          <a:ln w="12700">
+            <a:solidFill>
+              <a:srgbClr val="545B64"/>
+            </a:solidFill>
+            <a:headEnd type="arrow" w="med" len="sm"/>
+            <a:tailEnd type="none" w="med" len="sm"/>
+          </a:ln>
+        </p:spPr>
+        <p:style>
+          <a:lnRef idx="1">
+            <a:schemeClr val="accent1"/>
+          </a:lnRef>
+          <a:fillRef idx="0">
+            <a:schemeClr val="accent1"/>
+          </a:fillRef>
+          <a:effectRef idx="0">
+            <a:schemeClr val="accent1"/>
+          </a:effectRef>
+          <a:fontRef idx="minor">
+            <a:schemeClr val="tx1"/>
+          </a:fontRef>
+        </p:style>
+      </p:cxnSp>
+      <p:pic>
+        <p:nvPicPr>
+          <p:cNvPr id="61" name="Graphic 60">
+            <a:extLst>
+              <a:ext uri="{FF2B5EF4-FFF2-40B4-BE49-F238E27FC236}">
+                <a16:creationId xmlns:a16="http://schemas.microsoft.com/office/drawing/2014/main" id="{26749188-DFBE-2645-B69B-6016F558E2C4}"/>
+              </a:ext>
+            </a:extLst>
+          </p:cNvPr>
+          <p:cNvPicPr>
+            <a:picLocks noChangeAspect="1"/>
+          </p:cNvPicPr>
+          <p:nvPr/>
+        </p:nvPicPr>
+        <p:blipFill>
+          <a:blip r:embed="rId10">
+            <a:extLst>
+              <a:ext uri="{96DAC541-7B7A-43D3-8B79-37D633B846F1}">
+                <asvg:svgBlip xmlns:asvg="http://schemas.microsoft.com/office/drawing/2016/SVG/main" r:embed="rId11"/>
+              </a:ext>
+            </a:extLst>
+          </a:blip>
+          <a:stretch>
+            <a:fillRect/>
+          </a:stretch>
+        </p:blipFill>
+        <p:spPr>
+          <a:xfrm>
+            <a:off x="7735438" y="5224726"/>
+            <a:ext cx="469900" cy="469900"/>
+          </a:xfrm>
+          <a:prstGeom prst="rect">
+            <a:avLst/>
+          </a:prstGeom>
+        </p:spPr>
+      </p:pic>
+      <p:sp>
+        <p:nvSpPr>
+          <p:cNvPr id="62" name="TextBox 61">
+            <a:extLst>
+              <a:ext uri="{FF2B5EF4-FFF2-40B4-BE49-F238E27FC236}">
+                <a16:creationId xmlns:a16="http://schemas.microsoft.com/office/drawing/2014/main" id="{6F817E63-1B42-7D49-90FC-1FC9F39BFF31}"/>
+              </a:ext>
+            </a:extLst>
+          </p:cNvPr>
+          <p:cNvSpPr txBox="1"/>
+          <p:nvPr/>
+        </p:nvSpPr>
+        <p:spPr>
+          <a:xfrm>
+            <a:off x="6802966" y="5753303"/>
+            <a:ext cx="2301904" cy="230832"/>
+          </a:xfrm>
+          <a:prstGeom prst="rect">
+            <a:avLst/>
+          </a:prstGeom>
+          <a:noFill/>
+        </p:spPr>
+        <p:txBody>
+          <a:bodyPr wrap="square" rtlCol="0">
+            <a:spAutoFit/>
+          </a:bodyPr>
+          <a:lstStyle/>
+          <a:p>
+            <a:pPr algn="ctr"/>
+            <a:r>
+              <a:rPr lang="en-US" sz="900" dirty="0">
+                <a:latin typeface="NanumGothic" panose="020D0604000000000000" pitchFamily="34" charset="-127"/>
+                <a:ea typeface="NanumGothic" panose="020D0604000000000000" pitchFamily="34" charset="-127"/>
+              </a:rPr>
+              <a:t>Amazon Simple Storage Service</a:t>
+            </a:r>
+          </a:p>
+        </p:txBody>
+      </p:sp>
+      <p:sp>
+        <p:nvSpPr>
+          <p:cNvPr id="66" name="TextBox 65">
+            <a:extLst>
+              <a:ext uri="{FF2B5EF4-FFF2-40B4-BE49-F238E27FC236}">
+                <a16:creationId xmlns:a16="http://schemas.microsoft.com/office/drawing/2014/main" id="{3C905757-30A0-5C49-BDCE-11C8C834DCF0}"/>
+              </a:ext>
+            </a:extLst>
+          </p:cNvPr>
+          <p:cNvSpPr txBox="1"/>
+          <p:nvPr/>
+        </p:nvSpPr>
+        <p:spPr>
+          <a:xfrm>
+            <a:off x="6802966" y="7860519"/>
+            <a:ext cx="2301904" cy="230832"/>
+          </a:xfrm>
+          <a:prstGeom prst="rect">
+            <a:avLst/>
+          </a:prstGeom>
+          <a:noFill/>
+        </p:spPr>
+        <p:txBody>
+          <a:bodyPr wrap="square" rtlCol="0">
+            <a:spAutoFit/>
+          </a:bodyPr>
+          <a:lstStyle/>
+          <a:p>
+            <a:pPr algn="ctr"/>
+            <a:r>
+              <a:rPr lang="en-US" sz="900" dirty="0">
+                <a:latin typeface="NanumGothic" panose="020D0604000000000000" pitchFamily="34" charset="-127"/>
+                <a:ea typeface="NanumGothic" panose="020D0604000000000000" pitchFamily="34" charset="-127"/>
+              </a:rPr>
+              <a:t>Amazon Personalize</a:t>
+            </a:r>
+          </a:p>
+        </p:txBody>
+      </p:sp>
+      <p:pic>
+        <p:nvPicPr>
+          <p:cNvPr id="67" name="Graphic 66">
+            <a:extLst>
+              <a:ext uri="{FF2B5EF4-FFF2-40B4-BE49-F238E27FC236}">
+                <a16:creationId xmlns:a16="http://schemas.microsoft.com/office/drawing/2014/main" id="{63E6CBAB-3795-4149-B463-C5FEC3244186}"/>
+              </a:ext>
+            </a:extLst>
+          </p:cNvPr>
+          <p:cNvPicPr>
+            <a:picLocks noChangeAspect="1"/>
+          </p:cNvPicPr>
+          <p:nvPr/>
+        </p:nvPicPr>
+        <p:blipFill>
+          <a:blip r:embed="rId12">
+            <a:extLst>
+              <a:ext uri="{96DAC541-7B7A-43D3-8B79-37D633B846F1}">
+                <asvg:svgBlip xmlns:asvg="http://schemas.microsoft.com/office/drawing/2016/SVG/main" r:embed="rId13"/>
+              </a:ext>
+            </a:extLst>
+          </a:blip>
+          <a:stretch>
+            <a:fillRect/>
+          </a:stretch>
+        </p:blipFill>
+        <p:spPr>
+          <a:xfrm>
+            <a:off x="7718968" y="7250338"/>
+            <a:ext cx="469900" cy="469900"/>
+          </a:xfrm>
+          <a:prstGeom prst="rect">
+            <a:avLst/>
+          </a:prstGeom>
+        </p:spPr>
+      </p:pic>
+      <p:cxnSp>
+        <p:nvCxnSpPr>
+          <p:cNvPr id="68" name="Straight Arrow Connector 67">
+            <a:extLst>
+              <a:ext uri="{FF2B5EF4-FFF2-40B4-BE49-F238E27FC236}">
+                <a16:creationId xmlns:a16="http://schemas.microsoft.com/office/drawing/2014/main" id="{3EEE038B-FBD7-6445-ACF2-B8D741055195}"/>
+              </a:ext>
+            </a:extLst>
+          </p:cNvPr>
+          <p:cNvCxnSpPr>
+            <a:cxnSpLocks/>
+            <a:stCxn id="67" idx="0"/>
+            <a:endCxn id="62" idx="2"/>
+          </p:cNvCxnSpPr>
+          <p:nvPr/>
+        </p:nvCxnSpPr>
+        <p:spPr>
+          <a:xfrm flipV="1">
+            <a:off x="7953918" y="5984135"/>
+            <a:ext cx="0" cy="1266203"/>
+          </a:xfrm>
+          <a:prstGeom prst="straightConnector1">
+            <a:avLst/>
+          </a:prstGeom>
+          <a:ln w="12700">
+            <a:solidFill>
+              <a:srgbClr val="545B64"/>
+            </a:solidFill>
+            <a:headEnd type="arrow" w="med" len="sm"/>
+            <a:tailEnd type="none" w="med" len="sm"/>
+          </a:ln>
+        </p:spPr>
+        <p:style>
+          <a:lnRef idx="1">
+            <a:schemeClr val="accent1"/>
+          </a:lnRef>
+          <a:fillRef idx="0">
+            <a:schemeClr val="accent1"/>
+          </a:fillRef>
+          <a:effectRef idx="0">
+            <a:schemeClr val="accent1"/>
+          </a:effectRef>
+          <a:fontRef idx="minor">
+            <a:schemeClr val="tx1"/>
+          </a:fontRef>
+        </p:style>
+      </p:cxnSp>
+      <p:cxnSp>
+        <p:nvCxnSpPr>
+          <p:cNvPr id="74" name="Straight Arrow Connector 73">
+            <a:extLst>
+              <a:ext uri="{FF2B5EF4-FFF2-40B4-BE49-F238E27FC236}">
+                <a16:creationId xmlns:a16="http://schemas.microsoft.com/office/drawing/2014/main" id="{6EF88F21-262E-0346-AA1D-CE75DB696545}"/>
+              </a:ext>
+            </a:extLst>
+          </p:cNvPr>
+          <p:cNvCxnSpPr>
+            <a:cxnSpLocks/>
+            <a:stCxn id="61" idx="0"/>
+            <a:endCxn id="51" idx="2"/>
+          </p:cNvCxnSpPr>
+          <p:nvPr/>
+        </p:nvCxnSpPr>
+        <p:spPr>
+          <a:xfrm flipH="1" flipV="1">
+            <a:off x="7967169" y="3904332"/>
+            <a:ext cx="3219" cy="1320394"/>
+          </a:xfrm>
+          <a:prstGeom prst="straightConnector1">
+            <a:avLst/>
+          </a:prstGeom>
+          <a:ln w="12700">
+            <a:solidFill>
+              <a:srgbClr val="545B64"/>
+            </a:solidFill>
+            <a:headEnd type="arrow" w="med" len="sm"/>
+            <a:tailEnd type="none" w="med" len="sm"/>
+          </a:ln>
+        </p:spPr>
+        <p:style>
+          <a:lnRef idx="1">
+            <a:schemeClr val="accent1"/>
+          </a:lnRef>
+          <a:fillRef idx="0">
+            <a:schemeClr val="accent1"/>
+          </a:fillRef>
+          <a:effectRef idx="0">
+            <a:schemeClr val="accent1"/>
+          </a:effectRef>
+          <a:fontRef idx="minor">
+            <a:schemeClr val="tx1"/>
+          </a:fontRef>
+        </p:style>
+      </p:cxnSp>
+      <p:sp>
+        <p:nvSpPr>
+          <p:cNvPr id="81" name="TextBox 80">
+            <a:extLst>
+              <a:ext uri="{FF2B5EF4-FFF2-40B4-BE49-F238E27FC236}">
+                <a16:creationId xmlns:a16="http://schemas.microsoft.com/office/drawing/2014/main" id="{BF7648E8-6B4D-0145-818F-75C935CC9EAF}"/>
+              </a:ext>
+            </a:extLst>
+          </p:cNvPr>
+          <p:cNvSpPr txBox="1"/>
+          <p:nvPr/>
+        </p:nvSpPr>
+        <p:spPr>
+          <a:xfrm>
+            <a:off x="3276475" y="7802743"/>
+            <a:ext cx="969968" cy="230832"/>
+          </a:xfrm>
+          <a:prstGeom prst="rect">
+            <a:avLst/>
+          </a:prstGeom>
+          <a:noFill/>
+        </p:spPr>
+        <p:txBody>
+          <a:bodyPr wrap="square" rtlCol="0">
+            <a:spAutoFit/>
+          </a:bodyPr>
+          <a:lstStyle/>
+          <a:p>
+            <a:pPr algn="ctr"/>
+            <a:r>
+              <a:rPr lang="en-US" sz="900" dirty="0">
+                <a:latin typeface="NanumGothic" panose="020D0604000000000000" pitchFamily="34" charset="-127"/>
+                <a:ea typeface="NanumGothic" panose="020D0604000000000000" pitchFamily="34" charset="-127"/>
+              </a:rPr>
+              <a:t>AWS Lambda</a:t>
+            </a:r>
+          </a:p>
+        </p:txBody>
+      </p:sp>
+      <p:pic>
+        <p:nvPicPr>
+          <p:cNvPr id="82" name="Graphic 81">
+            <a:extLst>
+              <a:ext uri="{FF2B5EF4-FFF2-40B4-BE49-F238E27FC236}">
+                <a16:creationId xmlns:a16="http://schemas.microsoft.com/office/drawing/2014/main" id="{324EF4E9-5978-E54C-A5F9-47CBDF77C9A0}"/>
+              </a:ext>
+            </a:extLst>
+          </p:cNvPr>
+          <p:cNvPicPr>
+            <a:picLocks noChangeAspect="1"/>
+          </p:cNvPicPr>
+          <p:nvPr/>
+        </p:nvPicPr>
+        <p:blipFill>
+          <a:blip r:embed="rId6">
+            <a:extLst>
+              <a:ext uri="{96DAC541-7B7A-43D3-8B79-37D633B846F1}">
+                <asvg:svgBlip xmlns:asvg="http://schemas.microsoft.com/office/drawing/2016/SVG/main" r:embed="rId7"/>
+              </a:ext>
+            </a:extLst>
+          </a:blip>
+          <a:stretch>
+            <a:fillRect/>
+          </a:stretch>
+        </p:blipFill>
+        <p:spPr>
+          <a:xfrm>
+            <a:off x="3526509" y="7242220"/>
+            <a:ext cx="469900" cy="469900"/>
+          </a:xfrm>
+          <a:prstGeom prst="rect">
+            <a:avLst/>
+          </a:prstGeom>
+        </p:spPr>
+      </p:pic>
+      <p:cxnSp>
+        <p:nvCxnSpPr>
+          <p:cNvPr id="83" name="Straight Arrow Connector 82">
+            <a:extLst>
+              <a:ext uri="{FF2B5EF4-FFF2-40B4-BE49-F238E27FC236}">
+                <a16:creationId xmlns:a16="http://schemas.microsoft.com/office/drawing/2014/main" id="{63DED6F7-CD12-0B44-B5DB-EB79ABC6D3A3}"/>
+              </a:ext>
+            </a:extLst>
+          </p:cNvPr>
+          <p:cNvCxnSpPr>
+            <a:cxnSpLocks/>
+            <a:stCxn id="82" idx="3"/>
+            <a:endCxn id="55" idx="1"/>
+          </p:cNvCxnSpPr>
+          <p:nvPr/>
+        </p:nvCxnSpPr>
+        <p:spPr>
+          <a:xfrm>
+            <a:off x="3996409" y="7477170"/>
+            <a:ext cx="1733918" cy="5666"/>
+          </a:xfrm>
+          <a:prstGeom prst="straightConnector1">
+            <a:avLst/>
+          </a:prstGeom>
+          <a:ln w="12700">
+            <a:solidFill>
+              <a:srgbClr val="545B64"/>
+            </a:solidFill>
+            <a:headEnd type="arrow" w="med" len="sm"/>
+            <a:tailEnd type="none" w="med" len="sm"/>
+          </a:ln>
+        </p:spPr>
+        <p:style>
+          <a:lnRef idx="1">
+            <a:schemeClr val="accent1"/>
+          </a:lnRef>
+          <a:fillRef idx="0">
+            <a:schemeClr val="accent1"/>
+          </a:fillRef>
+          <a:effectRef idx="0">
+            <a:schemeClr val="accent1"/>
+          </a:effectRef>
+          <a:fontRef idx="minor">
+            <a:schemeClr val="tx1"/>
+          </a:fontRef>
+        </p:style>
+      </p:cxnSp>
+      <p:sp>
+        <p:nvSpPr>
+          <p:cNvPr id="84" name="TextBox 83">
+            <a:extLst>
+              <a:ext uri="{FF2B5EF4-FFF2-40B4-BE49-F238E27FC236}">
+                <a16:creationId xmlns:a16="http://schemas.microsoft.com/office/drawing/2014/main" id="{64A7037F-361B-AC45-8BA5-A4B4AD13C1B1}"/>
+              </a:ext>
+            </a:extLst>
+          </p:cNvPr>
+          <p:cNvSpPr txBox="1"/>
+          <p:nvPr/>
+        </p:nvSpPr>
+        <p:spPr>
+          <a:xfrm>
+            <a:off x="-177332" y="7774169"/>
+            <a:ext cx="2301904" cy="230832"/>
+          </a:xfrm>
+          <a:prstGeom prst="rect">
+            <a:avLst/>
+          </a:prstGeom>
+          <a:noFill/>
+        </p:spPr>
+        <p:txBody>
+          <a:bodyPr wrap="square" rtlCol="0">
+            <a:spAutoFit/>
+          </a:bodyPr>
+          <a:lstStyle/>
+          <a:p>
+            <a:pPr algn="ctr"/>
+            <a:r>
+              <a:rPr lang="en-US" sz="900" dirty="0">
+                <a:latin typeface="NanumGothic" panose="020D0604000000000000" pitchFamily="34" charset="-127"/>
+                <a:ea typeface="NanumGothic" panose="020D0604000000000000" pitchFamily="34" charset="-127"/>
+              </a:rPr>
+              <a:t>Amazon DynamoDB</a:t>
+            </a:r>
+          </a:p>
+        </p:txBody>
+      </p:sp>
+      <p:pic>
+        <p:nvPicPr>
+          <p:cNvPr id="85" name="Graphic 84">
+            <a:extLst>
+              <a:ext uri="{FF2B5EF4-FFF2-40B4-BE49-F238E27FC236}">
+                <a16:creationId xmlns:a16="http://schemas.microsoft.com/office/drawing/2014/main" id="{163464DB-5201-1541-93B9-E501CA9ADFA0}"/>
+              </a:ext>
+            </a:extLst>
+          </p:cNvPr>
+          <p:cNvPicPr>
+            <a:picLocks noChangeAspect="1"/>
+          </p:cNvPicPr>
+          <p:nvPr/>
+        </p:nvPicPr>
+        <p:blipFill>
+          <a:blip r:embed="rId14">
+            <a:extLst>
+              <a:ext uri="{96DAC541-7B7A-43D3-8B79-37D633B846F1}">
+                <asvg:svgBlip xmlns:asvg="http://schemas.microsoft.com/office/drawing/2016/SVG/main" r:embed="rId15"/>
+              </a:ext>
+            </a:extLst>
+          </a:blip>
+          <a:stretch>
+            <a:fillRect/>
+          </a:stretch>
+        </p:blipFill>
+        <p:spPr>
+          <a:xfrm>
+            <a:off x="738670" y="7250338"/>
+            <a:ext cx="469900" cy="469900"/>
+          </a:xfrm>
+          <a:prstGeom prst="rect">
+            <a:avLst/>
+          </a:prstGeom>
+        </p:spPr>
+      </p:pic>
+      <p:cxnSp>
+        <p:nvCxnSpPr>
+          <p:cNvPr id="86" name="Straight Arrow Connector 85">
+            <a:extLst>
+              <a:ext uri="{FF2B5EF4-FFF2-40B4-BE49-F238E27FC236}">
+                <a16:creationId xmlns:a16="http://schemas.microsoft.com/office/drawing/2014/main" id="{53247577-C318-C349-A31A-88E6849EE296}"/>
+              </a:ext>
+            </a:extLst>
+          </p:cNvPr>
+          <p:cNvCxnSpPr>
+            <a:cxnSpLocks/>
+            <a:stCxn id="85" idx="3"/>
+            <a:endCxn id="82" idx="1"/>
+          </p:cNvCxnSpPr>
+          <p:nvPr/>
+        </p:nvCxnSpPr>
+        <p:spPr>
+          <a:xfrm flipV="1">
+            <a:off x="1208570" y="7477170"/>
+            <a:ext cx="2317939" cy="8118"/>
+          </a:xfrm>
+          <a:prstGeom prst="straightConnector1">
+            <a:avLst/>
+          </a:prstGeom>
+          <a:ln w="12700">
+            <a:solidFill>
+              <a:srgbClr val="545B64"/>
+            </a:solidFill>
+            <a:headEnd type="arrow" w="med" len="sm"/>
+            <a:tailEnd type="none" w="med" len="sm"/>
+          </a:ln>
+        </p:spPr>
+        <p:style>
+          <a:lnRef idx="1">
+            <a:schemeClr val="accent1"/>
+          </a:lnRef>
+          <a:fillRef idx="0">
+            <a:schemeClr val="accent1"/>
+          </a:fillRef>
+          <a:effectRef idx="0">
+            <a:schemeClr val="accent1"/>
+          </a:effectRef>
+          <a:fontRef idx="minor">
+            <a:schemeClr val="tx1"/>
+          </a:fontRef>
+        </p:style>
+      </p:cxnSp>
+      <p:sp>
+        <p:nvSpPr>
+          <p:cNvPr id="88" name="TextBox 87">
+            <a:extLst>
+              <a:ext uri="{FF2B5EF4-FFF2-40B4-BE49-F238E27FC236}">
+                <a16:creationId xmlns:a16="http://schemas.microsoft.com/office/drawing/2014/main" id="{26E2BDB5-EB27-5F43-9156-27106BA7956D}"/>
+              </a:ext>
+            </a:extLst>
+          </p:cNvPr>
+          <p:cNvSpPr txBox="1"/>
+          <p:nvPr/>
+        </p:nvSpPr>
+        <p:spPr>
+          <a:xfrm>
+            <a:off x="-173486" y="5695539"/>
+            <a:ext cx="2301904" cy="230832"/>
+          </a:xfrm>
+          <a:prstGeom prst="rect">
+            <a:avLst/>
+          </a:prstGeom>
+          <a:noFill/>
+        </p:spPr>
+        <p:txBody>
+          <a:bodyPr wrap="square" rtlCol="0">
+            <a:spAutoFit/>
+          </a:bodyPr>
+          <a:lstStyle/>
+          <a:p>
+            <a:pPr algn="ctr"/>
+            <a:r>
+              <a:rPr lang="en-US" sz="900" dirty="0">
+                <a:latin typeface="NanumGothic" panose="020D0604000000000000" pitchFamily="34" charset="-127"/>
+                <a:ea typeface="NanumGothic" panose="020D0604000000000000" pitchFamily="34" charset="-127"/>
+              </a:rPr>
+              <a:t>Amazon API Gateway</a:t>
+            </a:r>
+          </a:p>
+        </p:txBody>
+      </p:sp>
+      <p:pic>
+        <p:nvPicPr>
+          <p:cNvPr id="89" name="Graphic 88">
+            <a:extLst>
+              <a:ext uri="{FF2B5EF4-FFF2-40B4-BE49-F238E27FC236}">
+                <a16:creationId xmlns:a16="http://schemas.microsoft.com/office/drawing/2014/main" id="{C1135B89-A72B-F246-A617-8CB38C407120}"/>
+              </a:ext>
+            </a:extLst>
+          </p:cNvPr>
+          <p:cNvPicPr>
+            <a:picLocks noChangeAspect="1"/>
+          </p:cNvPicPr>
+          <p:nvPr/>
+        </p:nvPicPr>
+        <p:blipFill>
+          <a:blip r:embed="rId16">
+            <a:extLst>
+              <a:ext uri="{96DAC541-7B7A-43D3-8B79-37D633B846F1}">
+                <asvg:svgBlip xmlns:asvg="http://schemas.microsoft.com/office/drawing/2016/SVG/main" r:embed="rId17"/>
+              </a:ext>
+            </a:extLst>
+          </a:blip>
+          <a:stretch>
+            <a:fillRect/>
+          </a:stretch>
+        </p:blipFill>
+        <p:spPr>
+          <a:xfrm>
+            <a:off x="720431" y="5127537"/>
+            <a:ext cx="514073" cy="514073"/>
+          </a:xfrm>
+          <a:prstGeom prst="rect">
+            <a:avLst/>
+          </a:prstGeom>
+        </p:spPr>
+      </p:pic>
+      <p:cxnSp>
+        <p:nvCxnSpPr>
+          <p:cNvPr id="90" name="Straight Arrow Connector 89">
+            <a:extLst>
+              <a:ext uri="{FF2B5EF4-FFF2-40B4-BE49-F238E27FC236}">
+                <a16:creationId xmlns:a16="http://schemas.microsoft.com/office/drawing/2014/main" id="{17ED9D2E-36AF-194D-A793-6A5B45626BB6}"/>
+              </a:ext>
+            </a:extLst>
+          </p:cNvPr>
+          <p:cNvCxnSpPr>
+            <a:cxnSpLocks/>
+          </p:cNvCxnSpPr>
+          <p:nvPr/>
+        </p:nvCxnSpPr>
+        <p:spPr>
+          <a:xfrm>
+            <a:off x="965395" y="4101334"/>
+            <a:ext cx="0" cy="781831"/>
+          </a:xfrm>
+          <a:prstGeom prst="straightConnector1">
+            <a:avLst/>
+          </a:prstGeom>
+          <a:ln w="12700">
+            <a:solidFill>
+              <a:srgbClr val="545B64"/>
+            </a:solidFill>
+            <a:headEnd type="arrow" w="med" len="sm"/>
+            <a:tailEnd type="none" w="med" len="sm"/>
+          </a:ln>
+        </p:spPr>
+        <p:style>
+          <a:lnRef idx="1">
+            <a:schemeClr val="accent1"/>
+          </a:lnRef>
+          <a:fillRef idx="0">
+            <a:schemeClr val="accent1"/>
+          </a:fillRef>
+          <a:effectRef idx="0">
+            <a:schemeClr val="accent1"/>
+          </a:effectRef>
+          <a:fontRef idx="minor">
+            <a:schemeClr val="tx1"/>
+          </a:fontRef>
+        </p:style>
+      </p:cxnSp>
+      <p:cxnSp>
+        <p:nvCxnSpPr>
+          <p:cNvPr id="93" name="Straight Arrow Connector 92">
+            <a:extLst>
+              <a:ext uri="{FF2B5EF4-FFF2-40B4-BE49-F238E27FC236}">
+                <a16:creationId xmlns:a16="http://schemas.microsoft.com/office/drawing/2014/main" id="{713E84EC-F9CB-5649-9BC2-A01B8CDFB302}"/>
+              </a:ext>
+            </a:extLst>
+          </p:cNvPr>
+          <p:cNvCxnSpPr>
+            <a:cxnSpLocks/>
+            <a:stCxn id="88" idx="2"/>
+            <a:endCxn id="85" idx="0"/>
+          </p:cNvCxnSpPr>
+          <p:nvPr/>
+        </p:nvCxnSpPr>
+        <p:spPr>
+          <a:xfrm flipH="1">
+            <a:off x="973620" y="5926371"/>
+            <a:ext cx="3846" cy="1323967"/>
+          </a:xfrm>
+          <a:prstGeom prst="straightConnector1">
+            <a:avLst/>
+          </a:prstGeom>
+          <a:ln w="12700">
+            <a:solidFill>
+              <a:srgbClr val="545B64"/>
+            </a:solidFill>
+            <a:headEnd type="arrow" w="med" len="sm"/>
+            <a:tailEnd type="none" w="med" len="sm"/>
+          </a:ln>
+        </p:spPr>
+        <p:style>
+          <a:lnRef idx="1">
+            <a:schemeClr val="accent1"/>
+          </a:lnRef>
+          <a:fillRef idx="0">
+            <a:schemeClr val="accent1"/>
+          </a:fillRef>
+          <a:effectRef idx="0">
+            <a:schemeClr val="accent1"/>
+          </a:effectRef>
+          <a:fontRef idx="minor">
+            <a:schemeClr val="tx1"/>
+          </a:fontRef>
+        </p:style>
+      </p:cxnSp>
+      <p:cxnSp>
+        <p:nvCxnSpPr>
+          <p:cNvPr id="96" name="Straight Arrow Connector 95">
+            <a:extLst>
+              <a:ext uri="{FF2B5EF4-FFF2-40B4-BE49-F238E27FC236}">
+                <a16:creationId xmlns:a16="http://schemas.microsoft.com/office/drawing/2014/main" id="{FE02D518-B8D7-8C43-A2C6-6F4C2B315C08}"/>
+              </a:ext>
+            </a:extLst>
+          </p:cNvPr>
+          <p:cNvCxnSpPr>
+            <a:cxnSpLocks/>
+          </p:cNvCxnSpPr>
+          <p:nvPr/>
+        </p:nvCxnSpPr>
+        <p:spPr>
+          <a:xfrm flipH="1">
+            <a:off x="450311" y="379083"/>
+            <a:ext cx="1259347" cy="0"/>
+          </a:xfrm>
+          <a:prstGeom prst="straightConnector1">
+            <a:avLst/>
+          </a:prstGeom>
+          <a:ln w="12700">
+            <a:solidFill>
+              <a:srgbClr val="545B64"/>
+            </a:solidFill>
+            <a:headEnd type="arrow" w="med" len="sm"/>
+            <a:tailEnd type="none" w="med" len="sm"/>
+          </a:ln>
+        </p:spPr>
+        <p:style>
+          <a:lnRef idx="1">
+            <a:schemeClr val="accent1"/>
+          </a:lnRef>
+          <a:fillRef idx="0">
+            <a:schemeClr val="accent1"/>
+          </a:fillRef>
+          <a:effectRef idx="0">
+            <a:schemeClr val="accent1"/>
+          </a:effectRef>
+          <a:fontRef idx="minor">
+            <a:schemeClr val="tx1"/>
+          </a:fontRef>
+        </p:style>
+      </p:cxnSp>
+      <p:sp>
+        <p:nvSpPr>
+          <p:cNvPr id="98" name="TextBox 97">
+            <a:extLst>
+              <a:ext uri="{FF2B5EF4-FFF2-40B4-BE49-F238E27FC236}">
+                <a16:creationId xmlns:a16="http://schemas.microsoft.com/office/drawing/2014/main" id="{63A34B0F-2D9C-5740-A407-F3F4E760A6D9}"/>
+              </a:ext>
+            </a:extLst>
+          </p:cNvPr>
+          <p:cNvSpPr txBox="1"/>
+          <p:nvPr/>
+        </p:nvSpPr>
+        <p:spPr>
+          <a:xfrm>
+            <a:off x="1831174" y="240583"/>
+            <a:ext cx="1072730" cy="276999"/>
+          </a:xfrm>
+          <a:prstGeom prst="rect">
+            <a:avLst/>
+          </a:prstGeom>
+          <a:noFill/>
+        </p:spPr>
+        <p:txBody>
+          <a:bodyPr wrap="none" rtlCol="0">
+            <a:spAutoFit/>
+          </a:bodyPr>
+          <a:lstStyle/>
+          <a:p>
+            <a:pPr algn="ctr"/>
+            <a:r>
+              <a:rPr lang="en-US" sz="1200" dirty="0">
+                <a:latin typeface="NanumGothic" panose="020D0604000000000000" pitchFamily="34" charset="-127"/>
+                <a:ea typeface="NanumGothic" panose="020D0604000000000000" pitchFamily="34" charset="-127"/>
+              </a:rPr>
+              <a:t>Flow of data</a:t>
+            </a:r>
+            <a:endParaRPr lang="en-KR" sz="1200" dirty="0">
+              <a:latin typeface="NanumGothic" panose="020D0604000000000000" pitchFamily="34" charset="-127"/>
+              <a:ea typeface="NanumGothic" panose="020D0604000000000000" pitchFamily="34" charset="-127"/>
+            </a:endParaRPr>
+          </a:p>
+        </p:txBody>
+      </p:sp>
+      <p:sp>
+        <p:nvSpPr>
+          <p:cNvPr id="99" name="TextBox 98">
+            <a:extLst>
+              <a:ext uri="{FF2B5EF4-FFF2-40B4-BE49-F238E27FC236}">
+                <a16:creationId xmlns:a16="http://schemas.microsoft.com/office/drawing/2014/main" id="{DF07018A-962E-E648-A5BF-13823448D43F}"/>
+              </a:ext>
+            </a:extLst>
+          </p:cNvPr>
+          <p:cNvSpPr txBox="1"/>
+          <p:nvPr/>
+        </p:nvSpPr>
+        <p:spPr>
+          <a:xfrm>
+            <a:off x="1675583" y="3476977"/>
+            <a:ext cx="1095172" cy="261610"/>
+          </a:xfrm>
+          <a:prstGeom prst="rect">
+            <a:avLst/>
+          </a:prstGeom>
+          <a:noFill/>
+        </p:spPr>
+        <p:txBody>
+          <a:bodyPr wrap="none" rtlCol="0">
+            <a:spAutoFit/>
+          </a:bodyPr>
+          <a:lstStyle/>
+          <a:p>
+            <a:pPr algn="ctr"/>
+            <a:r>
+              <a:rPr lang="ko-KR" altLang="en-US" sz="1100" dirty="0">
+                <a:latin typeface="NanumGothic" panose="020D0604000000000000" pitchFamily="34" charset="-127"/>
+                <a:ea typeface="NanumGothic" panose="020D0604000000000000" pitchFamily="34" charset="-127"/>
+              </a:rPr>
+              <a:t>작품 조회 로그</a:t>
+            </a:r>
+            <a:endParaRPr lang="en-KR" sz="1100" dirty="0">
+              <a:latin typeface="NanumGothic" panose="020D0604000000000000" pitchFamily="34" charset="-127"/>
+              <a:ea typeface="NanumGothic" panose="020D0604000000000000" pitchFamily="34" charset="-127"/>
+            </a:endParaRPr>
+          </a:p>
+        </p:txBody>
+      </p:sp>
+      <p:sp>
+        <p:nvSpPr>
+          <p:cNvPr id="100" name="TextBox 99">
+            <a:extLst>
+              <a:ext uri="{FF2B5EF4-FFF2-40B4-BE49-F238E27FC236}">
+                <a16:creationId xmlns:a16="http://schemas.microsoft.com/office/drawing/2014/main" id="{4EF02C76-2225-014E-8527-826944B401C0}"/>
+              </a:ext>
+            </a:extLst>
+          </p:cNvPr>
+          <p:cNvSpPr txBox="1"/>
+          <p:nvPr/>
+        </p:nvSpPr>
+        <p:spPr>
+          <a:xfrm>
+            <a:off x="5831675" y="4840320"/>
+            <a:ext cx="1348446" cy="600164"/>
+          </a:xfrm>
+          <a:prstGeom prst="rect">
+            <a:avLst/>
+          </a:prstGeom>
+          <a:noFill/>
+        </p:spPr>
+        <p:txBody>
+          <a:bodyPr wrap="none" rtlCol="0">
+            <a:spAutoFit/>
+          </a:bodyPr>
+          <a:lstStyle/>
+          <a:p>
+            <a:pPr algn="ctr"/>
+            <a:r>
+              <a:rPr lang="ko-KR" altLang="en-US" sz="1100" dirty="0">
+                <a:latin typeface="NanumGothic" panose="020D0604000000000000" pitchFamily="34" charset="-127"/>
+                <a:ea typeface="NanumGothic" panose="020D0604000000000000" pitchFamily="34" charset="-127"/>
+              </a:rPr>
+              <a:t>주기적으로</a:t>
+            </a:r>
+            <a:endParaRPr lang="en-US" altLang="ko-KR" sz="1100" dirty="0">
+              <a:latin typeface="NanumGothic" panose="020D0604000000000000" pitchFamily="34" charset="-127"/>
+              <a:ea typeface="NanumGothic" panose="020D0604000000000000" pitchFamily="34" charset="-127"/>
+            </a:endParaRPr>
+          </a:p>
+          <a:p>
+            <a:pPr algn="ctr"/>
+            <a:r>
+              <a:rPr lang="en-US" altLang="ko-KR" sz="1100" dirty="0">
+                <a:latin typeface="NanumGothic" panose="020D0604000000000000" pitchFamily="34" charset="-127"/>
+                <a:ea typeface="NanumGothic" panose="020D0604000000000000" pitchFamily="34" charset="-127"/>
+              </a:rPr>
+              <a:t>(</a:t>
+            </a:r>
+            <a:r>
+              <a:rPr lang="ko-KR" altLang="en-US" sz="1100" dirty="0">
+                <a:latin typeface="NanumGothic" panose="020D0604000000000000" pitchFamily="34" charset="-127"/>
+                <a:ea typeface="NanumGothic" panose="020D0604000000000000" pitchFamily="34" charset="-127"/>
+              </a:rPr>
+              <a:t>하루</a:t>
+            </a:r>
+            <a:r>
+              <a:rPr lang="en-US" altLang="ko-KR" sz="1100" dirty="0">
+                <a:latin typeface="NanumGothic" panose="020D0604000000000000" pitchFamily="34" charset="-127"/>
+                <a:ea typeface="NanumGothic" panose="020D0604000000000000" pitchFamily="34" charset="-127"/>
+              </a:rPr>
+              <a:t>? 1</a:t>
+            </a:r>
+            <a:r>
+              <a:rPr lang="ko-KR" altLang="en-US" sz="1100" dirty="0">
+                <a:latin typeface="NanumGothic" panose="020D0604000000000000" pitchFamily="34" charset="-127"/>
+                <a:ea typeface="NanumGothic" panose="020D0604000000000000" pitchFamily="34" charset="-127"/>
+              </a:rPr>
+              <a:t>주</a:t>
+            </a:r>
+            <a:r>
+              <a:rPr lang="en-US" altLang="ko-KR" sz="1100" dirty="0">
+                <a:latin typeface="NanumGothic" panose="020D0604000000000000" pitchFamily="34" charset="-127"/>
+                <a:ea typeface="NanumGothic" panose="020D0604000000000000" pitchFamily="34" charset="-127"/>
+              </a:rPr>
+              <a:t>? </a:t>
+            </a:r>
+            <a:r>
+              <a:rPr lang="ko-KR" altLang="en-US" sz="1100" dirty="0">
+                <a:latin typeface="NanumGothic" panose="020D0604000000000000" pitchFamily="34" charset="-127"/>
+                <a:ea typeface="NanumGothic" panose="020D0604000000000000" pitchFamily="34" charset="-127"/>
+              </a:rPr>
+              <a:t>한달</a:t>
+            </a:r>
+            <a:r>
+              <a:rPr lang="en-US" altLang="ko-KR" sz="1100" dirty="0">
+                <a:latin typeface="NanumGothic" panose="020D0604000000000000" pitchFamily="34" charset="-127"/>
+                <a:ea typeface="NanumGothic" panose="020D0604000000000000" pitchFamily="34" charset="-127"/>
+              </a:rPr>
+              <a:t>?)</a:t>
+            </a:r>
+          </a:p>
+          <a:p>
+            <a:pPr algn="ctr"/>
+            <a:r>
+              <a:rPr lang="en-US" altLang="ko-KR" sz="1100" dirty="0">
+                <a:latin typeface="NanumGothic" panose="020D0604000000000000" pitchFamily="34" charset="-127"/>
+                <a:ea typeface="NanumGothic" panose="020D0604000000000000" pitchFamily="34" charset="-127"/>
+              </a:rPr>
+              <a:t>Lambda</a:t>
+            </a:r>
+            <a:r>
+              <a:rPr lang="ko-KR" altLang="en-US" sz="1100" dirty="0">
+                <a:latin typeface="NanumGothic" panose="020D0604000000000000" pitchFamily="34" charset="-127"/>
+                <a:ea typeface="NanumGothic" panose="020D0604000000000000" pitchFamily="34" charset="-127"/>
+              </a:rPr>
+              <a:t> 실행</a:t>
+            </a:r>
+            <a:endParaRPr lang="en-US" altLang="ko-KR" sz="1100" dirty="0">
+              <a:latin typeface="NanumGothic" panose="020D0604000000000000" pitchFamily="34" charset="-127"/>
+              <a:ea typeface="NanumGothic" panose="020D0604000000000000" pitchFamily="34" charset="-127"/>
+            </a:endParaRPr>
+          </a:p>
+        </p:txBody>
+      </p:sp>
+      <p:sp>
+        <p:nvSpPr>
+          <p:cNvPr id="101" name="TextBox 100">
+            <a:extLst>
+              <a:ext uri="{FF2B5EF4-FFF2-40B4-BE49-F238E27FC236}">
+                <a16:creationId xmlns:a16="http://schemas.microsoft.com/office/drawing/2014/main" id="{41CBB57C-210B-3440-BF1D-EE42B3CA7854}"/>
+              </a:ext>
+            </a:extLst>
+          </p:cNvPr>
+          <p:cNvSpPr txBox="1"/>
+          <p:nvPr/>
+        </p:nvSpPr>
+        <p:spPr>
+          <a:xfrm>
+            <a:off x="5482826" y="3444762"/>
+            <a:ext cx="1095172" cy="261610"/>
+          </a:xfrm>
+          <a:prstGeom prst="rect">
+            <a:avLst/>
+          </a:prstGeom>
+          <a:noFill/>
+        </p:spPr>
+        <p:txBody>
+          <a:bodyPr wrap="none" rtlCol="0">
+            <a:spAutoFit/>
+          </a:bodyPr>
+          <a:lstStyle/>
+          <a:p>
+            <a:pPr algn="ctr"/>
+            <a:r>
+              <a:rPr lang="ko-KR" altLang="en-US" sz="1100" dirty="0">
+                <a:latin typeface="NanumGothic" panose="020D0604000000000000" pitchFamily="34" charset="-127"/>
+                <a:ea typeface="NanumGothic" panose="020D0604000000000000" pitchFamily="34" charset="-127"/>
+              </a:rPr>
+              <a:t>작품 조회 로그</a:t>
+            </a:r>
+            <a:endParaRPr lang="en-KR" sz="1100" dirty="0">
+              <a:latin typeface="NanumGothic" panose="020D0604000000000000" pitchFamily="34" charset="-127"/>
+              <a:ea typeface="NanumGothic" panose="020D0604000000000000" pitchFamily="34" charset="-127"/>
+            </a:endParaRPr>
+          </a:p>
+        </p:txBody>
+      </p:sp>
+      <p:sp>
+        <p:nvSpPr>
+          <p:cNvPr id="102" name="TextBox 101">
+            <a:extLst>
+              <a:ext uri="{FF2B5EF4-FFF2-40B4-BE49-F238E27FC236}">
+                <a16:creationId xmlns:a16="http://schemas.microsoft.com/office/drawing/2014/main" id="{36EC8EF6-C5F2-C94D-8402-37F1EBC34A1B}"/>
+              </a:ext>
+            </a:extLst>
+          </p:cNvPr>
+          <p:cNvSpPr txBox="1"/>
+          <p:nvPr/>
+        </p:nvSpPr>
+        <p:spPr>
+          <a:xfrm>
+            <a:off x="6942581" y="2245021"/>
+            <a:ext cx="2512226" cy="938719"/>
+          </a:xfrm>
+          <a:prstGeom prst="rect">
+            <a:avLst/>
+          </a:prstGeom>
+          <a:noFill/>
+        </p:spPr>
+        <p:txBody>
+          <a:bodyPr wrap="none" rtlCol="0">
+            <a:spAutoFit/>
+          </a:bodyPr>
+          <a:lstStyle/>
+          <a:p>
+            <a:pPr algn="ctr"/>
+            <a:r>
+              <a:rPr lang="en-US" sz="1100" dirty="0" err="1">
+                <a:latin typeface="NanumGothic" panose="020D0604000000000000" pitchFamily="34" charset="-127"/>
+                <a:ea typeface="NanumGothic" panose="020D0604000000000000" pitchFamily="34" charset="-127"/>
+              </a:rPr>
+              <a:t>주어진</a:t>
+            </a:r>
+            <a:r>
+              <a:rPr lang="en-US" sz="1100" dirty="0">
+                <a:latin typeface="NanumGothic" panose="020D0604000000000000" pitchFamily="34" charset="-127"/>
+                <a:ea typeface="NanumGothic" panose="020D0604000000000000" pitchFamily="34" charset="-127"/>
+              </a:rPr>
+              <a:t> </a:t>
+            </a:r>
+            <a:r>
+              <a:rPr lang="en-US" sz="1100" dirty="0" err="1">
+                <a:latin typeface="NanumGothic" panose="020D0604000000000000" pitchFamily="34" charset="-127"/>
+                <a:ea typeface="NanumGothic" panose="020D0604000000000000" pitchFamily="34" charset="-127"/>
+              </a:rPr>
+              <a:t>날짜</a:t>
+            </a:r>
+            <a:r>
+              <a:rPr lang="en-US" sz="1100" dirty="0">
+                <a:latin typeface="NanumGothic" panose="020D0604000000000000" pitchFamily="34" charset="-127"/>
+                <a:ea typeface="NanumGothic" panose="020D0604000000000000" pitchFamily="34" charset="-127"/>
+              </a:rPr>
+              <a:t> </a:t>
+            </a:r>
+            <a:r>
+              <a:rPr lang="en-US" sz="1100" dirty="0" err="1">
+                <a:latin typeface="NanumGothic" panose="020D0604000000000000" pitchFamily="34" charset="-127"/>
+                <a:ea typeface="NanumGothic" panose="020D0604000000000000" pitchFamily="34" charset="-127"/>
+              </a:rPr>
+              <a:t>범위</a:t>
+            </a:r>
+            <a:r>
+              <a:rPr lang="en-US" sz="1100" dirty="0">
+                <a:latin typeface="NanumGothic" panose="020D0604000000000000" pitchFamily="34" charset="-127"/>
+                <a:ea typeface="NanumGothic" panose="020D0604000000000000" pitchFamily="34" charset="-127"/>
+              </a:rPr>
+              <a:t> </a:t>
+            </a:r>
+            <a:r>
+              <a:rPr lang="en-US" sz="1100" dirty="0" err="1">
+                <a:latin typeface="NanumGothic" panose="020D0604000000000000" pitchFamily="34" charset="-127"/>
+                <a:ea typeface="NanumGothic" panose="020D0604000000000000" pitchFamily="34" charset="-127"/>
+              </a:rPr>
+              <a:t>해당하는</a:t>
+            </a:r>
+            <a:endParaRPr lang="en-US" sz="1100" dirty="0">
+              <a:latin typeface="NanumGothic" panose="020D0604000000000000" pitchFamily="34" charset="-127"/>
+              <a:ea typeface="NanumGothic" panose="020D0604000000000000" pitchFamily="34" charset="-127"/>
+            </a:endParaRPr>
+          </a:p>
+          <a:p>
+            <a:pPr algn="ctr"/>
+            <a:r>
+              <a:rPr lang="en-US" sz="1100" dirty="0" err="1">
+                <a:latin typeface="NanumGothic" panose="020D0604000000000000" pitchFamily="34" charset="-127"/>
+                <a:ea typeface="NanumGothic" panose="020D0604000000000000" pitchFamily="34" charset="-127"/>
+              </a:rPr>
+              <a:t>로그를</a:t>
+            </a:r>
+            <a:r>
+              <a:rPr lang="en-US" sz="1100" dirty="0">
+                <a:latin typeface="NanumGothic" panose="020D0604000000000000" pitchFamily="34" charset="-127"/>
+                <a:ea typeface="NanumGothic" panose="020D0604000000000000" pitchFamily="34" charset="-127"/>
+              </a:rPr>
+              <a:t> Log </a:t>
+            </a:r>
+            <a:r>
+              <a:rPr lang="en-US" sz="1100" dirty="0" err="1">
+                <a:latin typeface="NanumGothic" panose="020D0604000000000000" pitchFamily="34" charset="-127"/>
+                <a:ea typeface="NanumGothic" panose="020D0604000000000000" pitchFamily="34" charset="-127"/>
+              </a:rPr>
+              <a:t>databas에서</a:t>
+            </a:r>
+            <a:r>
+              <a:rPr lang="en-US" sz="1100" dirty="0">
+                <a:latin typeface="NanumGothic" panose="020D0604000000000000" pitchFamily="34" charset="-127"/>
+                <a:ea typeface="NanumGothic" panose="020D0604000000000000" pitchFamily="34" charset="-127"/>
+              </a:rPr>
+              <a:t> </a:t>
+            </a:r>
+            <a:r>
+              <a:rPr lang="en-US" sz="1100" dirty="0" err="1">
+                <a:latin typeface="NanumGothic" panose="020D0604000000000000" pitchFamily="34" charset="-127"/>
+                <a:ea typeface="NanumGothic" panose="020D0604000000000000" pitchFamily="34" charset="-127"/>
+              </a:rPr>
+              <a:t>읽어와</a:t>
+            </a:r>
+            <a:endParaRPr lang="en-US" sz="1100" dirty="0">
+              <a:latin typeface="NanumGothic" panose="020D0604000000000000" pitchFamily="34" charset="-127"/>
+              <a:ea typeface="NanumGothic" panose="020D0604000000000000" pitchFamily="34" charset="-127"/>
+            </a:endParaRPr>
+          </a:p>
+          <a:p>
+            <a:pPr algn="ctr"/>
+            <a:r>
+              <a:rPr lang="en-US" sz="1100" dirty="0">
+                <a:latin typeface="NanumGothic" panose="020D0604000000000000" pitchFamily="34" charset="-127"/>
+                <a:ea typeface="NanumGothic" panose="020D0604000000000000" pitchFamily="34" charset="-127"/>
+              </a:rPr>
+              <a:t>Amazon Personalize</a:t>
+            </a:r>
+            <a:r>
+              <a:rPr lang="ko-KR" altLang="en-US" sz="1100" dirty="0">
+                <a:latin typeface="NanumGothic" panose="020D0604000000000000" pitchFamily="34" charset="-127"/>
+                <a:ea typeface="NanumGothic" panose="020D0604000000000000" pitchFamily="34" charset="-127"/>
+              </a:rPr>
+              <a:t>에 맞는</a:t>
+            </a:r>
+            <a:r>
+              <a:rPr lang="en-US" altLang="ko-KR" sz="1100" dirty="0">
+                <a:latin typeface="NanumGothic" panose="020D0604000000000000" pitchFamily="34" charset="-127"/>
+                <a:ea typeface="NanumGothic" panose="020D0604000000000000" pitchFamily="34" charset="-127"/>
+              </a:rPr>
+              <a:t> </a:t>
+            </a:r>
+            <a:r>
+              <a:rPr lang="ko-KR" altLang="en-US" sz="1100" dirty="0">
+                <a:latin typeface="NanumGothic" panose="020D0604000000000000" pitchFamily="34" charset="-127"/>
+                <a:ea typeface="NanumGothic" panose="020D0604000000000000" pitchFamily="34" charset="-127"/>
+              </a:rPr>
+              <a:t>포맷으로</a:t>
+            </a:r>
+            <a:endParaRPr lang="en-US" altLang="ko-KR" sz="1100" dirty="0">
+              <a:latin typeface="NanumGothic" panose="020D0604000000000000" pitchFamily="34" charset="-127"/>
+              <a:ea typeface="NanumGothic" panose="020D0604000000000000" pitchFamily="34" charset="-127"/>
+            </a:endParaRPr>
+          </a:p>
+          <a:p>
+            <a:pPr algn="ctr"/>
+            <a:r>
+              <a:rPr lang="ko-KR" altLang="en-US" sz="1100" dirty="0" err="1">
+                <a:latin typeface="NanumGothic" panose="020D0604000000000000" pitchFamily="34" charset="-127"/>
+                <a:ea typeface="NanumGothic" panose="020D0604000000000000" pitchFamily="34" charset="-127"/>
+              </a:rPr>
+              <a:t>전처리한</a:t>
+            </a:r>
+            <a:r>
+              <a:rPr lang="ko-KR" altLang="en-US" sz="1100" dirty="0">
+                <a:latin typeface="NanumGothic" panose="020D0604000000000000" pitchFamily="34" charset="-127"/>
+                <a:ea typeface="NanumGothic" panose="020D0604000000000000" pitchFamily="34" charset="-127"/>
+              </a:rPr>
+              <a:t> 후</a:t>
+            </a:r>
+            <a:r>
+              <a:rPr lang="en-US" altLang="ko-KR" sz="1100" dirty="0">
+                <a:latin typeface="NanumGothic" panose="020D0604000000000000" pitchFamily="34" charset="-127"/>
+                <a:ea typeface="NanumGothic" panose="020D0604000000000000" pitchFamily="34" charset="-127"/>
+              </a:rPr>
+              <a:t> S3</a:t>
+            </a:r>
+            <a:r>
+              <a:rPr lang="ko-KR" altLang="en-US" sz="1100" dirty="0">
+                <a:latin typeface="NanumGothic" panose="020D0604000000000000" pitchFamily="34" charset="-127"/>
+                <a:ea typeface="NanumGothic" panose="020D0604000000000000" pitchFamily="34" charset="-127"/>
+              </a:rPr>
+              <a:t>에 저장</a:t>
+            </a:r>
+            <a:endParaRPr lang="en-US" altLang="ko-KR" sz="1100" dirty="0">
+              <a:latin typeface="NanumGothic" panose="020D0604000000000000" pitchFamily="34" charset="-127"/>
+              <a:ea typeface="NanumGothic" panose="020D0604000000000000" pitchFamily="34" charset="-127"/>
+            </a:endParaRPr>
+          </a:p>
+          <a:p>
+            <a:pPr algn="ctr"/>
+            <a:endParaRPr lang="en-KR" sz="1100" dirty="0">
+              <a:latin typeface="NanumGothic" panose="020D0604000000000000" pitchFamily="34" charset="-127"/>
+              <a:ea typeface="NanumGothic" panose="020D0604000000000000" pitchFamily="34" charset="-127"/>
+            </a:endParaRPr>
+          </a:p>
+        </p:txBody>
+      </p:sp>
+      <p:sp>
+        <p:nvSpPr>
+          <p:cNvPr id="108" name="TextBox 107">
+            <a:extLst>
+              <a:ext uri="{FF2B5EF4-FFF2-40B4-BE49-F238E27FC236}">
+                <a16:creationId xmlns:a16="http://schemas.microsoft.com/office/drawing/2014/main" id="{128C7E47-4DB0-9D41-BD37-FCA31753F5EC}"/>
+              </a:ext>
+            </a:extLst>
+          </p:cNvPr>
+          <p:cNvSpPr txBox="1"/>
+          <p:nvPr/>
+        </p:nvSpPr>
+        <p:spPr>
+          <a:xfrm>
+            <a:off x="8047930" y="4543558"/>
+            <a:ext cx="1691489" cy="261610"/>
+          </a:xfrm>
+          <a:prstGeom prst="rect">
+            <a:avLst/>
+          </a:prstGeom>
+          <a:noFill/>
+        </p:spPr>
+        <p:txBody>
+          <a:bodyPr wrap="none" rtlCol="0">
+            <a:spAutoFit/>
+          </a:bodyPr>
+          <a:lstStyle/>
+          <a:p>
+            <a:pPr algn="ctr"/>
+            <a:r>
+              <a:rPr lang="ko-KR" altLang="en-US" sz="1100" dirty="0" err="1">
+                <a:latin typeface="NanumGothic" panose="020D0604000000000000" pitchFamily="34" charset="-127"/>
+                <a:ea typeface="NanumGothic" panose="020D0604000000000000" pitchFamily="34" charset="-127"/>
+              </a:rPr>
+              <a:t>전처리한</a:t>
+            </a:r>
+            <a:r>
+              <a:rPr lang="ko-KR" altLang="en-US" sz="1100" dirty="0">
+                <a:latin typeface="NanumGothic" panose="020D0604000000000000" pitchFamily="34" charset="-127"/>
+                <a:ea typeface="NanumGothic" panose="020D0604000000000000" pitchFamily="34" charset="-127"/>
+              </a:rPr>
+              <a:t> 작품 조회 로그</a:t>
+            </a:r>
+            <a:endParaRPr lang="en-KR" sz="1100" dirty="0">
+              <a:latin typeface="NanumGothic" panose="020D0604000000000000" pitchFamily="34" charset="-127"/>
+              <a:ea typeface="NanumGothic" panose="020D0604000000000000" pitchFamily="34" charset="-127"/>
+            </a:endParaRPr>
+          </a:p>
+        </p:txBody>
+      </p:sp>
+      <p:sp>
+        <p:nvSpPr>
+          <p:cNvPr id="109" name="TextBox 108">
+            <a:extLst>
+              <a:ext uri="{FF2B5EF4-FFF2-40B4-BE49-F238E27FC236}">
+                <a16:creationId xmlns:a16="http://schemas.microsoft.com/office/drawing/2014/main" id="{2A4BE4DB-DC8E-5E47-A6AD-599BC65474D8}"/>
+              </a:ext>
+            </a:extLst>
+          </p:cNvPr>
+          <p:cNvSpPr txBox="1"/>
+          <p:nvPr/>
+        </p:nvSpPr>
+        <p:spPr>
+          <a:xfrm>
+            <a:off x="8235297" y="7094532"/>
+            <a:ext cx="1645002" cy="769441"/>
+          </a:xfrm>
+          <a:prstGeom prst="rect">
+            <a:avLst/>
+          </a:prstGeom>
+          <a:noFill/>
+        </p:spPr>
+        <p:txBody>
+          <a:bodyPr wrap="none" rtlCol="0">
+            <a:spAutoFit/>
+          </a:bodyPr>
+          <a:lstStyle/>
+          <a:p>
+            <a:pPr algn="ctr"/>
+            <a:r>
+              <a:rPr lang="en-US" sz="1100" dirty="0">
+                <a:latin typeface="NanumGothic" panose="020D0604000000000000" pitchFamily="34" charset="-127"/>
+                <a:ea typeface="NanumGothic" panose="020D0604000000000000" pitchFamily="34" charset="-127"/>
+              </a:rPr>
+              <a:t>S3</a:t>
+            </a:r>
+            <a:r>
+              <a:rPr lang="ko-KR" altLang="en-US" sz="1100" dirty="0">
+                <a:latin typeface="NanumGothic" panose="020D0604000000000000" pitchFamily="34" charset="-127"/>
+                <a:ea typeface="NanumGothic" panose="020D0604000000000000" pitchFamily="34" charset="-127"/>
+              </a:rPr>
+              <a:t>에 저장된 새로운</a:t>
+            </a:r>
+            <a:endParaRPr lang="en-US" altLang="ko-KR" sz="1100" dirty="0">
+              <a:latin typeface="NanumGothic" panose="020D0604000000000000" pitchFamily="34" charset="-127"/>
+              <a:ea typeface="NanumGothic" panose="020D0604000000000000" pitchFamily="34" charset="-127"/>
+            </a:endParaRPr>
+          </a:p>
+          <a:p>
+            <a:pPr algn="ctr"/>
+            <a:r>
+              <a:rPr lang="ko-KR" altLang="en-US" sz="1100" dirty="0">
+                <a:latin typeface="NanumGothic" panose="020D0604000000000000" pitchFamily="34" charset="-127"/>
+                <a:ea typeface="NanumGothic" panose="020D0604000000000000" pitchFamily="34" charset="-127"/>
+              </a:rPr>
+              <a:t>데이터를 바탕으로 학습</a:t>
+            </a:r>
+            <a:r>
+              <a:rPr lang="en-US" altLang="ko-KR" sz="1100" dirty="0">
+                <a:latin typeface="NanumGothic" panose="020D0604000000000000" pitchFamily="34" charset="-127"/>
+                <a:ea typeface="NanumGothic" panose="020D0604000000000000" pitchFamily="34" charset="-127"/>
+              </a:rPr>
+              <a:t>,</a:t>
+            </a:r>
+          </a:p>
+          <a:p>
+            <a:pPr algn="ctr"/>
+            <a:r>
+              <a:rPr lang="en-US" altLang="ko-KR" sz="1100" dirty="0" err="1">
+                <a:latin typeface="NanumGothic" panose="020D0604000000000000" pitchFamily="34" charset="-127"/>
+                <a:ea typeface="NanumGothic" panose="020D0604000000000000" pitchFamily="34" charset="-127"/>
+              </a:rPr>
+              <a:t>BatchInferenceJob</a:t>
+            </a:r>
+            <a:r>
+              <a:rPr lang="ko-KR" altLang="en-US" sz="1100" dirty="0" err="1">
+                <a:latin typeface="NanumGothic" panose="020D0604000000000000" pitchFamily="34" charset="-127"/>
+                <a:ea typeface="NanumGothic" panose="020D0604000000000000" pitchFamily="34" charset="-127"/>
+              </a:rPr>
+              <a:t>으로</a:t>
+            </a:r>
+            <a:endParaRPr lang="en-US" altLang="ko-KR" sz="1100" dirty="0">
+              <a:latin typeface="NanumGothic" panose="020D0604000000000000" pitchFamily="34" charset="-127"/>
+              <a:ea typeface="NanumGothic" panose="020D0604000000000000" pitchFamily="34" charset="-127"/>
+            </a:endParaRPr>
+          </a:p>
+          <a:p>
+            <a:pPr algn="ctr"/>
+            <a:r>
+              <a:rPr lang="en-US" altLang="ko-KR" sz="1100" dirty="0">
+                <a:latin typeface="NanumGothic" panose="020D0604000000000000" pitchFamily="34" charset="-127"/>
+                <a:ea typeface="NanumGothic" panose="020D0604000000000000" pitchFamily="34" charset="-127"/>
+              </a:rPr>
+              <a:t>S3</a:t>
+            </a:r>
+            <a:r>
+              <a:rPr lang="ko-KR" altLang="en-US" sz="1100" dirty="0">
+                <a:latin typeface="NanumGothic" panose="020D0604000000000000" pitchFamily="34" charset="-127"/>
+                <a:ea typeface="NanumGothic" panose="020D0604000000000000" pitchFamily="34" charset="-127"/>
+              </a:rPr>
+              <a:t>에 추천 데이터 저장</a:t>
+            </a:r>
+            <a:endParaRPr lang="en-US" altLang="ko-KR" sz="1100" dirty="0">
+              <a:latin typeface="NanumGothic" panose="020D0604000000000000" pitchFamily="34" charset="-127"/>
+              <a:ea typeface="NanumGothic" panose="020D0604000000000000" pitchFamily="34" charset="-127"/>
+            </a:endParaRPr>
+          </a:p>
+        </p:txBody>
+      </p:sp>
+      <p:sp>
+        <p:nvSpPr>
+          <p:cNvPr id="110" name="TextBox 109">
+            <a:extLst>
+              <a:ext uri="{FF2B5EF4-FFF2-40B4-BE49-F238E27FC236}">
+                <a16:creationId xmlns:a16="http://schemas.microsoft.com/office/drawing/2014/main" id="{344FDB63-979A-4844-87A8-3E08ABC9AD55}"/>
+              </a:ext>
+            </a:extLst>
+          </p:cNvPr>
+          <p:cNvSpPr txBox="1"/>
+          <p:nvPr/>
+        </p:nvSpPr>
+        <p:spPr>
+          <a:xfrm>
+            <a:off x="8047929" y="6669494"/>
+            <a:ext cx="1691489" cy="261610"/>
+          </a:xfrm>
+          <a:prstGeom prst="rect">
+            <a:avLst/>
+          </a:prstGeom>
+          <a:noFill/>
+        </p:spPr>
+        <p:txBody>
+          <a:bodyPr wrap="none" rtlCol="0">
+            <a:spAutoFit/>
+          </a:bodyPr>
+          <a:lstStyle/>
+          <a:p>
+            <a:pPr algn="ctr"/>
+            <a:r>
+              <a:rPr lang="ko-KR" altLang="en-US" sz="1100" dirty="0" err="1">
+                <a:latin typeface="NanumGothic" panose="020D0604000000000000" pitchFamily="34" charset="-127"/>
+                <a:ea typeface="NanumGothic" panose="020D0604000000000000" pitchFamily="34" charset="-127"/>
+              </a:rPr>
+              <a:t>전처리한</a:t>
+            </a:r>
+            <a:r>
+              <a:rPr lang="ko-KR" altLang="en-US" sz="1100" dirty="0">
+                <a:latin typeface="NanumGothic" panose="020D0604000000000000" pitchFamily="34" charset="-127"/>
+                <a:ea typeface="NanumGothic" panose="020D0604000000000000" pitchFamily="34" charset="-127"/>
+              </a:rPr>
+              <a:t> 작품 조회 로그</a:t>
+            </a:r>
+            <a:endParaRPr lang="en-KR" sz="1100" dirty="0">
+              <a:latin typeface="NanumGothic" panose="020D0604000000000000" pitchFamily="34" charset="-127"/>
+              <a:ea typeface="NanumGothic" panose="020D0604000000000000" pitchFamily="34" charset="-127"/>
+            </a:endParaRPr>
+          </a:p>
+        </p:txBody>
+      </p:sp>
+      <p:sp>
+        <p:nvSpPr>
+          <p:cNvPr id="111" name="TextBox 110">
+            <a:extLst>
+              <a:ext uri="{FF2B5EF4-FFF2-40B4-BE49-F238E27FC236}">
+                <a16:creationId xmlns:a16="http://schemas.microsoft.com/office/drawing/2014/main" id="{FEE88F63-3532-F64E-8E26-68AD63D17DB4}"/>
+              </a:ext>
+            </a:extLst>
+          </p:cNvPr>
+          <p:cNvSpPr txBox="1"/>
+          <p:nvPr/>
+        </p:nvSpPr>
+        <p:spPr>
+          <a:xfrm>
+            <a:off x="2834883" y="6781656"/>
+            <a:ext cx="1901482" cy="600164"/>
+          </a:xfrm>
+          <a:prstGeom prst="rect">
+            <a:avLst/>
+          </a:prstGeom>
+          <a:noFill/>
+        </p:spPr>
+        <p:txBody>
+          <a:bodyPr wrap="none" rtlCol="0">
+            <a:spAutoFit/>
+          </a:bodyPr>
+          <a:lstStyle/>
+          <a:p>
+            <a:pPr algn="ctr"/>
+            <a:r>
+              <a:rPr lang="ko-KR" altLang="en-US" sz="1100" dirty="0">
+                <a:latin typeface="NanumGothic" panose="020D0604000000000000" pitchFamily="34" charset="-127"/>
+                <a:ea typeface="NanumGothic" panose="020D0604000000000000" pitchFamily="34" charset="-127"/>
+              </a:rPr>
+              <a:t>작품 추천 데이터가 생성되면</a:t>
+            </a:r>
+            <a:endParaRPr lang="en-US" altLang="ko-KR" sz="1100" dirty="0">
+              <a:latin typeface="NanumGothic" panose="020D0604000000000000" pitchFamily="34" charset="-127"/>
+              <a:ea typeface="NanumGothic" panose="020D0604000000000000" pitchFamily="34" charset="-127"/>
+            </a:endParaRPr>
+          </a:p>
+          <a:p>
+            <a:pPr algn="ctr"/>
+            <a:r>
+              <a:rPr lang="en-US" altLang="ko-KR" sz="1100" dirty="0">
+                <a:latin typeface="NanumGothic" panose="020D0604000000000000" pitchFamily="34" charset="-127"/>
+                <a:ea typeface="NanumGothic" panose="020D0604000000000000" pitchFamily="34" charset="-127"/>
+              </a:rPr>
+              <a:t>DynamoDB</a:t>
+            </a:r>
+            <a:r>
+              <a:rPr lang="ko-KR" altLang="en-US" sz="1100" dirty="0">
+                <a:latin typeface="NanumGothic" panose="020D0604000000000000" pitchFamily="34" charset="-127"/>
+                <a:ea typeface="NanumGothic" panose="020D0604000000000000" pitchFamily="34" charset="-127"/>
+              </a:rPr>
+              <a:t>에 저장</a:t>
+            </a:r>
+            <a:endParaRPr lang="en-US" altLang="ko-KR" sz="1100" dirty="0">
+              <a:latin typeface="NanumGothic" panose="020D0604000000000000" pitchFamily="34" charset="-127"/>
+              <a:ea typeface="NanumGothic" panose="020D0604000000000000" pitchFamily="34" charset="-127"/>
+            </a:endParaRPr>
+          </a:p>
+          <a:p>
+            <a:pPr algn="ctr"/>
+            <a:endParaRPr lang="en-KR" sz="1100" dirty="0">
+              <a:latin typeface="NanumGothic" panose="020D0604000000000000" pitchFamily="34" charset="-127"/>
+              <a:ea typeface="NanumGothic" panose="020D0604000000000000" pitchFamily="34" charset="-127"/>
+            </a:endParaRPr>
+          </a:p>
+        </p:txBody>
+      </p:sp>
+      <p:sp>
+        <p:nvSpPr>
+          <p:cNvPr id="112" name="TextBox 111">
+            <a:extLst>
+              <a:ext uri="{FF2B5EF4-FFF2-40B4-BE49-F238E27FC236}">
+                <a16:creationId xmlns:a16="http://schemas.microsoft.com/office/drawing/2014/main" id="{CA45F662-D885-A947-ABBB-E279261C8D6A}"/>
+              </a:ext>
+            </a:extLst>
+          </p:cNvPr>
+          <p:cNvSpPr txBox="1"/>
+          <p:nvPr/>
+        </p:nvSpPr>
+        <p:spPr>
+          <a:xfrm>
+            <a:off x="4315487" y="7520131"/>
+            <a:ext cx="1236236" cy="261610"/>
+          </a:xfrm>
+          <a:prstGeom prst="rect">
+            <a:avLst/>
+          </a:prstGeom>
+          <a:noFill/>
+        </p:spPr>
+        <p:txBody>
+          <a:bodyPr wrap="none" rtlCol="0">
+            <a:spAutoFit/>
+          </a:bodyPr>
+          <a:lstStyle/>
+          <a:p>
+            <a:pPr algn="ctr"/>
+            <a:r>
+              <a:rPr lang="ko-KR" altLang="en-US" sz="1100" dirty="0">
+                <a:latin typeface="NanumGothic" panose="020D0604000000000000" pitchFamily="34" charset="-127"/>
+                <a:ea typeface="NanumGothic" panose="020D0604000000000000" pitchFamily="34" charset="-127"/>
+              </a:rPr>
+              <a:t>작품 추천 데이터</a:t>
+            </a:r>
+            <a:endParaRPr lang="en-KR" sz="1100" dirty="0">
+              <a:latin typeface="NanumGothic" panose="020D0604000000000000" pitchFamily="34" charset="-127"/>
+              <a:ea typeface="NanumGothic" panose="020D0604000000000000" pitchFamily="34" charset="-127"/>
+            </a:endParaRPr>
+          </a:p>
+        </p:txBody>
+      </p:sp>
+      <p:sp>
+        <p:nvSpPr>
+          <p:cNvPr id="113" name="TextBox 112">
+            <a:extLst>
+              <a:ext uri="{FF2B5EF4-FFF2-40B4-BE49-F238E27FC236}">
+                <a16:creationId xmlns:a16="http://schemas.microsoft.com/office/drawing/2014/main" id="{FA1F0351-D9BE-644E-AC42-5434ED936F44}"/>
+              </a:ext>
+            </a:extLst>
+          </p:cNvPr>
+          <p:cNvSpPr txBox="1"/>
+          <p:nvPr/>
+        </p:nvSpPr>
+        <p:spPr>
+          <a:xfrm>
+            <a:off x="1981666" y="7598907"/>
+            <a:ext cx="1236236" cy="261610"/>
+          </a:xfrm>
+          <a:prstGeom prst="rect">
+            <a:avLst/>
+          </a:prstGeom>
+          <a:noFill/>
+        </p:spPr>
+        <p:txBody>
+          <a:bodyPr wrap="none" rtlCol="0">
+            <a:spAutoFit/>
+          </a:bodyPr>
+          <a:lstStyle/>
+          <a:p>
+            <a:pPr algn="ctr"/>
+            <a:r>
+              <a:rPr lang="ko-KR" altLang="en-US" sz="1100" dirty="0">
+                <a:latin typeface="NanumGothic" panose="020D0604000000000000" pitchFamily="34" charset="-127"/>
+                <a:ea typeface="NanumGothic" panose="020D0604000000000000" pitchFamily="34" charset="-127"/>
+              </a:rPr>
+              <a:t>작품 추천 데이터</a:t>
+            </a:r>
+            <a:endParaRPr lang="en-KR" sz="1100" dirty="0">
+              <a:latin typeface="NanumGothic" panose="020D0604000000000000" pitchFamily="34" charset="-127"/>
+              <a:ea typeface="NanumGothic" panose="020D0604000000000000" pitchFamily="34" charset="-127"/>
+            </a:endParaRPr>
+          </a:p>
+        </p:txBody>
+      </p:sp>
+      <p:sp>
+        <p:nvSpPr>
+          <p:cNvPr id="114" name="TextBox 113">
+            <a:extLst>
+              <a:ext uri="{FF2B5EF4-FFF2-40B4-BE49-F238E27FC236}">
+                <a16:creationId xmlns:a16="http://schemas.microsoft.com/office/drawing/2014/main" id="{D4D03696-0554-4F46-B78A-3988AAAD691F}"/>
+              </a:ext>
+            </a:extLst>
+          </p:cNvPr>
+          <p:cNvSpPr txBox="1"/>
+          <p:nvPr/>
+        </p:nvSpPr>
+        <p:spPr>
+          <a:xfrm>
+            <a:off x="1028889" y="6488729"/>
+            <a:ext cx="1236236" cy="261610"/>
+          </a:xfrm>
+          <a:prstGeom prst="rect">
+            <a:avLst/>
+          </a:prstGeom>
+          <a:noFill/>
+        </p:spPr>
+        <p:txBody>
+          <a:bodyPr wrap="none" rtlCol="0">
+            <a:spAutoFit/>
+          </a:bodyPr>
+          <a:lstStyle/>
+          <a:p>
+            <a:pPr algn="ctr"/>
+            <a:r>
+              <a:rPr lang="ko-KR" altLang="en-US" sz="1100" dirty="0">
+                <a:latin typeface="NanumGothic" panose="020D0604000000000000" pitchFamily="34" charset="-127"/>
+                <a:ea typeface="NanumGothic" panose="020D0604000000000000" pitchFamily="34" charset="-127"/>
+              </a:rPr>
+              <a:t>작품 추천 데이터</a:t>
+            </a:r>
+            <a:endParaRPr lang="en-KR" sz="1100" dirty="0">
+              <a:latin typeface="NanumGothic" panose="020D0604000000000000" pitchFamily="34" charset="-127"/>
+              <a:ea typeface="NanumGothic" panose="020D0604000000000000" pitchFamily="34" charset="-127"/>
+            </a:endParaRPr>
+          </a:p>
+        </p:txBody>
+      </p:sp>
+      <p:sp>
+        <p:nvSpPr>
+          <p:cNvPr id="115" name="TextBox 114">
+            <a:extLst>
+              <a:ext uri="{FF2B5EF4-FFF2-40B4-BE49-F238E27FC236}">
+                <a16:creationId xmlns:a16="http://schemas.microsoft.com/office/drawing/2014/main" id="{F96FFA1F-E061-DE47-97BC-4D9367EFE1A9}"/>
+              </a:ext>
+            </a:extLst>
+          </p:cNvPr>
+          <p:cNvSpPr txBox="1"/>
+          <p:nvPr/>
+        </p:nvSpPr>
+        <p:spPr>
+          <a:xfrm>
+            <a:off x="1121676" y="4314533"/>
+            <a:ext cx="1973617" cy="430887"/>
+          </a:xfrm>
+          <a:prstGeom prst="rect">
+            <a:avLst/>
+          </a:prstGeom>
+          <a:noFill/>
+        </p:spPr>
+        <p:txBody>
+          <a:bodyPr wrap="none" rtlCol="0">
+            <a:spAutoFit/>
+          </a:bodyPr>
+          <a:lstStyle/>
+          <a:p>
+            <a:pPr algn="ctr"/>
+            <a:r>
+              <a:rPr lang="en-KR" sz="1100" dirty="0">
+                <a:latin typeface="NanumGothic" panose="020D0604000000000000" pitchFamily="34" charset="-127"/>
+                <a:ea typeface="NanumGothic" panose="020D0604000000000000" pitchFamily="34" charset="-127"/>
+              </a:rPr>
+              <a:t>사용자가 조회한 작품에 따라</a:t>
+            </a:r>
+          </a:p>
+          <a:p>
+            <a:pPr algn="ctr"/>
+            <a:r>
+              <a:rPr lang="en-KR" sz="1100" dirty="0">
+                <a:latin typeface="NanumGothic" panose="020D0604000000000000" pitchFamily="34" charset="-127"/>
+                <a:ea typeface="NanumGothic" panose="020D0604000000000000" pitchFamily="34" charset="-127"/>
+              </a:rPr>
+              <a:t>추천 데이터 제공</a:t>
+            </a:r>
+          </a:p>
+        </p:txBody>
+      </p:sp>
+      <p:sp>
+        <p:nvSpPr>
+          <p:cNvPr id="121" name="TextBox 120">
+            <a:extLst>
+              <a:ext uri="{FF2B5EF4-FFF2-40B4-BE49-F238E27FC236}">
+                <a16:creationId xmlns:a16="http://schemas.microsoft.com/office/drawing/2014/main" id="{E7833E46-9187-6743-A578-E7FD23A10545}"/>
+              </a:ext>
+            </a:extLst>
+          </p:cNvPr>
+          <p:cNvSpPr txBox="1"/>
+          <p:nvPr/>
+        </p:nvSpPr>
+        <p:spPr>
+          <a:xfrm>
+            <a:off x="708346" y="433015"/>
+            <a:ext cx="821059" cy="246221"/>
+          </a:xfrm>
+          <a:prstGeom prst="rect">
+            <a:avLst/>
+          </a:prstGeom>
+          <a:noFill/>
+        </p:spPr>
+        <p:txBody>
+          <a:bodyPr wrap="none" rtlCol="0">
+            <a:spAutoFit/>
+          </a:bodyPr>
+          <a:lstStyle/>
+          <a:p>
+            <a:pPr algn="ctr"/>
+            <a:r>
+              <a:rPr lang="en-US" sz="1000" dirty="0" err="1">
+                <a:latin typeface="NanumGothic" panose="020D0604000000000000" pitchFamily="34" charset="-127"/>
+                <a:ea typeface="NanumGothic" panose="020D0604000000000000" pitchFamily="34" charset="-127"/>
+              </a:rPr>
+              <a:t>데이터</a:t>
+            </a:r>
+            <a:r>
+              <a:rPr lang="en-US" sz="1000" dirty="0">
+                <a:latin typeface="NanumGothic" panose="020D0604000000000000" pitchFamily="34" charset="-127"/>
+                <a:ea typeface="NanumGothic" panose="020D0604000000000000" pitchFamily="34" charset="-127"/>
+              </a:rPr>
+              <a:t> </a:t>
+            </a:r>
+            <a:r>
+              <a:rPr lang="en-US" sz="1000" dirty="0" err="1">
+                <a:latin typeface="NanumGothic" panose="020D0604000000000000" pitchFamily="34" charset="-127"/>
+                <a:ea typeface="NanumGothic" panose="020D0604000000000000" pitchFamily="34" charset="-127"/>
+              </a:rPr>
+              <a:t>종류</a:t>
+            </a:r>
+            <a:endParaRPr lang="en-KR" sz="1000" dirty="0">
+              <a:latin typeface="NanumGothic" panose="020D0604000000000000" pitchFamily="34" charset="-127"/>
+              <a:ea typeface="NanumGothic" panose="020D0604000000000000" pitchFamily="34" charset="-127"/>
+            </a:endParaRPr>
+          </a:p>
+        </p:txBody>
+      </p:sp>
+      <p:sp>
+        <p:nvSpPr>
+          <p:cNvPr id="122" name="TextBox 121">
+            <a:extLst>
+              <a:ext uri="{FF2B5EF4-FFF2-40B4-BE49-F238E27FC236}">
+                <a16:creationId xmlns:a16="http://schemas.microsoft.com/office/drawing/2014/main" id="{ED9DB688-86EF-5A45-B5BE-F8284EBF7AC0}"/>
+              </a:ext>
+            </a:extLst>
+          </p:cNvPr>
+          <p:cNvSpPr txBox="1"/>
+          <p:nvPr/>
+        </p:nvSpPr>
+        <p:spPr>
+          <a:xfrm>
+            <a:off x="10103407" y="5759593"/>
+            <a:ext cx="1481474" cy="230832"/>
+          </a:xfrm>
+          <a:prstGeom prst="rect">
+            <a:avLst/>
+          </a:prstGeom>
+          <a:noFill/>
+        </p:spPr>
+        <p:txBody>
+          <a:bodyPr wrap="square" rtlCol="0">
+            <a:spAutoFit/>
+          </a:bodyPr>
+          <a:lstStyle/>
+          <a:p>
+            <a:pPr algn="ctr"/>
+            <a:r>
+              <a:rPr lang="en-US" sz="900" dirty="0">
+                <a:latin typeface="NanumGothic" panose="020D0604000000000000" pitchFamily="34" charset="-127"/>
+                <a:ea typeface="NanumGothic" panose="020D0604000000000000" pitchFamily="34" charset="-127"/>
+              </a:rPr>
+              <a:t>Amazon Pinpoint</a:t>
+            </a:r>
+          </a:p>
+        </p:txBody>
+      </p:sp>
+      <p:pic>
+        <p:nvPicPr>
+          <p:cNvPr id="123" name="Graphic 122">
+            <a:extLst>
+              <a:ext uri="{FF2B5EF4-FFF2-40B4-BE49-F238E27FC236}">
+                <a16:creationId xmlns:a16="http://schemas.microsoft.com/office/drawing/2014/main" id="{FEEB12EA-F569-CE48-823A-54AF744DC6FB}"/>
+              </a:ext>
+            </a:extLst>
+          </p:cNvPr>
+          <p:cNvPicPr>
+            <a:picLocks noChangeAspect="1"/>
+          </p:cNvPicPr>
+          <p:nvPr/>
+        </p:nvPicPr>
+        <p:blipFill>
+          <a:blip r:embed="rId18">
+            <a:extLst>
+              <a:ext uri="{96DAC541-7B7A-43D3-8B79-37D633B846F1}">
+                <asvg:svgBlip xmlns:asvg="http://schemas.microsoft.com/office/drawing/2016/SVG/main" r:embed="rId19"/>
+              </a:ext>
+            </a:extLst>
+          </a:blip>
+          <a:stretch>
+            <a:fillRect/>
+          </a:stretch>
+        </p:blipFill>
+        <p:spPr>
+          <a:xfrm>
+            <a:off x="10600533" y="5228761"/>
+            <a:ext cx="469900" cy="469900"/>
+          </a:xfrm>
+          <a:prstGeom prst="rect">
+            <a:avLst/>
+          </a:prstGeom>
+        </p:spPr>
+      </p:pic>
+      <p:cxnSp>
+        <p:nvCxnSpPr>
+          <p:cNvPr id="124" name="Straight Arrow Connector 123">
+            <a:extLst>
+              <a:ext uri="{FF2B5EF4-FFF2-40B4-BE49-F238E27FC236}">
+                <a16:creationId xmlns:a16="http://schemas.microsoft.com/office/drawing/2014/main" id="{DB0EE448-FDD0-5A4D-B71B-D58EC339C3B3}"/>
+              </a:ext>
+            </a:extLst>
+          </p:cNvPr>
+          <p:cNvCxnSpPr>
+            <a:cxnSpLocks/>
+            <a:stCxn id="123" idx="1"/>
+            <a:endCxn id="61" idx="3"/>
+          </p:cNvCxnSpPr>
+          <p:nvPr/>
+        </p:nvCxnSpPr>
+        <p:spPr>
+          <a:xfrm flipH="1" flipV="1">
+            <a:off x="8205340" y="5459678"/>
+            <a:ext cx="2395195" cy="4035"/>
+          </a:xfrm>
+          <a:prstGeom prst="straightConnector1">
+            <a:avLst/>
+          </a:prstGeom>
+          <a:ln w="12700">
+            <a:solidFill>
+              <a:srgbClr val="545B64"/>
+            </a:solidFill>
+            <a:headEnd type="arrow" w="med" len="sm"/>
+            <a:tailEnd type="none" w="med" len="sm"/>
+          </a:ln>
+        </p:spPr>
+        <p:style>
+          <a:lnRef idx="1">
+            <a:schemeClr val="accent1"/>
+          </a:lnRef>
+          <a:fillRef idx="0">
+            <a:schemeClr val="accent1"/>
+          </a:fillRef>
+          <a:effectRef idx="0">
+            <a:schemeClr val="accent1"/>
+          </a:effectRef>
+          <a:fontRef idx="minor">
+            <a:schemeClr val="tx1"/>
+          </a:fontRef>
+        </p:style>
+      </p:cxnSp>
+      <p:sp>
+        <p:nvSpPr>
+          <p:cNvPr id="125" name="TextBox 124">
+            <a:extLst>
+              <a:ext uri="{FF2B5EF4-FFF2-40B4-BE49-F238E27FC236}">
+                <a16:creationId xmlns:a16="http://schemas.microsoft.com/office/drawing/2014/main" id="{F9281996-1567-904E-9E53-EEFE58BD5E0B}"/>
+              </a:ext>
+            </a:extLst>
+          </p:cNvPr>
+          <p:cNvSpPr txBox="1"/>
+          <p:nvPr/>
+        </p:nvSpPr>
+        <p:spPr>
+          <a:xfrm>
+            <a:off x="8560934" y="5180459"/>
+            <a:ext cx="1691489" cy="261610"/>
+          </a:xfrm>
+          <a:prstGeom prst="rect">
+            <a:avLst/>
+          </a:prstGeom>
+          <a:noFill/>
+        </p:spPr>
+        <p:txBody>
+          <a:bodyPr wrap="none" rtlCol="0">
+            <a:spAutoFit/>
+          </a:bodyPr>
+          <a:lstStyle/>
+          <a:p>
+            <a:pPr algn="ctr"/>
+            <a:r>
+              <a:rPr lang="ko-KR" altLang="en-US" sz="1100" dirty="0" err="1">
+                <a:latin typeface="NanumGothic" panose="020D0604000000000000" pitchFamily="34" charset="-127"/>
+                <a:ea typeface="NanumGothic" panose="020D0604000000000000" pitchFamily="34" charset="-127"/>
+              </a:rPr>
+              <a:t>전처리한</a:t>
+            </a:r>
+            <a:r>
+              <a:rPr lang="ko-KR" altLang="en-US" sz="1100" dirty="0">
+                <a:latin typeface="NanumGothic" panose="020D0604000000000000" pitchFamily="34" charset="-127"/>
+                <a:ea typeface="NanumGothic" panose="020D0604000000000000" pitchFamily="34" charset="-127"/>
+              </a:rPr>
+              <a:t> 작품 조회 로그</a:t>
+            </a:r>
+            <a:endParaRPr lang="en-KR" sz="1100" dirty="0">
+              <a:latin typeface="NanumGothic" panose="020D0604000000000000" pitchFamily="34" charset="-127"/>
+              <a:ea typeface="NanumGothic" panose="020D0604000000000000" pitchFamily="34" charset="-127"/>
+            </a:endParaRPr>
+          </a:p>
+        </p:txBody>
+      </p:sp>
+      <p:cxnSp>
+        <p:nvCxnSpPr>
+          <p:cNvPr id="128" name="Elbow Connector 127">
+            <a:extLst>
+              <a:ext uri="{FF2B5EF4-FFF2-40B4-BE49-F238E27FC236}">
+                <a16:creationId xmlns:a16="http://schemas.microsoft.com/office/drawing/2014/main" id="{1DF1F699-3690-B54C-9665-6D36B9D1CB4D}"/>
+              </a:ext>
+            </a:extLst>
+          </p:cNvPr>
+          <p:cNvCxnSpPr>
+            <a:cxnSpLocks/>
+            <a:stCxn id="122" idx="2"/>
+            <a:endCxn id="81" idx="2"/>
+          </p:cNvCxnSpPr>
+          <p:nvPr/>
+        </p:nvCxnSpPr>
+        <p:spPr>
+          <a:xfrm rot="5400000">
+            <a:off x="6281227" y="3470658"/>
+            <a:ext cx="2043150" cy="7082685"/>
+          </a:xfrm>
+          <a:prstGeom prst="bentConnector3">
+            <a:avLst>
+              <a:gd name="adj1" fmla="val 111189"/>
+            </a:avLst>
+          </a:prstGeom>
+          <a:ln w="12700">
+            <a:solidFill>
+              <a:srgbClr val="545B64"/>
+            </a:solidFill>
+            <a:headEnd type="arrow" w="med" len="sm"/>
+            <a:tailEnd type="none" w="med" len="sm"/>
+          </a:ln>
+        </p:spPr>
+        <p:style>
+          <a:lnRef idx="1">
+            <a:schemeClr val="accent1"/>
+          </a:lnRef>
+          <a:fillRef idx="0">
+            <a:schemeClr val="accent1"/>
+          </a:fillRef>
+          <a:effectRef idx="0">
+            <a:schemeClr val="accent1"/>
+          </a:effectRef>
+          <a:fontRef idx="minor">
+            <a:schemeClr val="tx1"/>
+          </a:fontRef>
+        </p:style>
+      </p:cxnSp>
+      <p:sp>
+        <p:nvSpPr>
+          <p:cNvPr id="132" name="TextBox 131">
+            <a:extLst>
+              <a:ext uri="{FF2B5EF4-FFF2-40B4-BE49-F238E27FC236}">
+                <a16:creationId xmlns:a16="http://schemas.microsoft.com/office/drawing/2014/main" id="{5432DA5B-B984-0A40-AEF9-275F7854F7C4}"/>
+              </a:ext>
+            </a:extLst>
+          </p:cNvPr>
+          <p:cNvSpPr txBox="1"/>
+          <p:nvPr/>
+        </p:nvSpPr>
+        <p:spPr>
+          <a:xfrm>
+            <a:off x="10909065" y="6800299"/>
+            <a:ext cx="1236236" cy="261610"/>
+          </a:xfrm>
+          <a:prstGeom prst="rect">
+            <a:avLst/>
+          </a:prstGeom>
+          <a:noFill/>
+        </p:spPr>
+        <p:txBody>
+          <a:bodyPr wrap="none" rtlCol="0">
+            <a:spAutoFit/>
+          </a:bodyPr>
+          <a:lstStyle/>
+          <a:p>
+            <a:pPr algn="ctr"/>
+            <a:r>
+              <a:rPr lang="ko-KR" altLang="en-US" sz="1100" dirty="0">
+                <a:latin typeface="NanumGothic" panose="020D0604000000000000" pitchFamily="34" charset="-127"/>
+                <a:ea typeface="NanumGothic" panose="020D0604000000000000" pitchFamily="34" charset="-127"/>
+              </a:rPr>
+              <a:t>작품 추천 데이터</a:t>
+            </a:r>
+            <a:endParaRPr lang="en-KR" sz="1100" dirty="0">
+              <a:latin typeface="NanumGothic" panose="020D0604000000000000" pitchFamily="34" charset="-127"/>
+              <a:ea typeface="NanumGothic" panose="020D0604000000000000" pitchFamily="34" charset="-127"/>
+            </a:endParaRPr>
+          </a:p>
+        </p:txBody>
+      </p:sp>
+      <p:cxnSp>
+        <p:nvCxnSpPr>
+          <p:cNvPr id="133" name="Elbow Connector 132">
+            <a:extLst>
+              <a:ext uri="{FF2B5EF4-FFF2-40B4-BE49-F238E27FC236}">
+                <a16:creationId xmlns:a16="http://schemas.microsoft.com/office/drawing/2014/main" id="{2210A48A-D0D5-AC4B-BC03-08FB7CD91664}"/>
+              </a:ext>
+            </a:extLst>
+          </p:cNvPr>
+          <p:cNvCxnSpPr>
+            <a:cxnSpLocks/>
+            <a:stCxn id="41" idx="0"/>
+            <a:endCxn id="123" idx="0"/>
+          </p:cNvCxnSpPr>
+          <p:nvPr/>
+        </p:nvCxnSpPr>
+        <p:spPr>
+          <a:xfrm rot="16200000" flipH="1">
+            <a:off x="4842819" y="-763903"/>
+            <a:ext cx="2094518" cy="9890810"/>
+          </a:xfrm>
+          <a:prstGeom prst="bentConnector3">
+            <a:avLst>
+              <a:gd name="adj1" fmla="val -106413"/>
+            </a:avLst>
+          </a:prstGeom>
+          <a:ln w="12700">
+            <a:solidFill>
+              <a:srgbClr val="545B64"/>
+            </a:solidFill>
+            <a:headEnd type="arrow" w="med" len="sm"/>
+            <a:tailEnd type="none" w="med" len="sm"/>
+          </a:ln>
+        </p:spPr>
+        <p:style>
+          <a:lnRef idx="1">
+            <a:schemeClr val="accent1"/>
+          </a:lnRef>
+          <a:fillRef idx="0">
+            <a:schemeClr val="accent1"/>
+          </a:fillRef>
+          <a:effectRef idx="0">
+            <a:schemeClr val="accent1"/>
+          </a:effectRef>
+          <a:fontRef idx="minor">
+            <a:schemeClr val="tx1"/>
+          </a:fontRef>
+        </p:style>
+      </p:cxnSp>
+      <p:sp>
+        <p:nvSpPr>
+          <p:cNvPr id="138" name="TextBox 137">
+            <a:extLst>
+              <a:ext uri="{FF2B5EF4-FFF2-40B4-BE49-F238E27FC236}">
+                <a16:creationId xmlns:a16="http://schemas.microsoft.com/office/drawing/2014/main" id="{5F3C76E7-0E9C-5543-91AB-40EA03FABCE3}"/>
+              </a:ext>
+            </a:extLst>
+          </p:cNvPr>
+          <p:cNvSpPr txBox="1"/>
+          <p:nvPr/>
+        </p:nvSpPr>
+        <p:spPr>
+          <a:xfrm>
+            <a:off x="5160617" y="1051343"/>
+            <a:ext cx="1236236" cy="261610"/>
+          </a:xfrm>
+          <a:prstGeom prst="rect">
+            <a:avLst/>
+          </a:prstGeom>
+          <a:noFill/>
+        </p:spPr>
+        <p:txBody>
+          <a:bodyPr wrap="none" rtlCol="0">
+            <a:spAutoFit/>
+          </a:bodyPr>
+          <a:lstStyle/>
+          <a:p>
+            <a:pPr algn="ctr"/>
+            <a:r>
+              <a:rPr lang="en-US" sz="1100" dirty="0" err="1">
+                <a:latin typeface="NanumGothic" panose="020D0604000000000000" pitchFamily="34" charset="-127"/>
+                <a:ea typeface="NanumGothic" panose="020D0604000000000000" pitchFamily="34" charset="-127"/>
+              </a:rPr>
+              <a:t>작품</a:t>
+            </a:r>
+            <a:r>
+              <a:rPr lang="en-US" sz="1100" dirty="0">
+                <a:latin typeface="NanumGothic" panose="020D0604000000000000" pitchFamily="34" charset="-127"/>
+                <a:ea typeface="NanumGothic" panose="020D0604000000000000" pitchFamily="34" charset="-127"/>
+              </a:rPr>
+              <a:t> </a:t>
+            </a:r>
+            <a:r>
+              <a:rPr lang="en-US" sz="1100" dirty="0" err="1">
+                <a:latin typeface="NanumGothic" panose="020D0604000000000000" pitchFamily="34" charset="-127"/>
+                <a:ea typeface="NanumGothic" panose="020D0604000000000000" pitchFamily="34" charset="-127"/>
+              </a:rPr>
+              <a:t>추천</a:t>
+            </a:r>
+            <a:r>
+              <a:rPr lang="en-US" sz="1100" dirty="0">
+                <a:latin typeface="NanumGothic" panose="020D0604000000000000" pitchFamily="34" charset="-127"/>
+                <a:ea typeface="NanumGothic" panose="020D0604000000000000" pitchFamily="34" charset="-127"/>
+              </a:rPr>
+              <a:t> </a:t>
+            </a:r>
+            <a:r>
+              <a:rPr lang="en-US" sz="1100" dirty="0" err="1">
+                <a:latin typeface="NanumGothic" panose="020D0604000000000000" pitchFamily="34" charset="-127"/>
+                <a:ea typeface="NanumGothic" panose="020D0604000000000000" pitchFamily="34" charset="-127"/>
+              </a:rPr>
+              <a:t>이메일</a:t>
+            </a:r>
+            <a:endParaRPr lang="en-KR" sz="1100" dirty="0">
+              <a:latin typeface="NanumGothic" panose="020D0604000000000000" pitchFamily="34" charset="-127"/>
+              <a:ea typeface="NanumGothic" panose="020D0604000000000000" pitchFamily="34" charset="-127"/>
+            </a:endParaRPr>
+          </a:p>
+        </p:txBody>
+      </p:sp>
+      <p:sp>
+        <p:nvSpPr>
+          <p:cNvPr id="139" name="TextBox 138">
+            <a:extLst>
+              <a:ext uri="{FF2B5EF4-FFF2-40B4-BE49-F238E27FC236}">
+                <a16:creationId xmlns:a16="http://schemas.microsoft.com/office/drawing/2014/main" id="{0E8071F6-52A5-9040-A56E-57A9100D32FA}"/>
+              </a:ext>
+            </a:extLst>
+          </p:cNvPr>
+          <p:cNvSpPr txBox="1"/>
+          <p:nvPr/>
+        </p:nvSpPr>
+        <p:spPr>
+          <a:xfrm>
+            <a:off x="10945739" y="4676622"/>
+            <a:ext cx="1550424" cy="430887"/>
+          </a:xfrm>
+          <a:prstGeom prst="rect">
+            <a:avLst/>
+          </a:prstGeom>
+          <a:noFill/>
+        </p:spPr>
+        <p:txBody>
+          <a:bodyPr wrap="none" rtlCol="0">
+            <a:spAutoFit/>
+          </a:bodyPr>
+          <a:lstStyle/>
+          <a:p>
+            <a:pPr algn="ctr"/>
+            <a:r>
+              <a:rPr lang="en-US" sz="1100" dirty="0" err="1">
+                <a:latin typeface="NanumGothic" panose="020D0604000000000000" pitchFamily="34" charset="-127"/>
+                <a:ea typeface="NanumGothic" panose="020D0604000000000000" pitchFamily="34" charset="-127"/>
+              </a:rPr>
+              <a:t>작품</a:t>
+            </a:r>
+            <a:r>
+              <a:rPr lang="en-US" sz="1100" dirty="0">
+                <a:latin typeface="NanumGothic" panose="020D0604000000000000" pitchFamily="34" charset="-127"/>
+                <a:ea typeface="NanumGothic" panose="020D0604000000000000" pitchFamily="34" charset="-127"/>
+              </a:rPr>
+              <a:t> </a:t>
+            </a:r>
+            <a:r>
+              <a:rPr lang="en-US" sz="1100" dirty="0" err="1">
+                <a:latin typeface="NanumGothic" panose="020D0604000000000000" pitchFamily="34" charset="-127"/>
+                <a:ea typeface="NanumGothic" panose="020D0604000000000000" pitchFamily="34" charset="-127"/>
+              </a:rPr>
+              <a:t>조회</a:t>
+            </a:r>
+            <a:r>
+              <a:rPr lang="en-US" sz="1100" dirty="0">
+                <a:latin typeface="NanumGothic" panose="020D0604000000000000" pitchFamily="34" charset="-127"/>
+                <a:ea typeface="NanumGothic" panose="020D0604000000000000" pitchFamily="34" charset="-127"/>
+              </a:rPr>
+              <a:t> </a:t>
+            </a:r>
+            <a:r>
+              <a:rPr lang="en-US" sz="1100" dirty="0" err="1">
+                <a:latin typeface="NanumGothic" panose="020D0604000000000000" pitchFamily="34" charset="-127"/>
+                <a:ea typeface="NanumGothic" panose="020D0604000000000000" pitchFamily="34" charset="-127"/>
+              </a:rPr>
+              <a:t>로그에</a:t>
+            </a:r>
+            <a:r>
+              <a:rPr lang="en-US" sz="1100" dirty="0">
+                <a:latin typeface="NanumGothic" panose="020D0604000000000000" pitchFamily="34" charset="-127"/>
+                <a:ea typeface="NanumGothic" panose="020D0604000000000000" pitchFamily="34" charset="-127"/>
+              </a:rPr>
+              <a:t> </a:t>
+            </a:r>
+            <a:r>
+              <a:rPr lang="en-US" sz="1100" dirty="0" err="1">
+                <a:latin typeface="NanumGothic" panose="020D0604000000000000" pitchFamily="34" charset="-127"/>
+                <a:ea typeface="NanumGothic" panose="020D0604000000000000" pitchFamily="34" charset="-127"/>
+              </a:rPr>
+              <a:t>따라</a:t>
+            </a:r>
+            <a:endParaRPr lang="en-US" sz="1100" dirty="0">
+              <a:latin typeface="NanumGothic" panose="020D0604000000000000" pitchFamily="34" charset="-127"/>
+              <a:ea typeface="NanumGothic" panose="020D0604000000000000" pitchFamily="34" charset="-127"/>
+            </a:endParaRPr>
+          </a:p>
+          <a:p>
+            <a:pPr algn="ctr"/>
+            <a:r>
+              <a:rPr lang="en-US" sz="1100" dirty="0" err="1">
+                <a:latin typeface="NanumGothic" panose="020D0604000000000000" pitchFamily="34" charset="-127"/>
+                <a:ea typeface="NanumGothic" panose="020D0604000000000000" pitchFamily="34" charset="-127"/>
+              </a:rPr>
+              <a:t>작품</a:t>
+            </a:r>
+            <a:r>
+              <a:rPr lang="en-US" sz="1100" dirty="0">
+                <a:latin typeface="NanumGothic" panose="020D0604000000000000" pitchFamily="34" charset="-127"/>
+                <a:ea typeface="NanumGothic" panose="020D0604000000000000" pitchFamily="34" charset="-127"/>
+              </a:rPr>
+              <a:t> </a:t>
+            </a:r>
+            <a:r>
+              <a:rPr lang="en-US" sz="1100" dirty="0" err="1">
+                <a:latin typeface="NanumGothic" panose="020D0604000000000000" pitchFamily="34" charset="-127"/>
+                <a:ea typeface="NanumGothic" panose="020D0604000000000000" pitchFamily="34" charset="-127"/>
+              </a:rPr>
+              <a:t>추천</a:t>
+            </a:r>
+            <a:r>
+              <a:rPr lang="en-US" sz="1100" dirty="0">
+                <a:latin typeface="NanumGothic" panose="020D0604000000000000" pitchFamily="34" charset="-127"/>
+                <a:ea typeface="NanumGothic" panose="020D0604000000000000" pitchFamily="34" charset="-127"/>
+              </a:rPr>
+              <a:t> </a:t>
+            </a:r>
+            <a:r>
+              <a:rPr lang="en-US" sz="1100" dirty="0" err="1">
+                <a:latin typeface="NanumGothic" panose="020D0604000000000000" pitchFamily="34" charset="-127"/>
+                <a:ea typeface="NanumGothic" panose="020D0604000000000000" pitchFamily="34" charset="-127"/>
+              </a:rPr>
+              <a:t>이메일</a:t>
+            </a:r>
+            <a:r>
+              <a:rPr lang="en-US" sz="1100" dirty="0">
+                <a:latin typeface="NanumGothic" panose="020D0604000000000000" pitchFamily="34" charset="-127"/>
+                <a:ea typeface="NanumGothic" panose="020D0604000000000000" pitchFamily="34" charset="-127"/>
+              </a:rPr>
+              <a:t> </a:t>
+            </a:r>
+            <a:r>
+              <a:rPr lang="en-US" sz="1100" dirty="0" err="1">
+                <a:latin typeface="NanumGothic" panose="020D0604000000000000" pitchFamily="34" charset="-127"/>
+                <a:ea typeface="NanumGothic" panose="020D0604000000000000" pitchFamily="34" charset="-127"/>
+              </a:rPr>
+              <a:t>발송</a:t>
+            </a:r>
+            <a:endParaRPr lang="en-KR" sz="1100" dirty="0">
+              <a:latin typeface="NanumGothic" panose="020D0604000000000000" pitchFamily="34" charset="-127"/>
+              <a:ea typeface="NanumGothic" panose="020D0604000000000000" pitchFamily="34" charset="-127"/>
+            </a:endParaRPr>
+          </a:p>
+        </p:txBody>
+      </p:sp>
+      <p:pic>
+        <p:nvPicPr>
+          <p:cNvPr id="55" name="Graphic 54">
+            <a:extLst>
+              <a:ext uri="{FF2B5EF4-FFF2-40B4-BE49-F238E27FC236}">
+                <a16:creationId xmlns:a16="http://schemas.microsoft.com/office/drawing/2014/main" id="{232F84D8-5168-DE4B-A7FC-7C87B100FFB5}"/>
+              </a:ext>
+            </a:extLst>
+          </p:cNvPr>
+          <p:cNvPicPr>
+            <a:picLocks noChangeAspect="1"/>
+          </p:cNvPicPr>
+          <p:nvPr/>
+        </p:nvPicPr>
+        <p:blipFill>
+          <a:blip r:embed="rId10">
+            <a:extLst>
+              <a:ext uri="{96DAC541-7B7A-43D3-8B79-37D633B846F1}">
+                <asvg:svgBlip xmlns:asvg="http://schemas.microsoft.com/office/drawing/2016/SVG/main" r:embed="rId11"/>
+              </a:ext>
+            </a:extLst>
+          </a:blip>
+          <a:stretch>
+            <a:fillRect/>
+          </a:stretch>
+        </p:blipFill>
+        <p:spPr>
+          <a:xfrm>
+            <a:off x="5730327" y="7247886"/>
+            <a:ext cx="469900" cy="469900"/>
+          </a:xfrm>
+          <a:prstGeom prst="rect">
+            <a:avLst/>
+          </a:prstGeom>
+        </p:spPr>
+      </p:pic>
+      <p:sp>
+        <p:nvSpPr>
+          <p:cNvPr id="56" name="TextBox 55">
+            <a:extLst>
+              <a:ext uri="{FF2B5EF4-FFF2-40B4-BE49-F238E27FC236}">
+                <a16:creationId xmlns:a16="http://schemas.microsoft.com/office/drawing/2014/main" id="{FB1D9A3A-01FC-6342-849A-6F09F4B51F27}"/>
+              </a:ext>
+            </a:extLst>
+          </p:cNvPr>
+          <p:cNvSpPr txBox="1"/>
+          <p:nvPr/>
+        </p:nvSpPr>
+        <p:spPr>
+          <a:xfrm>
+            <a:off x="4797855" y="7847879"/>
+            <a:ext cx="2301904" cy="230832"/>
+          </a:xfrm>
+          <a:prstGeom prst="rect">
+            <a:avLst/>
+          </a:prstGeom>
+          <a:noFill/>
+        </p:spPr>
+        <p:txBody>
+          <a:bodyPr wrap="square" rtlCol="0">
+            <a:spAutoFit/>
+          </a:bodyPr>
+          <a:lstStyle/>
+          <a:p>
+            <a:pPr algn="ctr"/>
+            <a:r>
+              <a:rPr lang="en-US" sz="900" dirty="0">
+                <a:latin typeface="NanumGothic" panose="020D0604000000000000" pitchFamily="34" charset="-127"/>
+                <a:ea typeface="NanumGothic" panose="020D0604000000000000" pitchFamily="34" charset="-127"/>
+              </a:rPr>
+              <a:t>Amazon Simple Storage Service</a:t>
+            </a:r>
+          </a:p>
+        </p:txBody>
+      </p:sp>
+      <p:cxnSp>
+        <p:nvCxnSpPr>
+          <p:cNvPr id="57" name="Straight Arrow Connector 56">
+            <a:extLst>
+              <a:ext uri="{FF2B5EF4-FFF2-40B4-BE49-F238E27FC236}">
+                <a16:creationId xmlns:a16="http://schemas.microsoft.com/office/drawing/2014/main" id="{0023D4E3-DC11-1346-9B89-D6A3AF13FAFD}"/>
+              </a:ext>
+            </a:extLst>
+          </p:cNvPr>
+          <p:cNvCxnSpPr>
+            <a:cxnSpLocks/>
+            <a:stCxn id="55" idx="3"/>
+            <a:endCxn id="67" idx="1"/>
+          </p:cNvCxnSpPr>
+          <p:nvPr/>
+        </p:nvCxnSpPr>
+        <p:spPr>
+          <a:xfrm>
+            <a:off x="6200227" y="7482836"/>
+            <a:ext cx="1518741" cy="2452"/>
+          </a:xfrm>
+          <a:prstGeom prst="straightConnector1">
+            <a:avLst/>
+          </a:prstGeom>
+          <a:ln w="12700">
+            <a:solidFill>
+              <a:srgbClr val="545B64"/>
+            </a:solidFill>
+            <a:headEnd type="arrow" w="med" len="sm"/>
+            <a:tailEnd type="none" w="med" len="sm"/>
+          </a:ln>
+        </p:spPr>
+        <p:style>
+          <a:lnRef idx="1">
+            <a:schemeClr val="accent1"/>
+          </a:lnRef>
+          <a:fillRef idx="0">
+            <a:schemeClr val="accent1"/>
+          </a:fillRef>
+          <a:effectRef idx="0">
+            <a:schemeClr val="accent1"/>
+          </a:effectRef>
+          <a:fontRef idx="minor">
+            <a:schemeClr val="tx1"/>
+          </a:fontRef>
+        </p:style>
+      </p:cxnSp>
+      <p:sp>
+        <p:nvSpPr>
+          <p:cNvPr id="60" name="TextBox 59">
+            <a:extLst>
+              <a:ext uri="{FF2B5EF4-FFF2-40B4-BE49-F238E27FC236}">
+                <a16:creationId xmlns:a16="http://schemas.microsoft.com/office/drawing/2014/main" id="{C54C3810-14BB-4F49-9002-D6FD6023B6D1}"/>
+              </a:ext>
+            </a:extLst>
+          </p:cNvPr>
+          <p:cNvSpPr txBox="1"/>
+          <p:nvPr/>
+        </p:nvSpPr>
+        <p:spPr>
+          <a:xfrm>
+            <a:off x="6363879" y="7512018"/>
+            <a:ext cx="1236236" cy="261610"/>
+          </a:xfrm>
+          <a:prstGeom prst="rect">
+            <a:avLst/>
+          </a:prstGeom>
+          <a:noFill/>
+        </p:spPr>
+        <p:txBody>
+          <a:bodyPr wrap="none" rtlCol="0">
+            <a:spAutoFit/>
+          </a:bodyPr>
+          <a:lstStyle/>
+          <a:p>
+            <a:pPr algn="ctr"/>
+            <a:r>
+              <a:rPr lang="ko-KR" altLang="en-US" sz="1100" dirty="0">
+                <a:latin typeface="NanumGothic" panose="020D0604000000000000" pitchFamily="34" charset="-127"/>
+                <a:ea typeface="NanumGothic" panose="020D0604000000000000" pitchFamily="34" charset="-127"/>
+              </a:rPr>
+              <a:t>작품 추천 데이터</a:t>
+            </a:r>
+            <a:endParaRPr lang="en-KR" sz="1100" dirty="0">
+              <a:latin typeface="NanumGothic" panose="020D0604000000000000" pitchFamily="34" charset="-127"/>
+              <a:ea typeface="NanumGothic" panose="020D0604000000000000" pitchFamily="34" charset="-127"/>
+            </a:endParaRPr>
+          </a:p>
+        </p:txBody>
+      </p:sp>
+      <mc:AlternateContent xmlns:mc="http://schemas.openxmlformats.org/markup-compatibility/2006">
+        <mc:Choice xmlns:p14="http://schemas.microsoft.com/office/powerpoint/2010/main" Requires="p14">
+          <p:contentPart p14:bwMode="auto" r:id="rId20">
+            <p14:nvContentPartPr>
+              <p14:cNvPr id="2" name="Ink 1">
+                <a:extLst>
+                  <a:ext uri="{FF2B5EF4-FFF2-40B4-BE49-F238E27FC236}">
+                    <a16:creationId xmlns:a16="http://schemas.microsoft.com/office/drawing/2014/main" id="{048D0EEA-6FF6-6347-B88C-BD6356F9D77B}"/>
+                  </a:ext>
+                </a:extLst>
+              </p14:cNvPr>
+              <p14:cNvContentPartPr/>
+              <p14:nvPr/>
+            </p14:nvContentPartPr>
+            <p14:xfrm>
+              <a:off x="4672825" y="5112971"/>
+              <a:ext cx="5441400" cy="3321720"/>
+            </p14:xfrm>
+          </p:contentPart>
+        </mc:Choice>
+        <mc:Fallback>
+          <p:pic>
+            <p:nvPicPr>
+              <p:cNvPr id="2" name="Ink 1">
+                <a:extLst>
+                  <a:ext uri="{FF2B5EF4-FFF2-40B4-BE49-F238E27FC236}">
+                    <a16:creationId xmlns:a16="http://schemas.microsoft.com/office/drawing/2014/main" id="{048D0EEA-6FF6-6347-B88C-BD6356F9D77B}"/>
+                  </a:ext>
+                </a:extLst>
+              </p:cNvPr>
+              <p:cNvPicPr/>
+              <p:nvPr/>
+            </p:nvPicPr>
+            <p:blipFill>
+              <a:blip r:embed="rId21"/>
+              <a:stretch>
+                <a:fillRect/>
+              </a:stretch>
+            </p:blipFill>
+            <p:spPr>
+              <a:xfrm>
+                <a:off x="4664185" y="5103971"/>
+                <a:ext cx="5459040" cy="3339360"/>
+              </a:xfrm>
+              <a:prstGeom prst="rect">
+                <a:avLst/>
+              </a:prstGeom>
+            </p:spPr>
+          </p:pic>
+        </mc:Fallback>
+      </mc:AlternateContent>
+      <mc:AlternateContent xmlns:mc="http://schemas.openxmlformats.org/markup-compatibility/2006">
+        <mc:Choice xmlns:p14="http://schemas.microsoft.com/office/powerpoint/2010/main" Requires="p14">
+          <p:contentPart p14:bwMode="auto" r:id="rId22">
+            <p14:nvContentPartPr>
+              <p14:cNvPr id="3" name="Ink 2">
+                <a:extLst>
+                  <a:ext uri="{FF2B5EF4-FFF2-40B4-BE49-F238E27FC236}">
+                    <a16:creationId xmlns:a16="http://schemas.microsoft.com/office/drawing/2014/main" id="{D4FD91FD-3E3D-E24A-9D2C-F33922FFDA1E}"/>
+                  </a:ext>
+                </a:extLst>
+              </p14:cNvPr>
+              <p14:cNvContentPartPr/>
+              <p14:nvPr/>
+            </p14:nvContentPartPr>
+            <p14:xfrm>
+              <a:off x="274345" y="4871051"/>
+              <a:ext cx="4491720" cy="3747600"/>
+            </p14:xfrm>
+          </p:contentPart>
+        </mc:Choice>
+        <mc:Fallback>
+          <p:pic>
+            <p:nvPicPr>
+              <p:cNvPr id="3" name="Ink 2">
+                <a:extLst>
+                  <a:ext uri="{FF2B5EF4-FFF2-40B4-BE49-F238E27FC236}">
+                    <a16:creationId xmlns:a16="http://schemas.microsoft.com/office/drawing/2014/main" id="{D4FD91FD-3E3D-E24A-9D2C-F33922FFDA1E}"/>
+                  </a:ext>
+                </a:extLst>
+              </p:cNvPr>
+              <p:cNvPicPr/>
+              <p:nvPr/>
+            </p:nvPicPr>
+            <p:blipFill>
+              <a:blip r:embed="rId23"/>
+              <a:stretch>
+                <a:fillRect/>
+              </a:stretch>
+            </p:blipFill>
+            <p:spPr>
+              <a:xfrm>
+                <a:off x="265705" y="4862411"/>
+                <a:ext cx="4509360" cy="3765240"/>
+              </a:xfrm>
+              <a:prstGeom prst="rect">
+                <a:avLst/>
+              </a:prstGeom>
+            </p:spPr>
+          </p:pic>
+        </mc:Fallback>
+      </mc:AlternateContent>
+      <mc:AlternateContent xmlns:mc="http://schemas.openxmlformats.org/markup-compatibility/2006">
+        <mc:Choice xmlns:p14="http://schemas.microsoft.com/office/powerpoint/2010/main" Requires="p14">
+          <p:contentPart p14:bwMode="auto" r:id="rId24">
+            <p14:nvContentPartPr>
+              <p14:cNvPr id="11" name="Ink 10">
+                <a:extLst>
+                  <a:ext uri="{FF2B5EF4-FFF2-40B4-BE49-F238E27FC236}">
+                    <a16:creationId xmlns:a16="http://schemas.microsoft.com/office/drawing/2014/main" id="{BE0C41B0-F883-624F-80C9-65AB8775361F}"/>
+                  </a:ext>
+                </a:extLst>
+              </p14:cNvPr>
+              <p14:cNvContentPartPr/>
+              <p14:nvPr/>
+            </p14:nvContentPartPr>
+            <p14:xfrm>
+              <a:off x="4032745" y="1768211"/>
+              <a:ext cx="5795280" cy="4440600"/>
+            </p14:xfrm>
+          </p:contentPart>
+        </mc:Choice>
+        <mc:Fallback>
+          <p:pic>
+            <p:nvPicPr>
+              <p:cNvPr id="11" name="Ink 10">
+                <a:extLst>
+                  <a:ext uri="{FF2B5EF4-FFF2-40B4-BE49-F238E27FC236}">
+                    <a16:creationId xmlns:a16="http://schemas.microsoft.com/office/drawing/2014/main" id="{BE0C41B0-F883-624F-80C9-65AB8775361F}"/>
+                  </a:ext>
+                </a:extLst>
+              </p:cNvPr>
+              <p:cNvPicPr/>
+              <p:nvPr/>
+            </p:nvPicPr>
+            <p:blipFill>
+              <a:blip r:embed="rId25"/>
+              <a:stretch>
+                <a:fillRect/>
+              </a:stretch>
+            </p:blipFill>
+            <p:spPr>
+              <a:xfrm>
+                <a:off x="4024105" y="1759211"/>
+                <a:ext cx="5812920" cy="4458240"/>
+              </a:xfrm>
+              <a:prstGeom prst="rect">
+                <a:avLst/>
+              </a:prstGeom>
+            </p:spPr>
+          </p:pic>
+        </mc:Fallback>
+      </mc:AlternateContent>
+      <mc:AlternateContent xmlns:mc="http://schemas.openxmlformats.org/markup-compatibility/2006">
+        <mc:Choice xmlns:p14="http://schemas.microsoft.com/office/powerpoint/2010/main" Requires="p14">
+          <p:contentPart p14:bwMode="auto" r:id="rId26">
+            <p14:nvContentPartPr>
+              <p14:cNvPr id="17" name="Ink 16">
+                <a:extLst>
+                  <a:ext uri="{FF2B5EF4-FFF2-40B4-BE49-F238E27FC236}">
+                    <a16:creationId xmlns:a16="http://schemas.microsoft.com/office/drawing/2014/main" id="{DF2FBBBC-B9BE-984D-83BE-051F6C3C0D4A}"/>
+                  </a:ext>
+                </a:extLst>
+              </p14:cNvPr>
+              <p14:cNvContentPartPr/>
+              <p14:nvPr/>
+            </p14:nvContentPartPr>
+            <p14:xfrm>
+              <a:off x="9809305" y="4314131"/>
+              <a:ext cx="2729520" cy="3173400"/>
+            </p14:xfrm>
+          </p:contentPart>
+        </mc:Choice>
+        <mc:Fallback>
+          <p:pic>
+            <p:nvPicPr>
+              <p:cNvPr id="17" name="Ink 16">
+                <a:extLst>
+                  <a:ext uri="{FF2B5EF4-FFF2-40B4-BE49-F238E27FC236}">
+                    <a16:creationId xmlns:a16="http://schemas.microsoft.com/office/drawing/2014/main" id="{DF2FBBBC-B9BE-984D-83BE-051F6C3C0D4A}"/>
+                  </a:ext>
+                </a:extLst>
+              </p:cNvPr>
+              <p:cNvPicPr/>
+              <p:nvPr/>
+            </p:nvPicPr>
+            <p:blipFill>
+              <a:blip r:embed="rId27"/>
+              <a:stretch>
+                <a:fillRect/>
+              </a:stretch>
+            </p:blipFill>
+            <p:spPr>
+              <a:xfrm>
+                <a:off x="9800665" y="4305491"/>
+                <a:ext cx="2747160" cy="3191040"/>
+              </a:xfrm>
+              <a:prstGeom prst="rect">
+                <a:avLst/>
+              </a:prstGeom>
+            </p:spPr>
+          </p:pic>
+        </mc:Fallback>
+      </mc:AlternateContent>
+      <p:sp>
+        <p:nvSpPr>
+          <p:cNvPr id="4" name="TextBox 3">
+            <a:extLst>
+              <a:ext uri="{FF2B5EF4-FFF2-40B4-BE49-F238E27FC236}">
+                <a16:creationId xmlns:a16="http://schemas.microsoft.com/office/drawing/2014/main" id="{1FE6335A-EB3C-1B4A-8F7B-CA08FAB743C2}"/>
+              </a:ext>
+            </a:extLst>
+          </p:cNvPr>
+          <p:cNvSpPr txBox="1"/>
+          <p:nvPr/>
+        </p:nvSpPr>
+        <p:spPr>
+          <a:xfrm>
+            <a:off x="7005983" y="1295911"/>
+            <a:ext cx="1810112" cy="461665"/>
+          </a:xfrm>
+          <a:prstGeom prst="rect">
+            <a:avLst/>
+          </a:prstGeom>
+          <a:solidFill>
+            <a:srgbClr val="FFFFFF">
+              <a:alpha val="64706"/>
+            </a:srgbClr>
+          </a:solidFill>
+        </p:spPr>
+        <p:txBody>
+          <a:bodyPr wrap="none" rtlCol="0">
+            <a:spAutoFit/>
+          </a:bodyPr>
+          <a:lstStyle/>
+          <a:p>
+            <a:pPr algn="ctr"/>
+            <a:r>
+              <a:rPr lang="ko-KR" altLang="en-US" sz="2400" dirty="0">
+                <a:solidFill>
+                  <a:schemeClr val="accent6">
+                    <a:lumMod val="75000"/>
+                  </a:schemeClr>
+                </a:solidFill>
+                <a:latin typeface="BM HANNA 11yrs old" panose="020B0600000101010101" pitchFamily="34" charset="-127"/>
+                <a:ea typeface="BM HANNA 11yrs old" panose="020B0600000101010101" pitchFamily="34" charset="-127"/>
+              </a:rPr>
+              <a:t>데이터 전처리</a:t>
+            </a:r>
+            <a:endParaRPr lang="en-KR" sz="2400" dirty="0">
+              <a:solidFill>
+                <a:schemeClr val="accent6">
+                  <a:lumMod val="75000"/>
+                </a:schemeClr>
+              </a:solidFill>
+              <a:latin typeface="BM HANNA 11yrs old" panose="020B0600000101010101" pitchFamily="34" charset="-127"/>
+              <a:ea typeface="BM HANNA 11yrs old" panose="020B0600000101010101" pitchFamily="34" charset="-127"/>
+            </a:endParaRPr>
+          </a:p>
+        </p:txBody>
+      </p:sp>
+      <p:sp>
+        <p:nvSpPr>
+          <p:cNvPr id="63" name="TextBox 62">
+            <a:extLst>
+              <a:ext uri="{FF2B5EF4-FFF2-40B4-BE49-F238E27FC236}">
+                <a16:creationId xmlns:a16="http://schemas.microsoft.com/office/drawing/2014/main" id="{173BEE8C-6A3D-C647-967E-8E33AA11B456}"/>
+              </a:ext>
+            </a:extLst>
+          </p:cNvPr>
+          <p:cNvSpPr txBox="1"/>
+          <p:nvPr/>
+        </p:nvSpPr>
+        <p:spPr>
+          <a:xfrm>
+            <a:off x="46780" y="6065648"/>
+            <a:ext cx="4378122" cy="461665"/>
+          </a:xfrm>
+          <a:prstGeom prst="rect">
+            <a:avLst/>
+          </a:prstGeom>
+          <a:solidFill>
+            <a:srgbClr val="FFFFFF">
+              <a:alpha val="64706"/>
+            </a:srgbClr>
+          </a:solidFill>
+        </p:spPr>
+        <p:txBody>
+          <a:bodyPr wrap="none" rtlCol="0">
+            <a:spAutoFit/>
+          </a:bodyPr>
+          <a:lstStyle/>
+          <a:p>
+            <a:pPr algn="ctr"/>
+            <a:r>
+              <a:rPr lang="en-US" sz="2400" dirty="0">
+                <a:solidFill>
+                  <a:srgbClr val="7030A0"/>
+                </a:solidFill>
+                <a:latin typeface="BM HANNA 11yrs old" panose="020B0600000101010101" pitchFamily="34" charset="-127"/>
+                <a:ea typeface="BM HANNA 11yrs old" panose="020B0600000101010101" pitchFamily="34" charset="-127"/>
+              </a:rPr>
+              <a:t>S3</a:t>
+            </a:r>
+            <a:r>
+              <a:rPr lang="ko-KR" altLang="en-US" sz="2400" dirty="0">
+                <a:solidFill>
+                  <a:srgbClr val="7030A0"/>
+                </a:solidFill>
+                <a:latin typeface="BM HANNA 11yrs old" panose="020B0600000101010101" pitchFamily="34" charset="-127"/>
+                <a:ea typeface="BM HANNA 11yrs old" panose="020B0600000101010101" pitchFamily="34" charset="-127"/>
+              </a:rPr>
+              <a:t>의 작품 추천 데이터로 </a:t>
+            </a:r>
+            <a:r>
+              <a:rPr lang="en-US" altLang="ko-KR" sz="2400" dirty="0">
+                <a:solidFill>
+                  <a:srgbClr val="7030A0"/>
+                </a:solidFill>
+                <a:latin typeface="BM HANNA 11yrs old" panose="020B0600000101010101" pitchFamily="34" charset="-127"/>
+                <a:ea typeface="BM HANNA 11yrs old" panose="020B0600000101010101" pitchFamily="34" charset="-127"/>
+              </a:rPr>
+              <a:t>API</a:t>
+            </a:r>
+            <a:r>
+              <a:rPr lang="ko-KR" altLang="en-US" sz="2400" dirty="0">
+                <a:solidFill>
+                  <a:srgbClr val="7030A0"/>
+                </a:solidFill>
+                <a:latin typeface="BM HANNA 11yrs old" panose="020B0600000101010101" pitchFamily="34" charset="-127"/>
+                <a:ea typeface="BM HANNA 11yrs old" panose="020B0600000101010101" pitchFamily="34" charset="-127"/>
+              </a:rPr>
+              <a:t>구현 </a:t>
+            </a:r>
+            <a:endParaRPr lang="ko-KR" altLang="en-US" sz="2400" dirty="0">
+              <a:solidFill>
+                <a:srgbClr val="7030A0"/>
+              </a:solidFill>
+              <a:effectLst/>
+              <a:latin typeface="BM HANNA 11yrs old" panose="020B0600000101010101" pitchFamily="34" charset="-127"/>
+              <a:ea typeface="BM HANNA 11yrs old" panose="020B0600000101010101" pitchFamily="34" charset="-127"/>
+            </a:endParaRPr>
+          </a:p>
+        </p:txBody>
+      </p:sp>
+      <p:sp>
+        <p:nvSpPr>
+          <p:cNvPr id="64" name="TextBox 63">
+            <a:extLst>
+              <a:ext uri="{FF2B5EF4-FFF2-40B4-BE49-F238E27FC236}">
+                <a16:creationId xmlns:a16="http://schemas.microsoft.com/office/drawing/2014/main" id="{F2214C1C-5B73-0C49-ABCD-6DA50D83D8A2}"/>
+              </a:ext>
+            </a:extLst>
+          </p:cNvPr>
+          <p:cNvSpPr txBox="1"/>
+          <p:nvPr/>
+        </p:nvSpPr>
+        <p:spPr>
+          <a:xfrm>
+            <a:off x="5785168" y="6175023"/>
+            <a:ext cx="2976025" cy="1200329"/>
+          </a:xfrm>
+          <a:prstGeom prst="rect">
+            <a:avLst/>
+          </a:prstGeom>
+          <a:solidFill>
+            <a:srgbClr val="FFFFFF">
+              <a:alpha val="64706"/>
+            </a:srgbClr>
+          </a:solidFill>
+        </p:spPr>
+        <p:txBody>
+          <a:bodyPr wrap="square" rtlCol="0">
+            <a:spAutoFit/>
+          </a:bodyPr>
+          <a:lstStyle/>
+          <a:p>
+            <a:pPr algn="ctr"/>
+            <a:r>
+              <a:rPr lang="en-US" sz="2400" dirty="0">
+                <a:solidFill>
+                  <a:schemeClr val="accent4">
+                    <a:lumMod val="50000"/>
+                  </a:schemeClr>
+                </a:solidFill>
+                <a:latin typeface="BM HANNA 11yrs old" panose="020B0600000101010101" pitchFamily="34" charset="-127"/>
+                <a:ea typeface="BM HANNA 11yrs old" panose="020B0600000101010101" pitchFamily="34" charset="-127"/>
+              </a:rPr>
+              <a:t>Personalize</a:t>
+            </a:r>
+            <a:r>
+              <a:rPr lang="ko-KR" altLang="en-US" sz="2400" dirty="0">
+                <a:solidFill>
+                  <a:schemeClr val="accent4">
+                    <a:lumMod val="50000"/>
+                  </a:schemeClr>
+                </a:solidFill>
+                <a:latin typeface="BM HANNA 11yrs old" panose="020B0600000101010101" pitchFamily="34" charset="-127"/>
+                <a:ea typeface="BM HANNA 11yrs old" panose="020B0600000101010101" pitchFamily="34" charset="-127"/>
+              </a:rPr>
+              <a:t>로 추천 모델 구현 및 작품 추천 데이터 </a:t>
+            </a:r>
+            <a:r>
+              <a:rPr lang="en-US" sz="2400" dirty="0">
+                <a:solidFill>
+                  <a:schemeClr val="accent4">
+                    <a:lumMod val="50000"/>
+                  </a:schemeClr>
+                </a:solidFill>
+                <a:latin typeface="BM HANNA 11yrs old" panose="020B0600000101010101" pitchFamily="34" charset="-127"/>
+                <a:ea typeface="BM HANNA 11yrs old" panose="020B0600000101010101" pitchFamily="34" charset="-127"/>
+              </a:rPr>
+              <a:t>S3</a:t>
+            </a:r>
+            <a:r>
+              <a:rPr lang="ko-KR" altLang="en-US" sz="2400" dirty="0">
+                <a:solidFill>
+                  <a:schemeClr val="accent4">
+                    <a:lumMod val="50000"/>
+                  </a:schemeClr>
+                </a:solidFill>
+                <a:latin typeface="BM HANNA 11yrs old" panose="020B0600000101010101" pitchFamily="34" charset="-127"/>
+                <a:ea typeface="BM HANNA 11yrs old" panose="020B0600000101010101" pitchFamily="34" charset="-127"/>
+              </a:rPr>
+              <a:t>에 저장 </a:t>
+            </a:r>
+            <a:endParaRPr lang="ko-KR" altLang="en-US" sz="2400" dirty="0">
+              <a:solidFill>
+                <a:schemeClr val="accent4">
+                  <a:lumMod val="50000"/>
+                </a:schemeClr>
+              </a:solidFill>
+              <a:effectLst/>
+              <a:latin typeface="BM HANNA 11yrs old" panose="020B0600000101010101" pitchFamily="34" charset="-127"/>
+              <a:ea typeface="BM HANNA 11yrs old" panose="020B0600000101010101" pitchFamily="34" charset="-127"/>
+            </a:endParaRPr>
+          </a:p>
+        </p:txBody>
+      </p:sp>
+      <p:sp>
+        <p:nvSpPr>
+          <p:cNvPr id="65" name="TextBox 64">
+            <a:extLst>
+              <a:ext uri="{FF2B5EF4-FFF2-40B4-BE49-F238E27FC236}">
+                <a16:creationId xmlns:a16="http://schemas.microsoft.com/office/drawing/2014/main" id="{42D89F9D-D206-0547-9C3D-7C87A55CFF8C}"/>
+              </a:ext>
+            </a:extLst>
+          </p:cNvPr>
+          <p:cNvSpPr txBox="1"/>
+          <p:nvPr/>
+        </p:nvSpPr>
+        <p:spPr>
+          <a:xfrm>
+            <a:off x="9900404" y="3691156"/>
+            <a:ext cx="2567286" cy="1200329"/>
+          </a:xfrm>
+          <a:prstGeom prst="rect">
+            <a:avLst/>
+          </a:prstGeom>
+          <a:solidFill>
+            <a:srgbClr val="FFFFFF">
+              <a:alpha val="64706"/>
+            </a:srgbClr>
+          </a:solidFill>
+        </p:spPr>
+        <p:txBody>
+          <a:bodyPr wrap="square" rtlCol="0">
+            <a:spAutoFit/>
+          </a:bodyPr>
+          <a:lstStyle/>
+          <a:p>
+            <a:pPr algn="ctr"/>
+            <a:r>
+              <a:rPr lang="ko-KR" altLang="en-US" sz="2400" dirty="0" err="1">
+                <a:solidFill>
+                  <a:schemeClr val="accent5">
+                    <a:lumMod val="75000"/>
+                  </a:schemeClr>
+                </a:solidFill>
+                <a:latin typeface="BM HANNA 11yrs old" panose="020B0600000101010101" pitchFamily="34" charset="-127"/>
+                <a:ea typeface="BM HANNA 11yrs old" panose="020B0600000101010101" pitchFamily="34" charset="-127"/>
+              </a:rPr>
+              <a:t>유저별</a:t>
+            </a:r>
+            <a:r>
+              <a:rPr lang="ko-KR" altLang="en-US" sz="2400" dirty="0">
+                <a:solidFill>
+                  <a:schemeClr val="accent5">
+                    <a:lumMod val="75000"/>
+                  </a:schemeClr>
+                </a:solidFill>
+                <a:latin typeface="BM HANNA 11yrs old" panose="020B0600000101010101" pitchFamily="34" charset="-127"/>
+                <a:ea typeface="BM HANNA 11yrs old" panose="020B0600000101010101" pitchFamily="34" charset="-127"/>
+              </a:rPr>
+              <a:t> 작품 추천 데이터에 따라 작품 추천 이메일 발송 </a:t>
+            </a:r>
+            <a:endParaRPr lang="ko-KR" altLang="en-US" sz="2400" dirty="0">
+              <a:solidFill>
+                <a:schemeClr val="accent5">
+                  <a:lumMod val="75000"/>
+                </a:schemeClr>
+              </a:solidFill>
+              <a:effectLst/>
+              <a:latin typeface="BM HANNA 11yrs old" panose="020B0600000101010101" pitchFamily="34" charset="-127"/>
+              <a:ea typeface="BM HANNA 11yrs old" panose="020B0600000101010101" pitchFamily="34" charset="-127"/>
+            </a:endParaRPr>
+          </a:p>
+        </p:txBody>
+      </p:sp>
+    </p:spTree>
+    <p:extLst>
+      <p:ext uri="{BB962C8B-B14F-4D97-AF65-F5344CB8AC3E}">
+        <p14:creationId xmlns:p14="http://schemas.microsoft.com/office/powerpoint/2010/main" val="2173996508"/>
       </p:ext>
     </p:extLst>
   </p:cSld>

--- a/diagram/architecture.pptx
+++ b/diagram/architecture.pptx
@@ -7,6 +7,8 @@
   <p:sldIdLst>
     <p:sldId id="257" r:id="rId2"/>
     <p:sldId id="258" r:id="rId3"/>
+    <p:sldId id="259" r:id="rId4"/>
+    <p:sldId id="260" r:id="rId5"/>
   </p:sldIdLst>
   <p:sldSz cx="12599988" cy="8999538"/>
   <p:notesSz cx="6858000" cy="9144000"/>
@@ -356,7 +358,7 @@
           <a:p>
             <a:fld id="{3315C6C2-5E3C-0545-A590-A2FEC84CB2E4}" type="datetimeFigureOut">
               <a:rPr lang="en-KR" smtClean="0"/>
-              <a:t>2020/08/25</a:t>
+              <a:t>9/13/20</a:t>
             </a:fld>
             <a:endParaRPr lang="en-KR"/>
           </a:p>
@@ -526,7 +528,7 @@
           <a:p>
             <a:fld id="{3315C6C2-5E3C-0545-A590-A2FEC84CB2E4}" type="datetimeFigureOut">
               <a:rPr lang="en-KR" smtClean="0"/>
-              <a:t>2020/08/25</a:t>
+              <a:t>9/13/20</a:t>
             </a:fld>
             <a:endParaRPr lang="en-KR"/>
           </a:p>
@@ -706,7 +708,7 @@
           <a:p>
             <a:fld id="{3315C6C2-5E3C-0545-A590-A2FEC84CB2E4}" type="datetimeFigureOut">
               <a:rPr lang="en-KR" smtClean="0"/>
-              <a:t>2020/08/25</a:t>
+              <a:t>9/13/20</a:t>
             </a:fld>
             <a:endParaRPr lang="en-KR"/>
           </a:p>
@@ -876,7 +878,7 @@
           <a:p>
             <a:fld id="{3315C6C2-5E3C-0545-A590-A2FEC84CB2E4}" type="datetimeFigureOut">
               <a:rPr lang="en-KR" smtClean="0"/>
-              <a:t>2020/08/25</a:t>
+              <a:t>9/13/20</a:t>
             </a:fld>
             <a:endParaRPr lang="en-KR"/>
           </a:p>
@@ -1120,7 +1122,7 @@
           <a:p>
             <a:fld id="{3315C6C2-5E3C-0545-A590-A2FEC84CB2E4}" type="datetimeFigureOut">
               <a:rPr lang="en-KR" smtClean="0"/>
-              <a:t>2020/08/25</a:t>
+              <a:t>9/13/20</a:t>
             </a:fld>
             <a:endParaRPr lang="en-KR"/>
           </a:p>
@@ -1352,7 +1354,7 @@
           <a:p>
             <a:fld id="{3315C6C2-5E3C-0545-A590-A2FEC84CB2E4}" type="datetimeFigureOut">
               <a:rPr lang="en-KR" smtClean="0"/>
-              <a:t>2020/08/25</a:t>
+              <a:t>9/13/20</a:t>
             </a:fld>
             <a:endParaRPr lang="en-KR"/>
           </a:p>
@@ -1719,7 +1721,7 @@
           <a:p>
             <a:fld id="{3315C6C2-5E3C-0545-A590-A2FEC84CB2E4}" type="datetimeFigureOut">
               <a:rPr lang="en-KR" smtClean="0"/>
-              <a:t>2020/08/25</a:t>
+              <a:t>9/13/20</a:t>
             </a:fld>
             <a:endParaRPr lang="en-KR"/>
           </a:p>
@@ -1837,7 +1839,7 @@
           <a:p>
             <a:fld id="{3315C6C2-5E3C-0545-A590-A2FEC84CB2E4}" type="datetimeFigureOut">
               <a:rPr lang="en-KR" smtClean="0"/>
-              <a:t>2020/08/25</a:t>
+              <a:t>9/13/20</a:t>
             </a:fld>
             <a:endParaRPr lang="en-KR"/>
           </a:p>
@@ -1932,7 +1934,7 @@
           <a:p>
             <a:fld id="{3315C6C2-5E3C-0545-A590-A2FEC84CB2E4}" type="datetimeFigureOut">
               <a:rPr lang="en-KR" smtClean="0"/>
-              <a:t>2020/08/25</a:t>
+              <a:t>9/13/20</a:t>
             </a:fld>
             <a:endParaRPr lang="en-KR"/>
           </a:p>
@@ -2209,7 +2211,7 @@
           <a:p>
             <a:fld id="{3315C6C2-5E3C-0545-A590-A2FEC84CB2E4}" type="datetimeFigureOut">
               <a:rPr lang="en-KR" smtClean="0"/>
-              <a:t>2020/08/25</a:t>
+              <a:t>9/13/20</a:t>
             </a:fld>
             <a:endParaRPr lang="en-KR"/>
           </a:p>
@@ -2466,7 +2468,7 @@
           <a:p>
             <a:fld id="{3315C6C2-5E3C-0545-A590-A2FEC84CB2E4}" type="datetimeFigureOut">
               <a:rPr lang="en-KR" smtClean="0"/>
-              <a:t>2020/08/25</a:t>
+              <a:t>9/13/20</a:t>
             </a:fld>
             <a:endParaRPr lang="en-KR"/>
           </a:p>
@@ -2679,7 +2681,7 @@
           <a:p>
             <a:fld id="{3315C6C2-5E3C-0545-A590-A2FEC84CB2E4}" type="datetimeFigureOut">
               <a:rPr lang="en-KR" smtClean="0"/>
-              <a:t>2020/08/25</a:t>
+              <a:t>9/13/20</a:t>
             </a:fld>
             <a:endParaRPr lang="en-KR"/>
           </a:p>
@@ -8714,8 +8716,8 @@
           </a:p>
         </p:txBody>
       </p:sp>
-      <mc:AlternateContent xmlns:mc="http://schemas.openxmlformats.org/markup-compatibility/2006">
-        <mc:Choice xmlns:p14="http://schemas.microsoft.com/office/powerpoint/2010/main" Requires="p14">
+      <mc:AlternateContent xmlns:mc="http://schemas.openxmlformats.org/markup-compatibility/2006" xmlns:p14="http://schemas.microsoft.com/office/powerpoint/2010/main">
+        <mc:Choice Requires="p14">
           <p:contentPart p14:bwMode="auto" r:id="rId20">
             <p14:nvContentPartPr>
               <p14:cNvPr id="2" name="Ink 1">
@@ -8734,7 +8736,7 @@
             </p14:xfrm>
           </p:contentPart>
         </mc:Choice>
-        <mc:Fallback>
+        <mc:Fallback xmlns="">
           <p:pic>
             <p:nvPicPr>
               <p:cNvPr id="2" name="Ink 1">
@@ -8765,8 +8767,8 @@
           </p:pic>
         </mc:Fallback>
       </mc:AlternateContent>
-      <mc:AlternateContent xmlns:mc="http://schemas.openxmlformats.org/markup-compatibility/2006">
-        <mc:Choice xmlns:p14="http://schemas.microsoft.com/office/powerpoint/2010/main" Requires="p14">
+      <mc:AlternateContent xmlns:mc="http://schemas.openxmlformats.org/markup-compatibility/2006" xmlns:p14="http://schemas.microsoft.com/office/powerpoint/2010/main">
+        <mc:Choice Requires="p14">
           <p:contentPart p14:bwMode="auto" r:id="rId22">
             <p14:nvContentPartPr>
               <p14:cNvPr id="3" name="Ink 2">
@@ -8785,7 +8787,7 @@
             </p14:xfrm>
           </p:contentPart>
         </mc:Choice>
-        <mc:Fallback>
+        <mc:Fallback xmlns="">
           <p:pic>
             <p:nvPicPr>
               <p:cNvPr id="3" name="Ink 2">
@@ -8816,8 +8818,8 @@
           </p:pic>
         </mc:Fallback>
       </mc:AlternateContent>
-      <mc:AlternateContent xmlns:mc="http://schemas.openxmlformats.org/markup-compatibility/2006">
-        <mc:Choice xmlns:p14="http://schemas.microsoft.com/office/powerpoint/2010/main" Requires="p14">
+      <mc:AlternateContent xmlns:mc="http://schemas.openxmlformats.org/markup-compatibility/2006" xmlns:p14="http://schemas.microsoft.com/office/powerpoint/2010/main">
+        <mc:Choice Requires="p14">
           <p:contentPart p14:bwMode="auto" r:id="rId24">
             <p14:nvContentPartPr>
               <p14:cNvPr id="11" name="Ink 10">
@@ -8836,7 +8838,7 @@
             </p14:xfrm>
           </p:contentPart>
         </mc:Choice>
-        <mc:Fallback>
+        <mc:Fallback xmlns="">
           <p:pic>
             <p:nvPicPr>
               <p:cNvPr id="11" name="Ink 10">
@@ -8867,8 +8869,8 @@
           </p:pic>
         </mc:Fallback>
       </mc:AlternateContent>
-      <mc:AlternateContent xmlns:mc="http://schemas.openxmlformats.org/markup-compatibility/2006">
-        <mc:Choice xmlns:p14="http://schemas.microsoft.com/office/powerpoint/2010/main" Requires="p14">
+      <mc:AlternateContent xmlns:mc="http://schemas.openxmlformats.org/markup-compatibility/2006" xmlns:p14="http://schemas.microsoft.com/office/powerpoint/2010/main">
+        <mc:Choice Requires="p14">
           <p:contentPart p14:bwMode="auto" r:id="rId26">
             <p14:nvContentPartPr>
               <p14:cNvPr id="17" name="Ink 16">
@@ -8887,7 +8889,7 @@
             </p14:xfrm>
           </p:contentPart>
         </mc:Choice>
-        <mc:Fallback>
+        <mc:Fallback xmlns="">
           <p:pic>
             <p:nvPicPr>
               <p:cNvPr id="17" name="Ink 16">
@@ -9227,6 +9229,1699 @@
     <p:extLst>
       <p:ext uri="{BB962C8B-B14F-4D97-AF65-F5344CB8AC3E}">
         <p14:creationId xmlns:p14="http://schemas.microsoft.com/office/powerpoint/2010/main" val="2173996508"/>
+      </p:ext>
+    </p:extLst>
+  </p:cSld>
+  <p:clrMapOvr>
+    <a:masterClrMapping/>
+  </p:clrMapOvr>
+</p:sld>
+</file>
+
+<file path=ppt/slides/slide3.xml><?xml version="1.0" encoding="utf-8"?>
+<p:sld xmlns:a="http://schemas.openxmlformats.org/drawingml/2006/main" xmlns:r="http://schemas.openxmlformats.org/officeDocument/2006/relationships" xmlns:p="http://schemas.openxmlformats.org/presentationml/2006/main">
+  <p:cSld>
+    <p:spTree>
+      <p:nvGrpSpPr>
+        <p:cNvPr id="1" name=""/>
+        <p:cNvGrpSpPr/>
+        <p:nvPr/>
+      </p:nvGrpSpPr>
+      <p:grpSpPr>
+        <a:xfrm>
+          <a:off x="0" y="0"/>
+          <a:ext cx="0" cy="0"/>
+          <a:chOff x="0" y="0"/>
+          <a:chExt cx="0" cy="0"/>
+        </a:xfrm>
+      </p:grpSpPr>
+      <p:pic>
+        <p:nvPicPr>
+          <p:cNvPr id="41" name="Graphic 40">
+            <a:extLst>
+              <a:ext uri="{FF2B5EF4-FFF2-40B4-BE49-F238E27FC236}">
+                <a16:creationId xmlns:a16="http://schemas.microsoft.com/office/drawing/2014/main" id="{6CE03F7F-6D3C-D341-A939-FF30A7D20856}"/>
+              </a:ext>
+            </a:extLst>
+          </p:cNvPr>
+          <p:cNvPicPr>
+            <a:picLocks noChangeAspect="1"/>
+          </p:cNvPicPr>
+          <p:nvPr/>
+        </p:nvPicPr>
+        <p:blipFill>
+          <a:blip r:embed="rId2">
+            <a:extLst>
+              <a:ext uri="{96DAC541-7B7A-43D3-8B79-37D633B846F1}">
+                <asvg:svgBlip xmlns:asvg="http://schemas.microsoft.com/office/drawing/2016/SVG/main" r:embed="rId3"/>
+              </a:ext>
+            </a:extLst>
+          </a:blip>
+          <a:stretch>
+            <a:fillRect/>
+          </a:stretch>
+        </p:blipFill>
+        <p:spPr>
+          <a:xfrm flipH="1">
+            <a:off x="702880" y="3134243"/>
+            <a:ext cx="483586" cy="469900"/>
+          </a:xfrm>
+          <a:prstGeom prst="rect">
+            <a:avLst/>
+          </a:prstGeom>
+        </p:spPr>
+      </p:pic>
+      <p:sp>
+        <p:nvSpPr>
+          <p:cNvPr id="42" name="TextBox 41">
+            <a:extLst>
+              <a:ext uri="{FF2B5EF4-FFF2-40B4-BE49-F238E27FC236}">
+                <a16:creationId xmlns:a16="http://schemas.microsoft.com/office/drawing/2014/main" id="{765265C4-061D-FB4C-8AF0-29DFC5C676FF}"/>
+              </a:ext>
+            </a:extLst>
+          </p:cNvPr>
+          <p:cNvSpPr txBox="1"/>
+          <p:nvPr/>
+        </p:nvSpPr>
+        <p:spPr>
+          <a:xfrm>
+            <a:off x="408298" y="3706214"/>
+            <a:ext cx="1072750" cy="230832"/>
+          </a:xfrm>
+          <a:prstGeom prst="rect">
+            <a:avLst/>
+          </a:prstGeom>
+          <a:noFill/>
+        </p:spPr>
+        <p:txBody>
+          <a:bodyPr wrap="square" rtlCol="0">
+            <a:spAutoFit/>
+          </a:bodyPr>
+          <a:lstStyle/>
+          <a:p>
+            <a:pPr algn="ctr"/>
+            <a:r>
+              <a:rPr lang="en-US" sz="900" dirty="0">
+                <a:solidFill>
+                  <a:srgbClr val="232F3E"/>
+                </a:solidFill>
+                <a:latin typeface="NanumGothic" panose="020D0604000000000000" pitchFamily="34" charset="-127"/>
+                <a:ea typeface="NanumGothic" panose="020D0604000000000000" pitchFamily="34" charset="-127"/>
+              </a:rPr>
+              <a:t>Users</a:t>
+            </a:r>
+          </a:p>
+        </p:txBody>
+      </p:sp>
+      <p:cxnSp>
+        <p:nvCxnSpPr>
+          <p:cNvPr id="46" name="Straight Arrow Connector 45">
+            <a:extLst>
+              <a:ext uri="{FF2B5EF4-FFF2-40B4-BE49-F238E27FC236}">
+                <a16:creationId xmlns:a16="http://schemas.microsoft.com/office/drawing/2014/main" id="{ED32FAF2-4A5E-3D40-8712-46EABE9A0DC3}"/>
+              </a:ext>
+            </a:extLst>
+          </p:cNvPr>
+          <p:cNvCxnSpPr>
+            <a:cxnSpLocks/>
+            <a:endCxn id="41" idx="1"/>
+          </p:cNvCxnSpPr>
+          <p:nvPr/>
+        </p:nvCxnSpPr>
+        <p:spPr>
+          <a:xfrm flipH="1">
+            <a:off x="1186466" y="3369193"/>
+            <a:ext cx="2702176" cy="0"/>
+          </a:xfrm>
+          <a:prstGeom prst="straightConnector1">
+            <a:avLst/>
+          </a:prstGeom>
+          <a:ln w="12700">
+            <a:solidFill>
+              <a:srgbClr val="545B64"/>
+            </a:solidFill>
+            <a:headEnd type="arrow" w="med" len="sm"/>
+            <a:tailEnd type="none" w="med" len="sm"/>
+          </a:ln>
+        </p:spPr>
+        <p:style>
+          <a:lnRef idx="1">
+            <a:schemeClr val="accent1"/>
+          </a:lnRef>
+          <a:fillRef idx="0">
+            <a:schemeClr val="accent1"/>
+          </a:fillRef>
+          <a:effectRef idx="0">
+            <a:schemeClr val="accent1"/>
+          </a:effectRef>
+          <a:fontRef idx="minor">
+            <a:schemeClr val="tx1"/>
+          </a:fontRef>
+        </p:style>
+      </p:cxnSp>
+      <p:pic>
+        <p:nvPicPr>
+          <p:cNvPr id="52" name="Graphic 51">
+            <a:extLst>
+              <a:ext uri="{FF2B5EF4-FFF2-40B4-BE49-F238E27FC236}">
+                <a16:creationId xmlns:a16="http://schemas.microsoft.com/office/drawing/2014/main" id="{C68A7AE5-4FE9-0041-83E6-4084BBDE8155}"/>
+              </a:ext>
+            </a:extLst>
+          </p:cNvPr>
+          <p:cNvPicPr>
+            <a:picLocks noChangeAspect="1"/>
+          </p:cNvPicPr>
+          <p:nvPr/>
+        </p:nvPicPr>
+        <p:blipFill>
+          <a:blip r:embed="rId4">
+            <a:extLst>
+              <a:ext uri="{96DAC541-7B7A-43D3-8B79-37D633B846F1}">
+                <asvg:svgBlip xmlns:asvg="http://schemas.microsoft.com/office/drawing/2016/SVG/main" r:embed="rId5"/>
+              </a:ext>
+            </a:extLst>
+          </a:blip>
+          <a:stretch>
+            <a:fillRect/>
+          </a:stretch>
+        </p:blipFill>
+        <p:spPr>
+          <a:xfrm>
+            <a:off x="6065044" y="1335883"/>
+            <a:ext cx="469900" cy="469900"/>
+          </a:xfrm>
+          <a:prstGeom prst="rect">
+            <a:avLst/>
+          </a:prstGeom>
+        </p:spPr>
+      </p:pic>
+      <p:cxnSp>
+        <p:nvCxnSpPr>
+          <p:cNvPr id="59" name="Straight Arrow Connector 58">
+            <a:extLst>
+              <a:ext uri="{FF2B5EF4-FFF2-40B4-BE49-F238E27FC236}">
+                <a16:creationId xmlns:a16="http://schemas.microsoft.com/office/drawing/2014/main" id="{E75385D1-15DA-EE4A-920A-5CB0AB3B3A44}"/>
+              </a:ext>
+            </a:extLst>
+          </p:cNvPr>
+          <p:cNvCxnSpPr>
+            <a:cxnSpLocks/>
+            <a:stCxn id="1026" idx="1"/>
+            <a:endCxn id="63" idx="3"/>
+          </p:cNvCxnSpPr>
+          <p:nvPr/>
+        </p:nvCxnSpPr>
+        <p:spPr>
+          <a:xfrm flipH="1">
+            <a:off x="4368314" y="3369193"/>
+            <a:ext cx="1715510" cy="0"/>
+          </a:xfrm>
+          <a:prstGeom prst="straightConnector1">
+            <a:avLst/>
+          </a:prstGeom>
+          <a:ln w="12700">
+            <a:solidFill>
+              <a:srgbClr val="545B64"/>
+            </a:solidFill>
+            <a:headEnd type="arrow" w="med" len="sm"/>
+            <a:tailEnd type="none" w="med" len="sm"/>
+          </a:ln>
+        </p:spPr>
+        <p:style>
+          <a:lnRef idx="1">
+            <a:schemeClr val="accent1"/>
+          </a:lnRef>
+          <a:fillRef idx="0">
+            <a:schemeClr val="accent1"/>
+          </a:fillRef>
+          <a:effectRef idx="0">
+            <a:schemeClr val="accent1"/>
+          </a:effectRef>
+          <a:fontRef idx="minor">
+            <a:schemeClr val="tx1"/>
+          </a:fontRef>
+        </p:style>
+      </p:cxnSp>
+      <p:pic>
+        <p:nvPicPr>
+          <p:cNvPr id="61" name="Graphic 60">
+            <a:extLst>
+              <a:ext uri="{FF2B5EF4-FFF2-40B4-BE49-F238E27FC236}">
+                <a16:creationId xmlns:a16="http://schemas.microsoft.com/office/drawing/2014/main" id="{26749188-DFBE-2645-B69B-6016F558E2C4}"/>
+              </a:ext>
+            </a:extLst>
+          </p:cNvPr>
+          <p:cNvPicPr>
+            <a:picLocks noChangeAspect="1"/>
+          </p:cNvPicPr>
+          <p:nvPr/>
+        </p:nvPicPr>
+        <p:blipFill>
+          <a:blip r:embed="rId6">
+            <a:extLst>
+              <a:ext uri="{96DAC541-7B7A-43D3-8B79-37D633B846F1}">
+                <asvg:svgBlip xmlns:asvg="http://schemas.microsoft.com/office/drawing/2016/SVG/main" r:embed="rId7"/>
+              </a:ext>
+            </a:extLst>
+          </a:blip>
+          <a:stretch>
+            <a:fillRect/>
+          </a:stretch>
+        </p:blipFill>
+        <p:spPr>
+          <a:xfrm>
+            <a:off x="8231676" y="3134243"/>
+            <a:ext cx="469900" cy="469900"/>
+          </a:xfrm>
+          <a:prstGeom prst="rect">
+            <a:avLst/>
+          </a:prstGeom>
+        </p:spPr>
+      </p:pic>
+      <p:sp>
+        <p:nvSpPr>
+          <p:cNvPr id="98" name="TextBox 97">
+            <a:extLst>
+              <a:ext uri="{FF2B5EF4-FFF2-40B4-BE49-F238E27FC236}">
+                <a16:creationId xmlns:a16="http://schemas.microsoft.com/office/drawing/2014/main" id="{63A34B0F-2D9C-5740-A407-F3F4E760A6D9}"/>
+              </a:ext>
+            </a:extLst>
+          </p:cNvPr>
+          <p:cNvSpPr txBox="1"/>
+          <p:nvPr/>
+        </p:nvSpPr>
+        <p:spPr>
+          <a:xfrm>
+            <a:off x="1829646" y="209511"/>
+            <a:ext cx="1656224" cy="369332"/>
+          </a:xfrm>
+          <a:prstGeom prst="rect">
+            <a:avLst/>
+          </a:prstGeom>
+          <a:noFill/>
+        </p:spPr>
+        <p:txBody>
+          <a:bodyPr wrap="none" rtlCol="0">
+            <a:spAutoFit/>
+          </a:bodyPr>
+          <a:lstStyle/>
+          <a:p>
+            <a:pPr algn="ctr"/>
+            <a:r>
+              <a:rPr lang="en-US" dirty="0">
+                <a:latin typeface="NanumGothic" panose="020D0604000000000000" pitchFamily="34" charset="-127"/>
+                <a:ea typeface="NanumGothic" panose="020D0604000000000000" pitchFamily="34" charset="-127"/>
+              </a:rPr>
+              <a:t>Preprocessing</a:t>
+            </a:r>
+            <a:endParaRPr lang="en-KR" dirty="0">
+              <a:latin typeface="NanumGothic" panose="020D0604000000000000" pitchFamily="34" charset="-127"/>
+              <a:ea typeface="NanumGothic" panose="020D0604000000000000" pitchFamily="34" charset="-127"/>
+            </a:endParaRPr>
+          </a:p>
+        </p:txBody>
+      </p:sp>
+      <p:sp>
+        <p:nvSpPr>
+          <p:cNvPr id="99" name="TextBox 98">
+            <a:extLst>
+              <a:ext uri="{FF2B5EF4-FFF2-40B4-BE49-F238E27FC236}">
+                <a16:creationId xmlns:a16="http://schemas.microsoft.com/office/drawing/2014/main" id="{DF07018A-962E-E648-A5BF-13823448D43F}"/>
+              </a:ext>
+            </a:extLst>
+          </p:cNvPr>
+          <p:cNvSpPr txBox="1"/>
+          <p:nvPr/>
+        </p:nvSpPr>
+        <p:spPr>
+          <a:xfrm>
+            <a:off x="1675583" y="3476977"/>
+            <a:ext cx="1095172" cy="261610"/>
+          </a:xfrm>
+          <a:prstGeom prst="rect">
+            <a:avLst/>
+          </a:prstGeom>
+          <a:noFill/>
+        </p:spPr>
+        <p:txBody>
+          <a:bodyPr wrap="none" rtlCol="0">
+            <a:spAutoFit/>
+          </a:bodyPr>
+          <a:lstStyle/>
+          <a:p>
+            <a:pPr algn="ctr"/>
+            <a:r>
+              <a:rPr lang="ko-KR" altLang="en-US" sz="1100" dirty="0">
+                <a:latin typeface="NanumGothic" panose="020D0604000000000000" pitchFamily="34" charset="-127"/>
+                <a:ea typeface="NanumGothic" panose="020D0604000000000000" pitchFamily="34" charset="-127"/>
+              </a:rPr>
+              <a:t>작품 조회 로그</a:t>
+            </a:r>
+            <a:endParaRPr lang="en-KR" sz="1100" dirty="0">
+              <a:latin typeface="NanumGothic" panose="020D0604000000000000" pitchFamily="34" charset="-127"/>
+              <a:ea typeface="NanumGothic" panose="020D0604000000000000" pitchFamily="34" charset="-127"/>
+            </a:endParaRPr>
+          </a:p>
+        </p:txBody>
+      </p:sp>
+      <p:sp>
+        <p:nvSpPr>
+          <p:cNvPr id="101" name="TextBox 100">
+            <a:extLst>
+              <a:ext uri="{FF2B5EF4-FFF2-40B4-BE49-F238E27FC236}">
+                <a16:creationId xmlns:a16="http://schemas.microsoft.com/office/drawing/2014/main" id="{41CBB57C-210B-3440-BF1D-EE42B3CA7854}"/>
+              </a:ext>
+            </a:extLst>
+          </p:cNvPr>
+          <p:cNvSpPr txBox="1"/>
+          <p:nvPr/>
+        </p:nvSpPr>
+        <p:spPr>
+          <a:xfrm>
+            <a:off x="5713936" y="2229185"/>
+            <a:ext cx="1172116" cy="600164"/>
+          </a:xfrm>
+          <a:prstGeom prst="rect">
+            <a:avLst/>
+          </a:prstGeom>
+          <a:noFill/>
+        </p:spPr>
+        <p:txBody>
+          <a:bodyPr wrap="none" rtlCol="0">
+            <a:spAutoFit/>
+          </a:bodyPr>
+          <a:lstStyle/>
+          <a:p>
+            <a:pPr algn="ctr"/>
+            <a:r>
+              <a:rPr lang="en-US" altLang="ko-KR" sz="1100" dirty="0">
+                <a:latin typeface="NanumGothic" panose="020D0604000000000000" pitchFamily="34" charset="-127"/>
+                <a:ea typeface="NanumGothic" panose="020D0604000000000000" pitchFamily="34" charset="-127"/>
+              </a:rPr>
+              <a:t>CTAS Query </a:t>
+            </a:r>
+          </a:p>
+          <a:p>
+            <a:pPr algn="ctr"/>
+            <a:r>
+              <a:rPr lang="en-US" sz="1100" dirty="0">
+                <a:latin typeface="NanumGothic" panose="020D0604000000000000" pitchFamily="34" charset="-127"/>
+                <a:ea typeface="NanumGothic" panose="020D0604000000000000" pitchFamily="34" charset="-127"/>
+              </a:rPr>
+              <a:t>For </a:t>
+            </a:r>
+          </a:p>
+          <a:p>
+            <a:pPr algn="ctr"/>
+            <a:r>
+              <a:rPr lang="en-US" sz="1100" dirty="0">
+                <a:latin typeface="NanumGothic" panose="020D0604000000000000" pitchFamily="34" charset="-127"/>
+                <a:ea typeface="NanumGothic" panose="020D0604000000000000" pitchFamily="34" charset="-127"/>
+              </a:rPr>
+              <a:t>Avro transform</a:t>
+            </a:r>
+            <a:endParaRPr lang="en-KR" sz="1100" dirty="0">
+              <a:latin typeface="NanumGothic" panose="020D0604000000000000" pitchFamily="34" charset="-127"/>
+              <a:ea typeface="NanumGothic" panose="020D0604000000000000" pitchFamily="34" charset="-127"/>
+            </a:endParaRPr>
+          </a:p>
+        </p:txBody>
+      </p:sp>
+      <p:cxnSp>
+        <p:nvCxnSpPr>
+          <p:cNvPr id="124" name="Straight Arrow Connector 123">
+            <a:extLst>
+              <a:ext uri="{FF2B5EF4-FFF2-40B4-BE49-F238E27FC236}">
+                <a16:creationId xmlns:a16="http://schemas.microsoft.com/office/drawing/2014/main" id="{DB0EE448-FDD0-5A4D-B71B-D58EC339C3B3}"/>
+              </a:ext>
+            </a:extLst>
+          </p:cNvPr>
+          <p:cNvCxnSpPr>
+            <a:cxnSpLocks/>
+            <a:endCxn id="61" idx="3"/>
+          </p:cNvCxnSpPr>
+          <p:nvPr/>
+        </p:nvCxnSpPr>
+        <p:spPr>
+          <a:xfrm flipH="1" flipV="1">
+            <a:off x="8701578" y="3369195"/>
+            <a:ext cx="2395195" cy="4035"/>
+          </a:xfrm>
+          <a:prstGeom prst="straightConnector1">
+            <a:avLst/>
+          </a:prstGeom>
+          <a:ln w="12700">
+            <a:solidFill>
+              <a:srgbClr val="545B64"/>
+            </a:solidFill>
+            <a:headEnd type="arrow" w="med" len="sm"/>
+            <a:tailEnd type="none" w="med" len="sm"/>
+          </a:ln>
+        </p:spPr>
+        <p:style>
+          <a:lnRef idx="1">
+            <a:schemeClr val="accent1"/>
+          </a:lnRef>
+          <a:fillRef idx="0">
+            <a:schemeClr val="accent1"/>
+          </a:fillRef>
+          <a:effectRef idx="0">
+            <a:schemeClr val="accent1"/>
+          </a:effectRef>
+          <a:fontRef idx="minor">
+            <a:schemeClr val="tx1"/>
+          </a:fontRef>
+        </p:style>
+      </p:cxnSp>
+      <p:pic>
+        <p:nvPicPr>
+          <p:cNvPr id="63" name="Graphic 60">
+            <a:extLst>
+              <a:ext uri="{FF2B5EF4-FFF2-40B4-BE49-F238E27FC236}">
+                <a16:creationId xmlns:a16="http://schemas.microsoft.com/office/drawing/2014/main" id="{CB66885F-963B-0C41-B316-72BB4A3A38AF}"/>
+              </a:ext>
+            </a:extLst>
+          </p:cNvPr>
+          <p:cNvPicPr>
+            <a:picLocks noChangeAspect="1"/>
+          </p:cNvPicPr>
+          <p:nvPr/>
+        </p:nvPicPr>
+        <p:blipFill>
+          <a:blip r:embed="rId6">
+            <a:extLst>
+              <a:ext uri="{96DAC541-7B7A-43D3-8B79-37D633B846F1}">
+                <asvg:svgBlip xmlns:asvg="http://schemas.microsoft.com/office/drawing/2016/SVG/main" r:embed="rId7"/>
+              </a:ext>
+            </a:extLst>
+          </a:blip>
+          <a:stretch>
+            <a:fillRect/>
+          </a:stretch>
+        </p:blipFill>
+        <p:spPr>
+          <a:xfrm>
+            <a:off x="3898414" y="3134243"/>
+            <a:ext cx="469900" cy="469900"/>
+          </a:xfrm>
+          <a:prstGeom prst="rect">
+            <a:avLst/>
+          </a:prstGeom>
+        </p:spPr>
+      </p:pic>
+      <p:pic>
+        <p:nvPicPr>
+          <p:cNvPr id="1026" name="Picture 2" descr="AWS Athena 2019 review. This is part of a blog post series… | by Ricardo  Mayerhofer | Medium">
+            <a:extLst>
+              <a:ext uri="{FF2B5EF4-FFF2-40B4-BE49-F238E27FC236}">
+                <a16:creationId xmlns:a16="http://schemas.microsoft.com/office/drawing/2014/main" id="{D63BECC5-3230-B346-93D9-C9B0EB78DB9B}"/>
+              </a:ext>
+            </a:extLst>
+          </p:cNvPr>
+          <p:cNvPicPr>
+            <a:picLocks noChangeAspect="1" noChangeArrowheads="1"/>
+          </p:cNvPicPr>
+          <p:nvPr/>
+        </p:nvPicPr>
+        <p:blipFill>
+          <a:blip r:embed="rId8">
+            <a:extLst>
+              <a:ext uri="{28A0092B-C50C-407E-A947-70E740481C1C}">
+                <a14:useLocalDpi xmlns:a14="http://schemas.microsoft.com/office/drawing/2010/main" val="0"/>
+              </a:ext>
+            </a:extLst>
+          </a:blip>
+          <a:srcRect/>
+          <a:stretch>
+            <a:fillRect/>
+          </a:stretch>
+        </p:blipFill>
+        <p:spPr bwMode="auto">
+          <a:xfrm>
+            <a:off x="6083824" y="3134243"/>
+            <a:ext cx="475478" cy="469900"/>
+          </a:xfrm>
+          <a:prstGeom prst="rect">
+            <a:avLst/>
+          </a:prstGeom>
+          <a:noFill/>
+          <a:extLst>
+            <a:ext uri="{909E8E84-426E-40DD-AFC4-6F175D3DCCD1}">
+              <a14:hiddenFill xmlns:a14="http://schemas.microsoft.com/office/drawing/2010/main">
+                <a:solidFill>
+                  <a:srgbClr val="FFFFFF"/>
+                </a:solidFill>
+              </a14:hiddenFill>
+            </a:ext>
+          </a:extLst>
+        </p:spPr>
+      </p:pic>
+      <p:cxnSp>
+        <p:nvCxnSpPr>
+          <p:cNvPr id="65" name="Straight Arrow Connector 58">
+            <a:extLst>
+              <a:ext uri="{FF2B5EF4-FFF2-40B4-BE49-F238E27FC236}">
+                <a16:creationId xmlns:a16="http://schemas.microsoft.com/office/drawing/2014/main" id="{560AE7BF-0568-B045-BAE8-20A766611254}"/>
+              </a:ext>
+            </a:extLst>
+          </p:cNvPr>
+          <p:cNvCxnSpPr>
+            <a:cxnSpLocks/>
+            <a:stCxn id="61" idx="1"/>
+            <a:endCxn id="1026" idx="3"/>
+          </p:cNvCxnSpPr>
+          <p:nvPr/>
+        </p:nvCxnSpPr>
+        <p:spPr>
+          <a:xfrm flipH="1">
+            <a:off x="6559302" y="3369193"/>
+            <a:ext cx="1672374" cy="0"/>
+          </a:xfrm>
+          <a:prstGeom prst="straightConnector1">
+            <a:avLst/>
+          </a:prstGeom>
+          <a:ln w="12700">
+            <a:solidFill>
+              <a:srgbClr val="545B64"/>
+            </a:solidFill>
+            <a:headEnd type="arrow" w="med" len="sm"/>
+            <a:tailEnd type="none" w="med" len="sm"/>
+          </a:ln>
+        </p:spPr>
+        <p:style>
+          <a:lnRef idx="1">
+            <a:schemeClr val="accent1"/>
+          </a:lnRef>
+          <a:fillRef idx="0">
+            <a:schemeClr val="accent1"/>
+          </a:fillRef>
+          <a:effectRef idx="0">
+            <a:schemeClr val="accent1"/>
+          </a:effectRef>
+          <a:fontRef idx="minor">
+            <a:schemeClr val="tx1"/>
+          </a:fontRef>
+        </p:style>
+      </p:cxnSp>
+      <p:sp>
+        <p:nvSpPr>
+          <p:cNvPr id="71" name="TextBox 70">
+            <a:extLst>
+              <a:ext uri="{FF2B5EF4-FFF2-40B4-BE49-F238E27FC236}">
+                <a16:creationId xmlns:a16="http://schemas.microsoft.com/office/drawing/2014/main" id="{9E753005-0509-5F4B-A30D-22D319FD7495}"/>
+              </a:ext>
+            </a:extLst>
+          </p:cNvPr>
+          <p:cNvSpPr txBox="1"/>
+          <p:nvPr/>
+        </p:nvSpPr>
+        <p:spPr>
+          <a:xfrm>
+            <a:off x="7786792" y="3668301"/>
+            <a:ext cx="1359668" cy="261610"/>
+          </a:xfrm>
+          <a:prstGeom prst="rect">
+            <a:avLst/>
+          </a:prstGeom>
+          <a:noFill/>
+        </p:spPr>
+        <p:txBody>
+          <a:bodyPr wrap="none" rtlCol="0">
+            <a:spAutoFit/>
+          </a:bodyPr>
+          <a:lstStyle/>
+          <a:p>
+            <a:pPr algn="ctr"/>
+            <a:r>
+              <a:rPr lang="en-US" sz="1100" dirty="0">
+                <a:latin typeface="NanumGothic" panose="020D0604000000000000" pitchFamily="34" charset="-127"/>
+                <a:ea typeface="NanumGothic" panose="020D0604000000000000" pitchFamily="34" charset="-127"/>
+              </a:rPr>
+              <a:t>Transformed Data</a:t>
+            </a:r>
+            <a:endParaRPr lang="en-KR" sz="1100" dirty="0">
+              <a:latin typeface="NanumGothic" panose="020D0604000000000000" pitchFamily="34" charset="-127"/>
+              <a:ea typeface="NanumGothic" panose="020D0604000000000000" pitchFamily="34" charset="-127"/>
+            </a:endParaRPr>
+          </a:p>
+        </p:txBody>
+      </p:sp>
+      <p:sp>
+        <p:nvSpPr>
+          <p:cNvPr id="72" name="TextBox 71">
+            <a:extLst>
+              <a:ext uri="{FF2B5EF4-FFF2-40B4-BE49-F238E27FC236}">
+                <a16:creationId xmlns:a16="http://schemas.microsoft.com/office/drawing/2014/main" id="{45EB5731-6C54-7041-99AA-2DBB56A95EDB}"/>
+              </a:ext>
+            </a:extLst>
+          </p:cNvPr>
+          <p:cNvSpPr txBox="1"/>
+          <p:nvPr/>
+        </p:nvSpPr>
+        <p:spPr>
+          <a:xfrm>
+            <a:off x="3313718" y="3639393"/>
+            <a:ext cx="1566454" cy="261610"/>
+          </a:xfrm>
+          <a:prstGeom prst="rect">
+            <a:avLst/>
+          </a:prstGeom>
+          <a:noFill/>
+        </p:spPr>
+        <p:txBody>
+          <a:bodyPr wrap="none" rtlCol="0">
+            <a:spAutoFit/>
+          </a:bodyPr>
+          <a:lstStyle/>
+          <a:p>
+            <a:pPr algn="ctr"/>
+            <a:r>
+              <a:rPr lang="en-US" sz="1100" dirty="0">
+                <a:latin typeface="NanumGothic" panose="020D0604000000000000" pitchFamily="34" charset="-127"/>
+                <a:ea typeface="NanumGothic" panose="020D0604000000000000" pitchFamily="34" charset="-127"/>
+              </a:rPr>
+              <a:t>Origin Data from Log</a:t>
+            </a:r>
+            <a:endParaRPr lang="en-KR" sz="1100" dirty="0">
+              <a:latin typeface="NanumGothic" panose="020D0604000000000000" pitchFamily="34" charset="-127"/>
+              <a:ea typeface="NanumGothic" panose="020D0604000000000000" pitchFamily="34" charset="-127"/>
+            </a:endParaRPr>
+          </a:p>
+        </p:txBody>
+      </p:sp>
+      <p:sp>
+        <p:nvSpPr>
+          <p:cNvPr id="73" name="TextBox 72">
+            <a:extLst>
+              <a:ext uri="{FF2B5EF4-FFF2-40B4-BE49-F238E27FC236}">
+                <a16:creationId xmlns:a16="http://schemas.microsoft.com/office/drawing/2014/main" id="{2D8EEF01-0252-FB47-8391-2AF6AF846B2A}"/>
+              </a:ext>
+            </a:extLst>
+          </p:cNvPr>
+          <p:cNvSpPr txBox="1"/>
+          <p:nvPr/>
+        </p:nvSpPr>
+        <p:spPr>
+          <a:xfrm>
+            <a:off x="5990382" y="3628311"/>
+            <a:ext cx="662361" cy="261610"/>
+          </a:xfrm>
+          <a:prstGeom prst="rect">
+            <a:avLst/>
+          </a:prstGeom>
+          <a:noFill/>
+        </p:spPr>
+        <p:txBody>
+          <a:bodyPr wrap="none" rtlCol="0">
+            <a:spAutoFit/>
+          </a:bodyPr>
+          <a:lstStyle/>
+          <a:p>
+            <a:pPr algn="ctr"/>
+            <a:r>
+              <a:rPr lang="en-US" altLang="ko-KR" sz="1100" dirty="0">
+                <a:latin typeface="NanumGothic" panose="020D0604000000000000" pitchFamily="34" charset="-127"/>
+                <a:ea typeface="NanumGothic" panose="020D0604000000000000" pitchFamily="34" charset="-127"/>
+              </a:rPr>
+              <a:t>Athena</a:t>
+            </a:r>
+            <a:endParaRPr lang="en-KR" sz="1100" dirty="0">
+              <a:latin typeface="NanumGothic" panose="020D0604000000000000" pitchFamily="34" charset="-127"/>
+              <a:ea typeface="NanumGothic" panose="020D0604000000000000" pitchFamily="34" charset="-127"/>
+            </a:endParaRPr>
+          </a:p>
+        </p:txBody>
+      </p:sp>
+      <p:pic>
+        <p:nvPicPr>
+          <p:cNvPr id="1028" name="Picture 4" descr="AWS Icon Set | A Cloud Xpert">
+            <a:extLst>
+              <a:ext uri="{FF2B5EF4-FFF2-40B4-BE49-F238E27FC236}">
+                <a16:creationId xmlns:a16="http://schemas.microsoft.com/office/drawing/2014/main" id="{B5C5544C-E8C1-D940-ACCF-3E87F712BA39}"/>
+              </a:ext>
+            </a:extLst>
+          </p:cNvPr>
+          <p:cNvPicPr>
+            <a:picLocks noChangeAspect="1" noChangeArrowheads="1"/>
+          </p:cNvPicPr>
+          <p:nvPr/>
+        </p:nvPicPr>
+        <p:blipFill>
+          <a:blip r:embed="rId9">
+            <a:extLst>
+              <a:ext uri="{28A0092B-C50C-407E-A947-70E740481C1C}">
+                <a14:useLocalDpi xmlns:a14="http://schemas.microsoft.com/office/drawing/2010/main" val="0"/>
+              </a:ext>
+            </a:extLst>
+          </a:blip>
+          <a:srcRect/>
+          <a:stretch>
+            <a:fillRect/>
+          </a:stretch>
+        </p:blipFill>
+        <p:spPr bwMode="auto">
+          <a:xfrm>
+            <a:off x="2596168" y="1428943"/>
+            <a:ext cx="469900" cy="469900"/>
+          </a:xfrm>
+          <a:prstGeom prst="rect">
+            <a:avLst/>
+          </a:prstGeom>
+          <a:noFill/>
+          <a:extLst>
+            <a:ext uri="{909E8E84-426E-40DD-AFC4-6F175D3DCCD1}">
+              <a14:hiddenFill xmlns:a14="http://schemas.microsoft.com/office/drawing/2010/main">
+                <a:solidFill>
+                  <a:srgbClr val="FFFFFF"/>
+                </a:solidFill>
+              </a14:hiddenFill>
+            </a:ext>
+          </a:extLst>
+        </p:spPr>
+      </p:pic>
+    </p:spTree>
+    <p:extLst>
+      <p:ext uri="{BB962C8B-B14F-4D97-AF65-F5344CB8AC3E}">
+        <p14:creationId xmlns:p14="http://schemas.microsoft.com/office/powerpoint/2010/main" val="860768486"/>
+      </p:ext>
+    </p:extLst>
+  </p:cSld>
+  <p:clrMapOvr>
+    <a:masterClrMapping/>
+  </p:clrMapOvr>
+</p:sld>
+</file>
+
+<file path=ppt/slides/slide4.xml><?xml version="1.0" encoding="utf-8"?>
+<p:sld xmlns:a="http://schemas.openxmlformats.org/drawingml/2006/main" xmlns:r="http://schemas.openxmlformats.org/officeDocument/2006/relationships" xmlns:p="http://schemas.openxmlformats.org/presentationml/2006/main">
+  <p:cSld>
+    <p:spTree>
+      <p:nvGrpSpPr>
+        <p:cNvPr id="1" name=""/>
+        <p:cNvGrpSpPr/>
+        <p:nvPr/>
+      </p:nvGrpSpPr>
+      <p:grpSpPr>
+        <a:xfrm>
+          <a:off x="0" y="0"/>
+          <a:ext cx="0" cy="0"/>
+          <a:chOff x="0" y="0"/>
+          <a:chExt cx="0" cy="0"/>
+        </a:xfrm>
+      </p:grpSpPr>
+      <p:sp>
+        <p:nvSpPr>
+          <p:cNvPr id="2" name="제목 1">
+            <a:extLst>
+              <a:ext uri="{FF2B5EF4-FFF2-40B4-BE49-F238E27FC236}">
+                <a16:creationId xmlns:a16="http://schemas.microsoft.com/office/drawing/2014/main" id="{F5702C65-3BED-3445-9B8B-BB5CA36FA5A0}"/>
+              </a:ext>
+            </a:extLst>
+          </p:cNvPr>
+          <p:cNvSpPr>
+            <a:spLocks noGrp="1"/>
+          </p:cNvSpPr>
+          <p:nvPr>
+            <p:ph type="title"/>
+          </p:nvPr>
+        </p:nvSpPr>
+        <p:spPr/>
+        <p:txBody>
+          <a:bodyPr/>
+          <a:lstStyle/>
+          <a:p>
+            <a:r>
+              <a:rPr kumimoji="1" lang="en-US" altLang="ko-Kore-KR" dirty="0" err="1"/>
+              <a:t>Proprocessing</a:t>
+            </a:r>
+            <a:endParaRPr kumimoji="1" lang="ko-Kore-KR" altLang="en-US" dirty="0"/>
+          </a:p>
+        </p:txBody>
+      </p:sp>
+      <p:pic>
+        <p:nvPicPr>
+          <p:cNvPr id="3" name="Graphic 40">
+            <a:extLst>
+              <a:ext uri="{FF2B5EF4-FFF2-40B4-BE49-F238E27FC236}">
+                <a16:creationId xmlns:a16="http://schemas.microsoft.com/office/drawing/2014/main" id="{1D6514D2-7C09-0442-B078-332A1B1036C0}"/>
+              </a:ext>
+            </a:extLst>
+          </p:cNvPr>
+          <p:cNvPicPr>
+            <a:picLocks noChangeAspect="1"/>
+          </p:cNvPicPr>
+          <p:nvPr/>
+        </p:nvPicPr>
+        <p:blipFill>
+          <a:blip r:embed="rId2">
+            <a:extLst>
+              <a:ext uri="{96DAC541-7B7A-43D3-8B79-37D633B846F1}">
+                <asvg:svgBlip xmlns:asvg="http://schemas.microsoft.com/office/drawing/2016/SVG/main" r:embed="rId3"/>
+              </a:ext>
+            </a:extLst>
+          </a:blip>
+          <a:stretch>
+            <a:fillRect/>
+          </a:stretch>
+        </p:blipFill>
+        <p:spPr>
+          <a:xfrm flipH="1">
+            <a:off x="1799015" y="2479485"/>
+            <a:ext cx="919689" cy="893661"/>
+          </a:xfrm>
+          <a:prstGeom prst="rect">
+            <a:avLst/>
+          </a:prstGeom>
+        </p:spPr>
+      </p:pic>
+      <p:cxnSp>
+        <p:nvCxnSpPr>
+          <p:cNvPr id="5" name="Straight Arrow Connector 45">
+            <a:extLst>
+              <a:ext uri="{FF2B5EF4-FFF2-40B4-BE49-F238E27FC236}">
+                <a16:creationId xmlns:a16="http://schemas.microsoft.com/office/drawing/2014/main" id="{C891BF51-09DF-2843-993D-CDA40EF7416E}"/>
+              </a:ext>
+            </a:extLst>
+          </p:cNvPr>
+          <p:cNvCxnSpPr>
+            <a:cxnSpLocks/>
+            <a:stCxn id="13" idx="1"/>
+            <a:endCxn id="3" idx="1"/>
+          </p:cNvCxnSpPr>
+          <p:nvPr/>
+        </p:nvCxnSpPr>
+        <p:spPr>
+          <a:xfrm flipH="1" flipV="1">
+            <a:off x="2718704" y="2926316"/>
+            <a:ext cx="1418082" cy="1"/>
+          </a:xfrm>
+          <a:prstGeom prst="straightConnector1">
+            <a:avLst/>
+          </a:prstGeom>
+          <a:ln w="12700">
+            <a:solidFill>
+              <a:srgbClr val="545B64"/>
+            </a:solidFill>
+            <a:headEnd type="arrow" w="med" len="sm"/>
+            <a:tailEnd type="none" w="med" len="sm"/>
+          </a:ln>
+        </p:spPr>
+        <p:style>
+          <a:lnRef idx="1">
+            <a:schemeClr val="accent1"/>
+          </a:lnRef>
+          <a:fillRef idx="0">
+            <a:schemeClr val="accent1"/>
+          </a:fillRef>
+          <a:effectRef idx="0">
+            <a:schemeClr val="accent1"/>
+          </a:effectRef>
+          <a:fontRef idx="minor">
+            <a:schemeClr val="tx1"/>
+          </a:fontRef>
+        </p:style>
+      </p:cxnSp>
+      <p:pic>
+        <p:nvPicPr>
+          <p:cNvPr id="6" name="Graphic 51">
+            <a:extLst>
+              <a:ext uri="{FF2B5EF4-FFF2-40B4-BE49-F238E27FC236}">
+                <a16:creationId xmlns:a16="http://schemas.microsoft.com/office/drawing/2014/main" id="{3E84C0EF-03CE-D44E-8FFA-3F0412F957C6}"/>
+              </a:ext>
+            </a:extLst>
+          </p:cNvPr>
+          <p:cNvPicPr>
+            <a:picLocks noChangeAspect="1"/>
+          </p:cNvPicPr>
+          <p:nvPr/>
+        </p:nvPicPr>
+        <p:blipFill>
+          <a:blip r:embed="rId4">
+            <a:extLst>
+              <a:ext uri="{96DAC541-7B7A-43D3-8B79-37D633B846F1}">
+                <asvg:svgBlip xmlns:asvg="http://schemas.microsoft.com/office/drawing/2016/SVG/main" r:embed="rId5"/>
+              </a:ext>
+            </a:extLst>
+          </a:blip>
+          <a:stretch>
+            <a:fillRect/>
+          </a:stretch>
+        </p:blipFill>
+        <p:spPr>
+          <a:xfrm>
+            <a:off x="6581416" y="5831908"/>
+            <a:ext cx="1095172" cy="1095172"/>
+          </a:xfrm>
+          <a:prstGeom prst="rect">
+            <a:avLst/>
+          </a:prstGeom>
+        </p:spPr>
+      </p:pic>
+      <p:cxnSp>
+        <p:nvCxnSpPr>
+          <p:cNvPr id="7" name="Straight Arrow Connector 58">
+            <a:extLst>
+              <a:ext uri="{FF2B5EF4-FFF2-40B4-BE49-F238E27FC236}">
+                <a16:creationId xmlns:a16="http://schemas.microsoft.com/office/drawing/2014/main" id="{ABBE6E7C-B701-A641-B236-ADF887A21AEF}"/>
+              </a:ext>
+            </a:extLst>
+          </p:cNvPr>
+          <p:cNvCxnSpPr>
+            <a:cxnSpLocks/>
+            <a:stCxn id="14" idx="1"/>
+            <a:endCxn id="13" idx="3"/>
+          </p:cNvCxnSpPr>
+          <p:nvPr/>
+        </p:nvCxnSpPr>
+        <p:spPr>
+          <a:xfrm flipH="1" flipV="1">
+            <a:off x="5261063" y="2926317"/>
+            <a:ext cx="1411062" cy="22293"/>
+          </a:xfrm>
+          <a:prstGeom prst="straightConnector1">
+            <a:avLst/>
+          </a:prstGeom>
+          <a:ln w="12700">
+            <a:solidFill>
+              <a:srgbClr val="545B64"/>
+            </a:solidFill>
+            <a:headEnd type="arrow" w="med" len="sm"/>
+            <a:tailEnd type="none" w="med" len="sm"/>
+          </a:ln>
+        </p:spPr>
+        <p:style>
+          <a:lnRef idx="1">
+            <a:schemeClr val="accent1"/>
+          </a:lnRef>
+          <a:fillRef idx="0">
+            <a:schemeClr val="accent1"/>
+          </a:fillRef>
+          <a:effectRef idx="0">
+            <a:schemeClr val="accent1"/>
+          </a:effectRef>
+          <a:fontRef idx="minor">
+            <a:schemeClr val="tx1"/>
+          </a:fontRef>
+        </p:style>
+      </p:cxnSp>
+      <p:sp>
+        <p:nvSpPr>
+          <p:cNvPr id="11" name="TextBox 10">
+            <a:extLst>
+              <a:ext uri="{FF2B5EF4-FFF2-40B4-BE49-F238E27FC236}">
+                <a16:creationId xmlns:a16="http://schemas.microsoft.com/office/drawing/2014/main" id="{AC9CEFAB-B646-6249-BBB8-5BA449B41E91}"/>
+              </a:ext>
+            </a:extLst>
+          </p:cNvPr>
+          <p:cNvSpPr txBox="1"/>
+          <p:nvPr/>
+        </p:nvSpPr>
+        <p:spPr>
+          <a:xfrm>
+            <a:off x="6757104" y="1786307"/>
+            <a:ext cx="1172116" cy="600164"/>
+          </a:xfrm>
+          <a:prstGeom prst="rect">
+            <a:avLst/>
+          </a:prstGeom>
+          <a:noFill/>
+        </p:spPr>
+        <p:txBody>
+          <a:bodyPr wrap="none" rtlCol="0">
+            <a:spAutoFit/>
+          </a:bodyPr>
+          <a:lstStyle/>
+          <a:p>
+            <a:pPr algn="ctr"/>
+            <a:r>
+              <a:rPr lang="en-US" altLang="ko-KR" sz="1100" dirty="0">
+                <a:latin typeface="NanumGothic" panose="020D0604000000000000" pitchFamily="34" charset="-127"/>
+                <a:ea typeface="NanumGothic" panose="020D0604000000000000" pitchFamily="34" charset="-127"/>
+              </a:rPr>
+              <a:t>CTAS Query </a:t>
+            </a:r>
+          </a:p>
+          <a:p>
+            <a:pPr algn="ctr"/>
+            <a:r>
+              <a:rPr lang="en-US" sz="1100" dirty="0">
+                <a:latin typeface="NanumGothic" panose="020D0604000000000000" pitchFamily="34" charset="-127"/>
+                <a:ea typeface="NanumGothic" panose="020D0604000000000000" pitchFamily="34" charset="-127"/>
+              </a:rPr>
+              <a:t>For </a:t>
+            </a:r>
+          </a:p>
+          <a:p>
+            <a:pPr algn="ctr"/>
+            <a:r>
+              <a:rPr lang="en-US" sz="1100" dirty="0">
+                <a:latin typeface="NanumGothic" panose="020D0604000000000000" pitchFamily="34" charset="-127"/>
+                <a:ea typeface="NanumGothic" panose="020D0604000000000000" pitchFamily="34" charset="-127"/>
+              </a:rPr>
+              <a:t>Avro transform</a:t>
+            </a:r>
+            <a:endParaRPr lang="en-KR" sz="1100" dirty="0">
+              <a:latin typeface="NanumGothic" panose="020D0604000000000000" pitchFamily="34" charset="-127"/>
+              <a:ea typeface="NanumGothic" panose="020D0604000000000000" pitchFamily="34" charset="-127"/>
+            </a:endParaRPr>
+          </a:p>
+        </p:txBody>
+      </p:sp>
+      <p:pic>
+        <p:nvPicPr>
+          <p:cNvPr id="13" name="Graphic 60">
+            <a:extLst>
+              <a:ext uri="{FF2B5EF4-FFF2-40B4-BE49-F238E27FC236}">
+                <a16:creationId xmlns:a16="http://schemas.microsoft.com/office/drawing/2014/main" id="{7C504F88-012A-5845-83D1-2357F0EBD075}"/>
+              </a:ext>
+            </a:extLst>
+          </p:cNvPr>
+          <p:cNvPicPr>
+            <a:picLocks noChangeAspect="1"/>
+          </p:cNvPicPr>
+          <p:nvPr/>
+        </p:nvPicPr>
+        <p:blipFill>
+          <a:blip r:embed="rId6">
+            <a:extLst>
+              <a:ext uri="{96DAC541-7B7A-43D3-8B79-37D633B846F1}">
+                <asvg:svgBlip xmlns:asvg="http://schemas.microsoft.com/office/drawing/2016/SVG/main" r:embed="rId7"/>
+              </a:ext>
+            </a:extLst>
+          </a:blip>
+          <a:stretch>
+            <a:fillRect/>
+          </a:stretch>
+        </p:blipFill>
+        <p:spPr>
+          <a:xfrm>
+            <a:off x="4136786" y="2364178"/>
+            <a:ext cx="1124277" cy="1124277"/>
+          </a:xfrm>
+          <a:prstGeom prst="rect">
+            <a:avLst/>
+          </a:prstGeom>
+        </p:spPr>
+      </p:pic>
+      <p:pic>
+        <p:nvPicPr>
+          <p:cNvPr id="14" name="Picture 2" descr="AWS Athena 2019 review. This is part of a blog post series… | by Ricardo  Mayerhofer | Medium">
+            <a:extLst>
+              <a:ext uri="{FF2B5EF4-FFF2-40B4-BE49-F238E27FC236}">
+                <a16:creationId xmlns:a16="http://schemas.microsoft.com/office/drawing/2014/main" id="{25864F6C-7AE8-6249-B5D0-3D1475C2EB5F}"/>
+              </a:ext>
+            </a:extLst>
+          </p:cNvPr>
+          <p:cNvPicPr>
+            <a:picLocks noChangeAspect="1" noChangeArrowheads="1"/>
+          </p:cNvPicPr>
+          <p:nvPr/>
+        </p:nvPicPr>
+        <p:blipFill>
+          <a:blip r:embed="rId8">
+            <a:extLst>
+              <a:ext uri="{28A0092B-C50C-407E-A947-70E740481C1C}">
+                <a14:useLocalDpi xmlns:a14="http://schemas.microsoft.com/office/drawing/2010/main" val="0"/>
+              </a:ext>
+            </a:extLst>
+          </a:blip>
+          <a:srcRect/>
+          <a:stretch>
+            <a:fillRect/>
+          </a:stretch>
+        </p:blipFill>
+        <p:spPr bwMode="auto">
+          <a:xfrm>
+            <a:off x="6672125" y="2386471"/>
+            <a:ext cx="1137622" cy="1124277"/>
+          </a:xfrm>
+          <a:prstGeom prst="rect">
+            <a:avLst/>
+          </a:prstGeom>
+          <a:noFill/>
+          <a:extLst>
+            <a:ext uri="{909E8E84-426E-40DD-AFC4-6F175D3DCCD1}">
+              <a14:hiddenFill xmlns:a14="http://schemas.microsoft.com/office/drawing/2010/main">
+                <a:solidFill>
+                  <a:srgbClr val="FFFFFF"/>
+                </a:solidFill>
+              </a14:hiddenFill>
+            </a:ext>
+          </a:extLst>
+        </p:spPr>
+      </p:pic>
+      <p:cxnSp>
+        <p:nvCxnSpPr>
+          <p:cNvPr id="15" name="Straight Arrow Connector 58">
+            <a:extLst>
+              <a:ext uri="{FF2B5EF4-FFF2-40B4-BE49-F238E27FC236}">
+                <a16:creationId xmlns:a16="http://schemas.microsoft.com/office/drawing/2014/main" id="{8DED0CC0-BDD5-5D48-9C4D-786B9AE25FFB}"/>
+              </a:ext>
+            </a:extLst>
+          </p:cNvPr>
+          <p:cNvCxnSpPr>
+            <a:cxnSpLocks/>
+            <a:stCxn id="25" idx="1"/>
+            <a:endCxn id="14" idx="3"/>
+          </p:cNvCxnSpPr>
+          <p:nvPr/>
+        </p:nvCxnSpPr>
+        <p:spPr>
+          <a:xfrm flipH="1">
+            <a:off x="7809747" y="2948610"/>
+            <a:ext cx="1411062" cy="0"/>
+          </a:xfrm>
+          <a:prstGeom prst="straightConnector1">
+            <a:avLst/>
+          </a:prstGeom>
+          <a:ln w="12700">
+            <a:solidFill>
+              <a:srgbClr val="545B64"/>
+            </a:solidFill>
+            <a:headEnd type="arrow" w="med" len="sm"/>
+            <a:tailEnd type="none" w="med" len="sm"/>
+          </a:ln>
+        </p:spPr>
+        <p:style>
+          <a:lnRef idx="1">
+            <a:schemeClr val="accent1"/>
+          </a:lnRef>
+          <a:fillRef idx="0">
+            <a:schemeClr val="accent1"/>
+          </a:fillRef>
+          <a:effectRef idx="0">
+            <a:schemeClr val="accent1"/>
+          </a:effectRef>
+          <a:fontRef idx="minor">
+            <a:schemeClr val="tx1"/>
+          </a:fontRef>
+        </p:style>
+      </p:cxnSp>
+      <p:pic>
+        <p:nvPicPr>
+          <p:cNvPr id="19" name="Picture 4" descr="AWS Icon Set | A Cloud Xpert">
+            <a:extLst>
+              <a:ext uri="{FF2B5EF4-FFF2-40B4-BE49-F238E27FC236}">
+                <a16:creationId xmlns:a16="http://schemas.microsoft.com/office/drawing/2014/main" id="{DA85A535-FB86-8F44-8665-4BF1EA784B0B}"/>
+              </a:ext>
+            </a:extLst>
+          </p:cNvPr>
+          <p:cNvPicPr>
+            <a:picLocks noChangeAspect="1" noChangeArrowheads="1"/>
+          </p:cNvPicPr>
+          <p:nvPr/>
+        </p:nvPicPr>
+        <p:blipFill>
+          <a:blip r:embed="rId9">
+            <a:extLst>
+              <a:ext uri="{28A0092B-C50C-407E-A947-70E740481C1C}">
+                <a14:useLocalDpi xmlns:a14="http://schemas.microsoft.com/office/drawing/2010/main" val="0"/>
+              </a:ext>
+            </a:extLst>
+          </a:blip>
+          <a:srcRect/>
+          <a:stretch>
+            <a:fillRect/>
+          </a:stretch>
+        </p:blipFill>
+        <p:spPr bwMode="auto">
+          <a:xfrm>
+            <a:off x="4136786" y="5858330"/>
+            <a:ext cx="1068750" cy="1068750"/>
+          </a:xfrm>
+          <a:prstGeom prst="rect">
+            <a:avLst/>
+          </a:prstGeom>
+          <a:noFill/>
+          <a:extLst>
+            <a:ext uri="{909E8E84-426E-40DD-AFC4-6F175D3DCCD1}">
+              <a14:hiddenFill xmlns:a14="http://schemas.microsoft.com/office/drawing/2010/main">
+                <a:solidFill>
+                  <a:srgbClr val="FFFFFF"/>
+                </a:solidFill>
+              </a14:hiddenFill>
+            </a:ext>
+          </a:extLst>
+        </p:spPr>
+      </p:pic>
+      <p:sp>
+        <p:nvSpPr>
+          <p:cNvPr id="24" name="TextBox 23">
+            <a:extLst>
+              <a:ext uri="{FF2B5EF4-FFF2-40B4-BE49-F238E27FC236}">
+                <a16:creationId xmlns:a16="http://schemas.microsoft.com/office/drawing/2014/main" id="{1C48D1A2-F55A-1A43-87F6-D94CB7472BF7}"/>
+              </a:ext>
+            </a:extLst>
+          </p:cNvPr>
+          <p:cNvSpPr txBox="1"/>
+          <p:nvPr/>
+        </p:nvSpPr>
+        <p:spPr>
+          <a:xfrm>
+            <a:off x="3227333" y="3488455"/>
+            <a:ext cx="2943181" cy="923330"/>
+          </a:xfrm>
+          <a:prstGeom prst="rect">
+            <a:avLst/>
+          </a:prstGeom>
+          <a:noFill/>
+        </p:spPr>
+        <p:txBody>
+          <a:bodyPr wrap="square" rtlCol="0">
+            <a:spAutoFit/>
+          </a:bodyPr>
+          <a:lstStyle/>
+          <a:p>
+            <a:pPr algn="ctr"/>
+            <a:r>
+              <a:rPr kumimoji="1" lang="en-US" altLang="ko-Kore-KR" dirty="0"/>
+              <a:t>Origin Data </a:t>
+            </a:r>
+          </a:p>
+          <a:p>
+            <a:pPr algn="ctr"/>
+            <a:r>
+              <a:rPr kumimoji="1" lang="en-US" altLang="ko-Kore-KR" dirty="0"/>
+              <a:t>From</a:t>
+            </a:r>
+          </a:p>
+          <a:p>
+            <a:pPr algn="ctr"/>
+            <a:r>
+              <a:rPr kumimoji="1" lang="en-US" altLang="ko-Kore-KR" dirty="0"/>
+              <a:t>Log</a:t>
+            </a:r>
+            <a:endParaRPr kumimoji="1" lang="ko-Kore-KR" altLang="en-US" dirty="0"/>
+          </a:p>
+        </p:txBody>
+      </p:sp>
+      <p:pic>
+        <p:nvPicPr>
+          <p:cNvPr id="25" name="Graphic 60">
+            <a:extLst>
+              <a:ext uri="{FF2B5EF4-FFF2-40B4-BE49-F238E27FC236}">
+                <a16:creationId xmlns:a16="http://schemas.microsoft.com/office/drawing/2014/main" id="{32A6A265-160D-7D46-B224-F0FB1E8BFD86}"/>
+              </a:ext>
+            </a:extLst>
+          </p:cNvPr>
+          <p:cNvPicPr>
+            <a:picLocks noChangeAspect="1"/>
+          </p:cNvPicPr>
+          <p:nvPr/>
+        </p:nvPicPr>
+        <p:blipFill>
+          <a:blip r:embed="rId6">
+            <a:extLst>
+              <a:ext uri="{96DAC541-7B7A-43D3-8B79-37D633B846F1}">
+                <asvg:svgBlip xmlns:asvg="http://schemas.microsoft.com/office/drawing/2016/SVG/main" r:embed="rId7"/>
+              </a:ext>
+            </a:extLst>
+          </a:blip>
+          <a:stretch>
+            <a:fillRect/>
+          </a:stretch>
+        </p:blipFill>
+        <p:spPr>
+          <a:xfrm>
+            <a:off x="9220809" y="2386471"/>
+            <a:ext cx="1124277" cy="1124277"/>
+          </a:xfrm>
+          <a:prstGeom prst="rect">
+            <a:avLst/>
+          </a:prstGeom>
+        </p:spPr>
+      </p:pic>
+      <p:sp>
+        <p:nvSpPr>
+          <p:cNvPr id="41" name="TextBox 40">
+            <a:extLst>
+              <a:ext uri="{FF2B5EF4-FFF2-40B4-BE49-F238E27FC236}">
+                <a16:creationId xmlns:a16="http://schemas.microsoft.com/office/drawing/2014/main" id="{3659CC2E-5CFB-174C-89EC-67D6A540AEA7}"/>
+              </a:ext>
+            </a:extLst>
+          </p:cNvPr>
+          <p:cNvSpPr txBox="1"/>
+          <p:nvPr/>
+        </p:nvSpPr>
+        <p:spPr>
+          <a:xfrm>
+            <a:off x="5769345" y="3562906"/>
+            <a:ext cx="2943181" cy="369332"/>
+          </a:xfrm>
+          <a:prstGeom prst="rect">
+            <a:avLst/>
+          </a:prstGeom>
+          <a:noFill/>
+        </p:spPr>
+        <p:txBody>
+          <a:bodyPr wrap="square" rtlCol="0">
+            <a:spAutoFit/>
+          </a:bodyPr>
+          <a:lstStyle/>
+          <a:p>
+            <a:pPr algn="ctr"/>
+            <a:r>
+              <a:rPr kumimoji="1" lang="en-US" altLang="ko-Kore-KR" dirty="0"/>
+              <a:t>AWS Athena</a:t>
+            </a:r>
+            <a:endParaRPr kumimoji="1" lang="ko-Kore-KR" altLang="en-US" dirty="0"/>
+          </a:p>
+        </p:txBody>
+      </p:sp>
+      <p:sp>
+        <p:nvSpPr>
+          <p:cNvPr id="45" name="TextBox 44">
+            <a:extLst>
+              <a:ext uri="{FF2B5EF4-FFF2-40B4-BE49-F238E27FC236}">
+                <a16:creationId xmlns:a16="http://schemas.microsoft.com/office/drawing/2014/main" id="{5AF74CCE-25E3-B940-8CE6-5138F8B23995}"/>
+              </a:ext>
+            </a:extLst>
+          </p:cNvPr>
+          <p:cNvSpPr txBox="1"/>
+          <p:nvPr/>
+        </p:nvSpPr>
+        <p:spPr>
+          <a:xfrm>
+            <a:off x="8311357" y="3572549"/>
+            <a:ext cx="2943181" cy="646331"/>
+          </a:xfrm>
+          <a:prstGeom prst="rect">
+            <a:avLst/>
+          </a:prstGeom>
+          <a:noFill/>
+        </p:spPr>
+        <p:txBody>
+          <a:bodyPr wrap="square" rtlCol="0">
+            <a:spAutoFit/>
+          </a:bodyPr>
+          <a:lstStyle/>
+          <a:p>
+            <a:pPr algn="ctr"/>
+            <a:r>
+              <a:rPr kumimoji="1" lang="en-US" altLang="ko-Kore-KR" dirty="0"/>
+              <a:t>Transformed Data</a:t>
+            </a:r>
+          </a:p>
+          <a:p>
+            <a:pPr algn="ctr"/>
+            <a:r>
+              <a:rPr kumimoji="1" lang="en-US" altLang="ko-Kore-KR" dirty="0"/>
+              <a:t>(AVRO)</a:t>
+            </a:r>
+            <a:endParaRPr kumimoji="1" lang="ko-Kore-KR" altLang="en-US" dirty="0"/>
+          </a:p>
+        </p:txBody>
+      </p:sp>
+      <p:sp>
+        <p:nvSpPr>
+          <p:cNvPr id="50" name="TextBox 49">
+            <a:extLst>
+              <a:ext uri="{FF2B5EF4-FFF2-40B4-BE49-F238E27FC236}">
+                <a16:creationId xmlns:a16="http://schemas.microsoft.com/office/drawing/2014/main" id="{5FDE21DF-B5C6-8F45-91A7-A31D7DDC8465}"/>
+              </a:ext>
+            </a:extLst>
+          </p:cNvPr>
+          <p:cNvSpPr txBox="1"/>
+          <p:nvPr/>
+        </p:nvSpPr>
+        <p:spPr>
+          <a:xfrm>
+            <a:off x="2848595" y="2871174"/>
+            <a:ext cx="919690" cy="369332"/>
+          </a:xfrm>
+          <a:prstGeom prst="rect">
+            <a:avLst/>
+          </a:prstGeom>
+          <a:noFill/>
+        </p:spPr>
+        <p:txBody>
+          <a:bodyPr wrap="square" rtlCol="0">
+            <a:spAutoFit/>
+          </a:bodyPr>
+          <a:lstStyle/>
+          <a:p>
+            <a:pPr algn="ctr"/>
+            <a:r>
+              <a:rPr kumimoji="1" lang="en-US" altLang="ko-Kore-KR" dirty="0"/>
+              <a:t>Log</a:t>
+            </a:r>
+            <a:endParaRPr kumimoji="1" lang="ko-Kore-KR" altLang="en-US" dirty="0"/>
+          </a:p>
+        </p:txBody>
+      </p:sp>
+      <p:sp>
+        <p:nvSpPr>
+          <p:cNvPr id="51" name="TextBox 50">
+            <a:extLst>
+              <a:ext uri="{FF2B5EF4-FFF2-40B4-BE49-F238E27FC236}">
+                <a16:creationId xmlns:a16="http://schemas.microsoft.com/office/drawing/2014/main" id="{6E04109F-2329-724A-B8FB-304A7EF8D509}"/>
+              </a:ext>
+            </a:extLst>
+          </p:cNvPr>
+          <p:cNvSpPr txBox="1"/>
+          <p:nvPr/>
+        </p:nvSpPr>
+        <p:spPr>
+          <a:xfrm>
+            <a:off x="3227333" y="7092302"/>
+            <a:ext cx="2943181" cy="646331"/>
+          </a:xfrm>
+          <a:prstGeom prst="rect">
+            <a:avLst/>
+          </a:prstGeom>
+          <a:noFill/>
+        </p:spPr>
+        <p:txBody>
+          <a:bodyPr wrap="square" rtlCol="0">
+            <a:spAutoFit/>
+          </a:bodyPr>
+          <a:lstStyle/>
+          <a:p>
+            <a:pPr algn="ctr"/>
+            <a:r>
+              <a:rPr kumimoji="1" lang="en-US" altLang="ko-Kore-KR" dirty="0" err="1"/>
+              <a:t>EventBridge</a:t>
+            </a:r>
+            <a:endParaRPr kumimoji="1" lang="en-US" altLang="ko-Kore-KR" dirty="0"/>
+          </a:p>
+          <a:p>
+            <a:pPr algn="ctr"/>
+            <a:r>
+              <a:rPr kumimoji="1" lang="en-US" altLang="ko-Kore-KR" dirty="0"/>
+              <a:t>(CloudWatch Event)</a:t>
+            </a:r>
+            <a:endParaRPr kumimoji="1" lang="ko-Kore-KR" altLang="en-US" dirty="0"/>
+          </a:p>
+        </p:txBody>
+      </p:sp>
+      <p:cxnSp>
+        <p:nvCxnSpPr>
+          <p:cNvPr id="52" name="Straight Arrow Connector 58">
+            <a:extLst>
+              <a:ext uri="{FF2B5EF4-FFF2-40B4-BE49-F238E27FC236}">
+                <a16:creationId xmlns:a16="http://schemas.microsoft.com/office/drawing/2014/main" id="{FECB8DB6-D39F-F94C-8290-96B2D3024616}"/>
+              </a:ext>
+            </a:extLst>
+          </p:cNvPr>
+          <p:cNvCxnSpPr>
+            <a:cxnSpLocks/>
+            <a:stCxn id="6" idx="1"/>
+            <a:endCxn id="19" idx="3"/>
+          </p:cNvCxnSpPr>
+          <p:nvPr/>
+        </p:nvCxnSpPr>
+        <p:spPr>
+          <a:xfrm flipH="1">
+            <a:off x="5205536" y="6379494"/>
+            <a:ext cx="1375880" cy="13211"/>
+          </a:xfrm>
+          <a:prstGeom prst="straightConnector1">
+            <a:avLst/>
+          </a:prstGeom>
+          <a:ln w="12700">
+            <a:solidFill>
+              <a:srgbClr val="545B64"/>
+            </a:solidFill>
+            <a:headEnd type="arrow" w="med" len="sm"/>
+            <a:tailEnd type="none" w="med" len="sm"/>
+          </a:ln>
+        </p:spPr>
+        <p:style>
+          <a:lnRef idx="1">
+            <a:schemeClr val="accent1"/>
+          </a:lnRef>
+          <a:fillRef idx="0">
+            <a:schemeClr val="accent1"/>
+          </a:fillRef>
+          <a:effectRef idx="0">
+            <a:schemeClr val="accent1"/>
+          </a:effectRef>
+          <a:fontRef idx="minor">
+            <a:schemeClr val="tx1"/>
+          </a:fontRef>
+        </p:style>
+      </p:cxnSp>
+      <p:sp>
+        <p:nvSpPr>
+          <p:cNvPr id="56" name="TextBox 55">
+            <a:extLst>
+              <a:ext uri="{FF2B5EF4-FFF2-40B4-BE49-F238E27FC236}">
+                <a16:creationId xmlns:a16="http://schemas.microsoft.com/office/drawing/2014/main" id="{497025F6-2CB5-5E46-9CBF-31CF17E562B8}"/>
+              </a:ext>
+            </a:extLst>
+          </p:cNvPr>
+          <p:cNvSpPr txBox="1"/>
+          <p:nvPr/>
+        </p:nvSpPr>
+        <p:spPr>
+          <a:xfrm>
+            <a:off x="4538378" y="6026392"/>
+            <a:ext cx="2629096" cy="369332"/>
+          </a:xfrm>
+          <a:prstGeom prst="rect">
+            <a:avLst/>
+          </a:prstGeom>
+          <a:noFill/>
+        </p:spPr>
+        <p:txBody>
+          <a:bodyPr wrap="square" rtlCol="0">
+            <a:spAutoFit/>
+          </a:bodyPr>
+          <a:lstStyle/>
+          <a:p>
+            <a:pPr algn="ctr"/>
+            <a:r>
+              <a:rPr kumimoji="1" lang="en-US" altLang="ko-Kore-KR" dirty="0"/>
+              <a:t>Cron trigger</a:t>
+            </a:r>
+            <a:endParaRPr kumimoji="1" lang="ko-Kore-KR" altLang="en-US" dirty="0"/>
+          </a:p>
+        </p:txBody>
+      </p:sp>
+      <p:sp>
+        <p:nvSpPr>
+          <p:cNvPr id="57" name="TextBox 56">
+            <a:extLst>
+              <a:ext uri="{FF2B5EF4-FFF2-40B4-BE49-F238E27FC236}">
+                <a16:creationId xmlns:a16="http://schemas.microsoft.com/office/drawing/2014/main" id="{AF14C420-1C97-5944-BDB5-A039FDE951FA}"/>
+              </a:ext>
+            </a:extLst>
+          </p:cNvPr>
+          <p:cNvSpPr txBox="1"/>
+          <p:nvPr/>
+        </p:nvSpPr>
+        <p:spPr>
+          <a:xfrm>
+            <a:off x="5695883" y="6987388"/>
+            <a:ext cx="2943181" cy="369332"/>
+          </a:xfrm>
+          <a:prstGeom prst="rect">
+            <a:avLst/>
+          </a:prstGeom>
+          <a:noFill/>
+        </p:spPr>
+        <p:txBody>
+          <a:bodyPr wrap="square" rtlCol="0">
+            <a:spAutoFit/>
+          </a:bodyPr>
+          <a:lstStyle/>
+          <a:p>
+            <a:pPr algn="ctr"/>
+            <a:r>
+              <a:rPr kumimoji="1" lang="en-US" altLang="ko-Kore-KR" dirty="0"/>
+              <a:t>Lambda for CTAS Query</a:t>
+            </a:r>
+            <a:endParaRPr kumimoji="1" lang="ko-Kore-KR" altLang="en-US" dirty="0"/>
+          </a:p>
+        </p:txBody>
+      </p:sp>
+      <p:sp>
+        <p:nvSpPr>
+          <p:cNvPr id="58" name="위쪽 화살표[U] 57">
+            <a:extLst>
+              <a:ext uri="{FF2B5EF4-FFF2-40B4-BE49-F238E27FC236}">
+                <a16:creationId xmlns:a16="http://schemas.microsoft.com/office/drawing/2014/main" id="{AF45045C-5E9F-6349-9E10-D538391AE402}"/>
+              </a:ext>
+            </a:extLst>
+          </p:cNvPr>
+          <p:cNvSpPr/>
+          <p:nvPr/>
+        </p:nvSpPr>
+        <p:spPr>
+          <a:xfrm>
+            <a:off x="6940490" y="4115711"/>
+            <a:ext cx="600891" cy="1528768"/>
+          </a:xfrm>
+          <a:prstGeom prst="upArrow">
+            <a:avLst/>
+          </a:prstGeom>
+        </p:spPr>
+        <p:style>
+          <a:lnRef idx="2">
+            <a:schemeClr val="accent1">
+              <a:shade val="50000"/>
+            </a:schemeClr>
+          </a:lnRef>
+          <a:fillRef idx="1">
+            <a:schemeClr val="accent1"/>
+          </a:fillRef>
+          <a:effectRef idx="0">
+            <a:schemeClr val="accent1"/>
+          </a:effectRef>
+          <a:fontRef idx="minor">
+            <a:schemeClr val="lt1"/>
+          </a:fontRef>
+        </p:style>
+        <p:txBody>
+          <a:bodyPr rtlCol="0" anchor="ctr"/>
+          <a:lstStyle/>
+          <a:p>
+            <a:pPr algn="ctr"/>
+            <a:endParaRPr kumimoji="1" lang="ko-Kore-KR" altLang="en-US"/>
+          </a:p>
+        </p:txBody>
+      </p:sp>
+      <p:sp>
+        <p:nvSpPr>
+          <p:cNvPr id="59" name="TextBox 58">
+            <a:extLst>
+              <a:ext uri="{FF2B5EF4-FFF2-40B4-BE49-F238E27FC236}">
+                <a16:creationId xmlns:a16="http://schemas.microsoft.com/office/drawing/2014/main" id="{CD6138B1-80CD-554C-9F07-BC33FC8B8CCF}"/>
+              </a:ext>
+            </a:extLst>
+          </p:cNvPr>
+          <p:cNvSpPr txBox="1"/>
+          <p:nvPr/>
+        </p:nvSpPr>
+        <p:spPr>
+          <a:xfrm>
+            <a:off x="6940490" y="4810544"/>
+            <a:ext cx="2629096" cy="369332"/>
+          </a:xfrm>
+          <a:prstGeom prst="rect">
+            <a:avLst/>
+          </a:prstGeom>
+          <a:noFill/>
+        </p:spPr>
+        <p:txBody>
+          <a:bodyPr wrap="square" rtlCol="0">
+            <a:spAutoFit/>
+          </a:bodyPr>
+          <a:lstStyle/>
+          <a:p>
+            <a:pPr algn="ctr"/>
+            <a:r>
+              <a:rPr kumimoji="1" lang="en-US" altLang="ko-Kore-KR" dirty="0"/>
+              <a:t>Execute Query</a:t>
+            </a:r>
+            <a:endParaRPr kumimoji="1" lang="ko-Kore-KR" altLang="en-US" dirty="0"/>
+          </a:p>
+        </p:txBody>
+      </p:sp>
+    </p:spTree>
+    <p:extLst>
+      <p:ext uri="{BB962C8B-B14F-4D97-AF65-F5344CB8AC3E}">
+        <p14:creationId xmlns:p14="http://schemas.microsoft.com/office/powerpoint/2010/main" val="1590268681"/>
       </p:ext>
     </p:extLst>
   </p:cSld>
